--- a/ui-design.pptx
+++ b/ui-design.pptx
@@ -5,13 +5,13 @@
     <p:sldMasterId id="2147483648" r:id="rId1"/>
   </p:sldMasterIdLst>
   <p:notesMasterIdLst>
-    <p:notesMasterId r:id="rId16"/>
+    <p:notesMasterId r:id="rId17"/>
   </p:notesMasterIdLst>
   <p:sldIdLst>
     <p:sldId id="258" r:id="rId2"/>
     <p:sldId id="264" r:id="rId3"/>
     <p:sldId id="257" r:id="rId4"/>
-    <p:sldId id="256" r:id="rId5"/>
+    <p:sldId id="270" r:id="rId5"/>
     <p:sldId id="262" r:id="rId6"/>
     <p:sldId id="265" r:id="rId7"/>
     <p:sldId id="263" r:id="rId8"/>
@@ -22,6 +22,7 @@
     <p:sldId id="268" r:id="rId13"/>
     <p:sldId id="261" r:id="rId14"/>
     <p:sldId id="269" r:id="rId15"/>
+    <p:sldId id="271" r:id="rId16"/>
   </p:sldIdLst>
   <p:sldSz cx="9144000" cy="6858000" type="screen4x3"/>
   <p:notesSz cx="6858000" cy="9144000"/>
@@ -205,7 +206,7 @@
           <a:p>
             <a:fld id="{7E8B0FE1-F1DB-F04C-B63A-44F0D109DE61}" type="datetimeFigureOut">
               <a:rPr lang="en-US" smtClean="0"/>
-              <a:t>11/13/15</a:t>
+              <a:t>11/19/15</a:t>
             </a:fld>
             <a:endParaRPr lang="en-US"/>
           </a:p>
@@ -738,7 +739,7 @@
           <a:p>
             <a:fld id="{870016C5-DA21-2C4B-A3AB-365730E00816}" type="datetimeFigureOut">
               <a:rPr lang="en-US" smtClean="0"/>
-              <a:t>11/12/15</a:t>
+              <a:t>11/19/15</a:t>
             </a:fld>
             <a:endParaRPr lang="en-US"/>
           </a:p>
@@ -908,7 +909,7 @@
           <a:p>
             <a:fld id="{870016C5-DA21-2C4B-A3AB-365730E00816}" type="datetimeFigureOut">
               <a:rPr lang="en-US" smtClean="0"/>
-              <a:t>11/12/15</a:t>
+              <a:t>11/19/15</a:t>
             </a:fld>
             <a:endParaRPr lang="en-US"/>
           </a:p>
@@ -1088,7 +1089,7 @@
           <a:p>
             <a:fld id="{870016C5-DA21-2C4B-A3AB-365730E00816}" type="datetimeFigureOut">
               <a:rPr lang="en-US" smtClean="0"/>
-              <a:t>11/12/15</a:t>
+              <a:t>11/19/15</a:t>
             </a:fld>
             <a:endParaRPr lang="en-US"/>
           </a:p>
@@ -1258,7 +1259,7 @@
           <a:p>
             <a:fld id="{870016C5-DA21-2C4B-A3AB-365730E00816}" type="datetimeFigureOut">
               <a:rPr lang="en-US" smtClean="0"/>
-              <a:t>11/12/15</a:t>
+              <a:t>11/19/15</a:t>
             </a:fld>
             <a:endParaRPr lang="en-US"/>
           </a:p>
@@ -1504,7 +1505,7 @@
           <a:p>
             <a:fld id="{870016C5-DA21-2C4B-A3AB-365730E00816}" type="datetimeFigureOut">
               <a:rPr lang="en-US" smtClean="0"/>
-              <a:t>11/12/15</a:t>
+              <a:t>11/19/15</a:t>
             </a:fld>
             <a:endParaRPr lang="en-US"/>
           </a:p>
@@ -1792,7 +1793,7 @@
           <a:p>
             <a:fld id="{870016C5-DA21-2C4B-A3AB-365730E00816}" type="datetimeFigureOut">
               <a:rPr lang="en-US" smtClean="0"/>
-              <a:t>11/12/15</a:t>
+              <a:t>11/19/15</a:t>
             </a:fld>
             <a:endParaRPr lang="en-US"/>
           </a:p>
@@ -2214,7 +2215,7 @@
           <a:p>
             <a:fld id="{870016C5-DA21-2C4B-A3AB-365730E00816}" type="datetimeFigureOut">
               <a:rPr lang="en-US" smtClean="0"/>
-              <a:t>11/12/15</a:t>
+              <a:t>11/19/15</a:t>
             </a:fld>
             <a:endParaRPr lang="en-US"/>
           </a:p>
@@ -2332,7 +2333,7 @@
           <a:p>
             <a:fld id="{870016C5-DA21-2C4B-A3AB-365730E00816}" type="datetimeFigureOut">
               <a:rPr lang="en-US" smtClean="0"/>
-              <a:t>11/12/15</a:t>
+              <a:t>11/19/15</a:t>
             </a:fld>
             <a:endParaRPr lang="en-US"/>
           </a:p>
@@ -2427,7 +2428,7 @@
           <a:p>
             <a:fld id="{870016C5-DA21-2C4B-A3AB-365730E00816}" type="datetimeFigureOut">
               <a:rPr lang="en-US" smtClean="0"/>
-              <a:t>11/12/15</a:t>
+              <a:t>11/19/15</a:t>
             </a:fld>
             <a:endParaRPr lang="en-US"/>
           </a:p>
@@ -2704,7 +2705,7 @@
           <a:p>
             <a:fld id="{870016C5-DA21-2C4B-A3AB-365730E00816}" type="datetimeFigureOut">
               <a:rPr lang="en-US" smtClean="0"/>
-              <a:t>11/12/15</a:t>
+              <a:t>11/19/15</a:t>
             </a:fld>
             <a:endParaRPr lang="en-US"/>
           </a:p>
@@ -2957,7 +2958,7 @@
           <a:p>
             <a:fld id="{870016C5-DA21-2C4B-A3AB-365730E00816}" type="datetimeFigureOut">
               <a:rPr lang="en-US" smtClean="0"/>
-              <a:t>11/12/15</a:t>
+              <a:t>11/19/15</a:t>
             </a:fld>
             <a:endParaRPr lang="en-US"/>
           </a:p>
@@ -3022,9 +3023,28 @@
 <p:sldMaster xmlns:a="http://schemas.openxmlformats.org/drawingml/2006/main" xmlns:r="http://schemas.openxmlformats.org/officeDocument/2006/relationships" xmlns:p="http://schemas.openxmlformats.org/presentationml/2006/main">
   <p:cSld>
     <p:bg>
-      <p:bgRef idx="1001">
-        <a:schemeClr val="bg1"/>
-      </p:bgRef>
+      <p:bgPr>
+        <a:blipFill dpi="0" rotWithShape="1">
+          <a:blip r:embed="rId13">
+            <a:extLst>
+              <a:ext uri="{BEBA8EAE-BF5A-486C-A8C5-ECC9F3942E4B}">
+                <a14:imgProps xmlns:a14="http://schemas.microsoft.com/office/drawing/2010/main">
+                  <a14:imgLayer r:embed="rId14">
+                    <a14:imgEffect>
+                      <a14:brightnessContrast bright="-30000"/>
+                    </a14:imgEffect>
+                  </a14:imgLayer>
+                </a14:imgProps>
+              </a:ext>
+            </a:extLst>
+          </a:blip>
+          <a:srcRect/>
+          <a:stretch>
+            <a:fillRect/>
+          </a:stretch>
+        </a:blipFill>
+        <a:effectLst/>
+      </p:bgPr>
     </p:bg>
     <p:spTree>
       <p:nvGrpSpPr>
@@ -3170,7 +3190,7 @@
           <a:p>
             <a:fld id="{870016C5-DA21-2C4B-A3AB-365730E00816}" type="datetimeFigureOut">
               <a:rPr lang="en-US" smtClean="0"/>
-              <a:t>11/12/15</a:t>
+              <a:t>11/19/15</a:t>
             </a:fld>
             <a:endParaRPr lang="en-US"/>
           </a:p>
@@ -3583,7 +3603,136 @@
           <a:bodyPr/>
           <a:lstStyle/>
           <a:p>
-            <a:endParaRPr lang="en-US"/>
+            <a:endParaRPr lang="en-US" dirty="0"/>
+          </a:p>
+        </p:txBody>
+      </p:sp>
+      <p:sp>
+        <p:nvSpPr>
+          <p:cNvPr id="4" name="TextBox 3"/>
+          <p:cNvSpPr txBox="1"/>
+          <p:nvPr/>
+        </p:nvSpPr>
+        <p:spPr>
+          <a:xfrm>
+            <a:off x="5207000" y="5277910"/>
+            <a:ext cx="3468277" cy="923330"/>
+          </a:xfrm>
+          <a:prstGeom prst="rect">
+            <a:avLst/>
+          </a:prstGeom>
+          <a:solidFill>
+            <a:srgbClr val="000000">
+              <a:alpha val="71000"/>
+            </a:srgbClr>
+          </a:solidFill>
+        </p:spPr>
+        <p:txBody>
+          <a:bodyPr wrap="square" rtlCol="0">
+            <a:spAutoFit/>
+          </a:bodyPr>
+          <a:lstStyle/>
+          <a:p>
+            <a:r>
+              <a:rPr lang="en-US" dirty="0" smtClean="0">
+                <a:solidFill>
+                  <a:srgbClr val="FFFFFF"/>
+                </a:solidFill>
+              </a:rPr>
+              <a:t>We will implement auto complete for ingredients in order to avoid misspellings. </a:t>
+            </a:r>
+            <a:endParaRPr lang="en-US" dirty="0">
+              <a:solidFill>
+                <a:srgbClr val="FFFFFF"/>
+              </a:solidFill>
+            </a:endParaRPr>
+          </a:p>
+        </p:txBody>
+      </p:sp>
+      <p:sp>
+        <p:nvSpPr>
+          <p:cNvPr id="5" name="TextBox 4"/>
+          <p:cNvSpPr txBox="1"/>
+          <p:nvPr/>
+        </p:nvSpPr>
+        <p:spPr>
+          <a:xfrm>
+            <a:off x="4978400" y="4854252"/>
+            <a:ext cx="228600" cy="369332"/>
+          </a:xfrm>
+          <a:prstGeom prst="rect">
+            <a:avLst/>
+          </a:prstGeom>
+          <a:noFill/>
+        </p:spPr>
+        <p:txBody>
+          <a:bodyPr wrap="square" rtlCol="0">
+            <a:spAutoFit/>
+          </a:bodyPr>
+          <a:lstStyle/>
+          <a:p>
+            <a:r>
+              <a:rPr lang="en-US" dirty="0">
+                <a:solidFill>
+                  <a:srgbClr val="FF9111"/>
+                </a:solidFill>
+              </a:rPr>
+              <a:t>+</a:t>
+            </a:r>
+          </a:p>
+        </p:txBody>
+      </p:sp>
+      <p:sp>
+        <p:nvSpPr>
+          <p:cNvPr id="6" name="Rectangle 5"/>
+          <p:cNvSpPr/>
+          <p:nvPr/>
+        </p:nvSpPr>
+        <p:spPr>
+          <a:xfrm>
+            <a:off x="5464772" y="4847902"/>
+            <a:ext cx="2866428" cy="368300"/>
+          </a:xfrm>
+          <a:prstGeom prst="rect">
+            <a:avLst/>
+          </a:prstGeom>
+          <a:noFill/>
+          <a:ln>
+            <a:solidFill>
+              <a:schemeClr val="bg1"/>
+            </a:solidFill>
+          </a:ln>
+        </p:spPr>
+        <p:style>
+          <a:lnRef idx="1">
+            <a:schemeClr val="accent1"/>
+          </a:lnRef>
+          <a:fillRef idx="3">
+            <a:schemeClr val="accent1"/>
+          </a:fillRef>
+          <a:effectRef idx="2">
+            <a:schemeClr val="accent1"/>
+          </a:effectRef>
+          <a:fontRef idx="minor">
+            <a:schemeClr val="lt1"/>
+          </a:fontRef>
+        </p:style>
+        <p:txBody>
+          <a:bodyPr rtlCol="0" anchor="ctr"/>
+          <a:lstStyle/>
+          <a:p>
+            <a:pPr algn="ctr"/>
+            <a:r>
+              <a:rPr lang="en-US" sz="1600" i="1" dirty="0" smtClean="0">
+                <a:latin typeface="Brandon Grotesque Regular"/>
+                <a:cs typeface="Brandon Grotesque Regular"/>
+              </a:rPr>
+              <a:t>Add an ingredient</a:t>
+            </a:r>
+            <a:endParaRPr lang="en-US" sz="1600" i="1" dirty="0">
+              <a:latin typeface="Brandon Grotesque Regular"/>
+              <a:cs typeface="Brandon Grotesque Regular"/>
+            </a:endParaRPr>
           </a:p>
         </p:txBody>
       </p:sp>
@@ -3619,14 +3768,160 @@
       </p:grpSpPr>
       <p:sp>
         <p:nvSpPr>
-          <p:cNvPr id="4" name="Rectangle 3"/>
+          <p:cNvPr id="9" name="TextBox 8"/>
+          <p:cNvSpPr txBox="1"/>
+          <p:nvPr/>
+        </p:nvSpPr>
+        <p:spPr>
+          <a:xfrm>
+            <a:off x="4486906" y="809479"/>
+            <a:ext cx="1854166" cy="338554"/>
+          </a:xfrm>
+          <a:prstGeom prst="rect">
+            <a:avLst/>
+          </a:prstGeom>
+          <a:noFill/>
+        </p:spPr>
+        <p:txBody>
+          <a:bodyPr wrap="square" rtlCol="0">
+            <a:spAutoFit/>
+          </a:bodyPr>
+          <a:lstStyle/>
+          <a:p>
+            <a:r>
+              <a:rPr lang="en-US" sz="1600" dirty="0" smtClean="0">
+                <a:solidFill>
+                  <a:srgbClr val="FFFFFF"/>
+                </a:solidFill>
+                <a:latin typeface="Brandon Grotesque Medium"/>
+                <a:cs typeface="Brandon Grotesque Medium"/>
+              </a:rPr>
+              <a:t>Hire a Sous Chef</a:t>
+            </a:r>
+            <a:endParaRPr lang="en-US" sz="1600" dirty="0">
+              <a:solidFill>
+                <a:srgbClr val="FFFFFF"/>
+              </a:solidFill>
+              <a:latin typeface="Brandon Grotesque Medium"/>
+              <a:cs typeface="Brandon Grotesque Medium"/>
+            </a:endParaRPr>
+          </a:p>
+        </p:txBody>
+      </p:sp>
+      <p:sp>
+        <p:nvSpPr>
+          <p:cNvPr id="10" name="Rectangle 9"/>
           <p:cNvSpPr/>
           <p:nvPr/>
         </p:nvSpPr>
         <p:spPr>
           <a:xfrm>
-            <a:off x="0" y="0"/>
-            <a:ext cx="9144000" cy="635072"/>
+            <a:off x="6489666" y="814883"/>
+            <a:ext cx="2311434" cy="312990"/>
+          </a:xfrm>
+          <a:prstGeom prst="rect">
+            <a:avLst/>
+          </a:prstGeom>
+          <a:solidFill>
+            <a:schemeClr val="bg1"/>
+          </a:solidFill>
+          <a:ln>
+            <a:solidFill>
+              <a:schemeClr val="bg1">
+                <a:lumMod val="65000"/>
+              </a:schemeClr>
+            </a:solidFill>
+          </a:ln>
+        </p:spPr>
+        <p:style>
+          <a:lnRef idx="1">
+            <a:schemeClr val="accent1"/>
+          </a:lnRef>
+          <a:fillRef idx="3">
+            <a:schemeClr val="accent1"/>
+          </a:fillRef>
+          <a:effectRef idx="2">
+            <a:schemeClr val="accent1"/>
+          </a:effectRef>
+          <a:fontRef idx="minor">
+            <a:schemeClr val="lt1"/>
+          </a:fontRef>
+        </p:style>
+        <p:txBody>
+          <a:bodyPr rtlCol="0" anchor="ctr"/>
+          <a:lstStyle/>
+          <a:p>
+            <a:pPr algn="ctr"/>
+            <a:endParaRPr lang="en-US"/>
+          </a:p>
+        </p:txBody>
+      </p:sp>
+      <p:sp>
+        <p:nvSpPr>
+          <p:cNvPr id="19" name="Rectangle 18"/>
+          <p:cNvSpPr/>
+          <p:nvPr/>
+        </p:nvSpPr>
+        <p:spPr>
+          <a:xfrm>
+            <a:off x="0" y="635072"/>
+            <a:ext cx="4114800" cy="5981628"/>
+          </a:xfrm>
+          <a:prstGeom prst="rect">
+            <a:avLst/>
+          </a:prstGeom>
+          <a:solidFill>
+            <a:srgbClr val="000000">
+              <a:alpha val="59000"/>
+            </a:srgbClr>
+          </a:solidFill>
+          <a:ln>
+            <a:noFill/>
+          </a:ln>
+        </p:spPr>
+        <p:style>
+          <a:lnRef idx="1">
+            <a:schemeClr val="accent1"/>
+          </a:lnRef>
+          <a:fillRef idx="3">
+            <a:schemeClr val="accent1"/>
+          </a:fillRef>
+          <a:effectRef idx="2">
+            <a:schemeClr val="accent1"/>
+          </a:effectRef>
+          <a:fontRef idx="minor">
+            <a:schemeClr val="lt1"/>
+          </a:fontRef>
+        </p:style>
+        <p:txBody>
+          <a:bodyPr rtlCol="0" anchor="ctr"/>
+          <a:lstStyle/>
+          <a:p>
+            <a:pPr algn="ctr"/>
+            <a:r>
+              <a:rPr lang="en-US" sz="9600" dirty="0" smtClean="0">
+                <a:latin typeface="Brandon Grotesque Bold"/>
+                <a:cs typeface="Brandon Grotesque Bold"/>
+              </a:rPr>
+              <a:t>Sous Chefs</a:t>
+            </a:r>
+            <a:endParaRPr lang="en-US" sz="9600" dirty="0">
+              <a:latin typeface="Brandon Grotesque Bold"/>
+              <a:cs typeface="Brandon Grotesque Bold"/>
+            </a:endParaRPr>
+          </a:p>
+        </p:txBody>
+      </p:sp>
+      <p:sp>
+        <p:nvSpPr>
+          <p:cNvPr id="20" name="Rectangle 19"/>
+          <p:cNvSpPr/>
+          <p:nvPr/>
+        </p:nvSpPr>
+        <p:spPr>
+          <a:xfrm>
+            <a:off x="4565726" y="1483147"/>
+            <a:ext cx="4235373" cy="526645"/>
           </a:xfrm>
           <a:prstGeom prst="rect">
             <a:avLst/>
@@ -3659,325 +3954,29 @@
           <a:lstStyle/>
           <a:p>
             <a:pPr algn="ctr"/>
-            <a:endParaRPr lang="en-US"/>
-          </a:p>
-        </p:txBody>
-      </p:sp>
-      <p:sp>
-        <p:nvSpPr>
-          <p:cNvPr id="5" name="TextBox 4"/>
-          <p:cNvSpPr txBox="1"/>
-          <p:nvPr/>
-        </p:nvSpPr>
-        <p:spPr>
-          <a:xfrm>
-            <a:off x="139396" y="46469"/>
-            <a:ext cx="1719219" cy="461665"/>
-          </a:xfrm>
-          <a:prstGeom prst="rect">
-            <a:avLst/>
-          </a:prstGeom>
-          <a:noFill/>
-        </p:spPr>
-        <p:txBody>
-          <a:bodyPr wrap="square" rtlCol="0">
-            <a:spAutoFit/>
-          </a:bodyPr>
-          <a:lstStyle/>
-          <a:p>
-            <a:r>
-              <a:rPr lang="en-US" sz="2400" b="1" dirty="0" err="1" smtClean="0">
-                <a:solidFill>
-                  <a:schemeClr val="bg1"/>
-                </a:solidFill>
-                <a:latin typeface="Avenir Black"/>
-                <a:cs typeface="Avenir Black"/>
+            <a:r>
+              <a:rPr lang="en-US" dirty="0" err="1" smtClean="0">
+                <a:latin typeface="Brandon Grotesque Regular"/>
+                <a:cs typeface="Brandon Grotesque Regular"/>
               </a:rPr>
-              <a:t>ImHungry</a:t>
-            </a:r>
-            <a:endParaRPr lang="en-US" sz="2400" b="1" dirty="0">
-              <a:solidFill>
-                <a:schemeClr val="bg1"/>
-              </a:solidFill>
-              <a:latin typeface="Avenir Black"/>
-              <a:cs typeface="Avenir Black"/>
+              <a:t>chieni</a:t>
+            </a:r>
+            <a:endParaRPr lang="en-US" dirty="0">
+              <a:latin typeface="Brandon Grotesque Regular"/>
+              <a:cs typeface="Brandon Grotesque Regular"/>
             </a:endParaRPr>
           </a:p>
         </p:txBody>
       </p:sp>
       <p:sp>
         <p:nvSpPr>
-          <p:cNvPr id="6" name="TextBox 5"/>
-          <p:cNvSpPr txBox="1"/>
-          <p:nvPr/>
-        </p:nvSpPr>
-        <p:spPr>
-          <a:xfrm>
-            <a:off x="7945580" y="138802"/>
-            <a:ext cx="1198419" cy="369332"/>
-          </a:xfrm>
-          <a:prstGeom prst="rect">
-            <a:avLst/>
-          </a:prstGeom>
-          <a:noFill/>
-        </p:spPr>
-        <p:txBody>
-          <a:bodyPr wrap="square" rtlCol="0">
-            <a:spAutoFit/>
-          </a:bodyPr>
-          <a:lstStyle/>
-          <a:p>
-            <a:r>
-              <a:rPr lang="en-US" dirty="0" smtClean="0">
-                <a:solidFill>
-                  <a:srgbClr val="FFFFFF"/>
-                </a:solidFill>
-                <a:latin typeface="Avenir Book"/>
-                <a:cs typeface="Avenir Book"/>
-              </a:rPr>
-              <a:t>Pantry</a:t>
-            </a:r>
-            <a:endParaRPr lang="en-US" dirty="0">
-              <a:solidFill>
-                <a:srgbClr val="FFFFFF"/>
-              </a:solidFill>
-              <a:latin typeface="Avenir Book"/>
-              <a:cs typeface="Avenir Book"/>
-            </a:endParaRPr>
-          </a:p>
-        </p:txBody>
-      </p:sp>
-      <p:sp>
-        <p:nvSpPr>
-          <p:cNvPr id="7" name="TextBox 6"/>
-          <p:cNvSpPr txBox="1"/>
-          <p:nvPr/>
-        </p:nvSpPr>
-        <p:spPr>
-          <a:xfrm>
-            <a:off x="6489666" y="136307"/>
-            <a:ext cx="1412355" cy="369332"/>
-          </a:xfrm>
-          <a:prstGeom prst="rect">
-            <a:avLst/>
-          </a:prstGeom>
-          <a:noFill/>
-        </p:spPr>
-        <p:txBody>
-          <a:bodyPr wrap="square" rtlCol="0">
-            <a:spAutoFit/>
-          </a:bodyPr>
-          <a:lstStyle/>
-          <a:p>
-            <a:r>
-              <a:rPr lang="en-US" dirty="0" smtClean="0">
-                <a:solidFill>
-                  <a:srgbClr val="FFFFFF"/>
-                </a:solidFill>
-                <a:latin typeface="Avenir Book"/>
-                <a:cs typeface="Avenir Book"/>
-              </a:rPr>
-              <a:t>Cookbook</a:t>
-            </a:r>
-            <a:endParaRPr lang="en-US" dirty="0">
-              <a:solidFill>
-                <a:srgbClr val="FFFFFF"/>
-              </a:solidFill>
-              <a:latin typeface="Avenir Book"/>
-              <a:cs typeface="Avenir Book"/>
-            </a:endParaRPr>
-          </a:p>
-        </p:txBody>
-      </p:sp>
-      <p:sp>
-        <p:nvSpPr>
-          <p:cNvPr id="8" name="TextBox 7"/>
-          <p:cNvSpPr txBox="1"/>
-          <p:nvPr/>
-        </p:nvSpPr>
-        <p:spPr>
-          <a:xfrm>
-            <a:off x="4928717" y="136307"/>
-            <a:ext cx="1412355" cy="369332"/>
-          </a:xfrm>
-          <a:prstGeom prst="rect">
-            <a:avLst/>
-          </a:prstGeom>
-          <a:noFill/>
-        </p:spPr>
-        <p:txBody>
-          <a:bodyPr wrap="square" rtlCol="0">
-            <a:spAutoFit/>
-          </a:bodyPr>
-          <a:lstStyle/>
-          <a:p>
-            <a:r>
-              <a:rPr lang="en-US" b="1" dirty="0" smtClean="0">
-                <a:solidFill>
-                  <a:srgbClr val="FFFFFF"/>
-                </a:solidFill>
-                <a:latin typeface="Avenir Black"/>
-                <a:cs typeface="Avenir Black"/>
-              </a:rPr>
-              <a:t>Sous Chefs</a:t>
-            </a:r>
-            <a:endParaRPr lang="en-US" b="1" dirty="0">
-              <a:solidFill>
-                <a:srgbClr val="FFFFFF"/>
-              </a:solidFill>
-              <a:latin typeface="Avenir Black"/>
-              <a:cs typeface="Avenir Black"/>
-            </a:endParaRPr>
-          </a:p>
-        </p:txBody>
-      </p:sp>
-      <p:sp>
-        <p:nvSpPr>
-          <p:cNvPr id="9" name="TextBox 8"/>
-          <p:cNvSpPr txBox="1"/>
-          <p:nvPr/>
-        </p:nvSpPr>
-        <p:spPr>
-          <a:xfrm>
-            <a:off x="4486906" y="809479"/>
-            <a:ext cx="1854166" cy="307777"/>
-          </a:xfrm>
-          <a:prstGeom prst="rect">
-            <a:avLst/>
-          </a:prstGeom>
-          <a:noFill/>
-        </p:spPr>
-        <p:txBody>
-          <a:bodyPr wrap="square" rtlCol="0">
-            <a:spAutoFit/>
-          </a:bodyPr>
-          <a:lstStyle/>
-          <a:p>
-            <a:r>
-              <a:rPr lang="en-US" sz="1400" dirty="0" smtClean="0">
-                <a:latin typeface="Avenir Book"/>
-                <a:cs typeface="Avenir Book"/>
-              </a:rPr>
-              <a:t>Hire a Sous Chef</a:t>
-            </a:r>
-            <a:endParaRPr lang="en-US" sz="1400" dirty="0">
-              <a:latin typeface="Avenir Book"/>
-              <a:cs typeface="Avenir Book"/>
-            </a:endParaRPr>
-          </a:p>
-        </p:txBody>
-      </p:sp>
-      <p:sp>
-        <p:nvSpPr>
-          <p:cNvPr id="10" name="Rectangle 9"/>
+          <p:cNvPr id="21" name="Rectangle 20"/>
           <p:cNvSpPr/>
           <p:nvPr/>
         </p:nvSpPr>
         <p:spPr>
           <a:xfrm>
-            <a:off x="6489666" y="814883"/>
-            <a:ext cx="2311434" cy="312990"/>
-          </a:xfrm>
-          <a:prstGeom prst="rect">
-            <a:avLst/>
-          </a:prstGeom>
-          <a:noFill/>
-          <a:ln>
-            <a:solidFill>
-              <a:schemeClr val="bg1">
-                <a:lumMod val="65000"/>
-              </a:schemeClr>
-            </a:solidFill>
-          </a:ln>
-        </p:spPr>
-        <p:style>
-          <a:lnRef idx="1">
-            <a:schemeClr val="accent1"/>
-          </a:lnRef>
-          <a:fillRef idx="3">
-            <a:schemeClr val="accent1"/>
-          </a:fillRef>
-          <a:effectRef idx="2">
-            <a:schemeClr val="accent1"/>
-          </a:effectRef>
-          <a:fontRef idx="minor">
-            <a:schemeClr val="lt1"/>
-          </a:fontRef>
-        </p:style>
-        <p:txBody>
-          <a:bodyPr rtlCol="0" anchor="ctr"/>
-          <a:lstStyle/>
-          <a:p>
-            <a:pPr algn="ctr"/>
-            <a:endParaRPr lang="en-US"/>
-          </a:p>
-        </p:txBody>
-      </p:sp>
-      <p:sp>
-        <p:nvSpPr>
-          <p:cNvPr id="19" name="Rectangle 18"/>
-          <p:cNvSpPr/>
-          <p:nvPr/>
-        </p:nvSpPr>
-        <p:spPr>
-          <a:xfrm>
-            <a:off x="0" y="635072"/>
-            <a:ext cx="4114800" cy="5981628"/>
-          </a:xfrm>
-          <a:prstGeom prst="rect">
-            <a:avLst/>
-          </a:prstGeom>
-          <a:solidFill>
-            <a:srgbClr val="FFA91D"/>
-          </a:solidFill>
-          <a:ln>
-            <a:solidFill>
-              <a:srgbClr val="FFA91D"/>
-            </a:solidFill>
-          </a:ln>
-        </p:spPr>
-        <p:style>
-          <a:lnRef idx="1">
-            <a:schemeClr val="accent1"/>
-          </a:lnRef>
-          <a:fillRef idx="3">
-            <a:schemeClr val="accent1"/>
-          </a:fillRef>
-          <a:effectRef idx="2">
-            <a:schemeClr val="accent1"/>
-          </a:effectRef>
-          <a:fontRef idx="minor">
-            <a:schemeClr val="lt1"/>
-          </a:fontRef>
-        </p:style>
-        <p:txBody>
-          <a:bodyPr rtlCol="0" anchor="ctr"/>
-          <a:lstStyle/>
-          <a:p>
-            <a:pPr algn="ctr"/>
-            <a:r>
-              <a:rPr lang="en-US" sz="9600" dirty="0" smtClean="0">
-                <a:latin typeface="Avenir Black"/>
-                <a:cs typeface="Avenir Black"/>
-              </a:rPr>
-              <a:t>Sous Chefs</a:t>
-            </a:r>
-            <a:endParaRPr lang="en-US" sz="9600" dirty="0">
-              <a:latin typeface="Avenir Black"/>
-              <a:cs typeface="Avenir Black"/>
-            </a:endParaRPr>
-          </a:p>
-        </p:txBody>
-      </p:sp>
-      <p:sp>
-        <p:nvSpPr>
-          <p:cNvPr id="20" name="Rectangle 19"/>
-          <p:cNvSpPr/>
-          <p:nvPr/>
-        </p:nvSpPr>
-        <p:spPr>
-          <a:xfrm>
-            <a:off x="4565726" y="1483147"/>
+            <a:off x="4565726" y="2101089"/>
             <a:ext cx="4235373" cy="526645"/>
           </a:xfrm>
           <a:prstGeom prst="rect">
@@ -4012,22 +4011,28 @@
           <a:p>
             <a:pPr algn="ctr"/>
             <a:r>
-              <a:rPr lang="en-US" dirty="0" err="1" smtClean="0"/>
-              <a:t>chieni</a:t>
-            </a:r>
-            <a:endParaRPr lang="en-US" dirty="0"/>
-          </a:p>
-        </p:txBody>
-      </p:sp>
-      <p:sp>
-        <p:nvSpPr>
-          <p:cNvPr id="21" name="Rectangle 20"/>
+              <a:rPr lang="en-US" dirty="0" err="1" smtClean="0">
+                <a:latin typeface="Brandon Grotesque Regular"/>
+                <a:cs typeface="Brandon Grotesque Regular"/>
+              </a:rPr>
+              <a:t>nlucas</a:t>
+            </a:r>
+            <a:endParaRPr lang="en-US" dirty="0">
+              <a:latin typeface="Brandon Grotesque Regular"/>
+              <a:cs typeface="Brandon Grotesque Regular"/>
+            </a:endParaRPr>
+          </a:p>
+        </p:txBody>
+      </p:sp>
+      <p:sp>
+        <p:nvSpPr>
+          <p:cNvPr id="22" name="Rectangle 21"/>
           <p:cNvSpPr/>
           <p:nvPr/>
         </p:nvSpPr>
         <p:spPr>
           <a:xfrm>
-            <a:off x="4565726" y="2101089"/>
+            <a:off x="4565726" y="2733951"/>
             <a:ext cx="4235373" cy="526645"/>
           </a:xfrm>
           <a:prstGeom prst="rect">
@@ -4062,60 +4067,16 @@
           <a:p>
             <a:pPr algn="ctr"/>
             <a:r>
-              <a:rPr lang="en-US" dirty="0" err="1" smtClean="0"/>
-              <a:t>nlucas</a:t>
-            </a:r>
-            <a:endParaRPr lang="en-US" dirty="0"/>
-          </a:p>
-        </p:txBody>
-      </p:sp>
-      <p:sp>
-        <p:nvSpPr>
-          <p:cNvPr id="22" name="Rectangle 21"/>
-          <p:cNvSpPr/>
-          <p:nvPr/>
-        </p:nvSpPr>
-        <p:spPr>
-          <a:xfrm>
-            <a:off x="4565726" y="2733951"/>
-            <a:ext cx="4235373" cy="526645"/>
-          </a:xfrm>
-          <a:prstGeom prst="rect">
-            <a:avLst/>
-          </a:prstGeom>
-          <a:solidFill>
-            <a:srgbClr val="FFA91D"/>
-          </a:solidFill>
-          <a:ln>
-            <a:solidFill>
-              <a:srgbClr val="FFAF48"/>
-            </a:solidFill>
-          </a:ln>
-        </p:spPr>
-        <p:style>
-          <a:lnRef idx="1">
-            <a:schemeClr val="accent1"/>
-          </a:lnRef>
-          <a:fillRef idx="3">
-            <a:schemeClr val="accent1"/>
-          </a:fillRef>
-          <a:effectRef idx="2">
-            <a:schemeClr val="accent1"/>
-          </a:effectRef>
-          <a:fontRef idx="minor">
-            <a:schemeClr val="lt1"/>
-          </a:fontRef>
-        </p:style>
-        <p:txBody>
-          <a:bodyPr rtlCol="0" anchor="ctr"/>
-          <a:lstStyle/>
-          <a:p>
-            <a:pPr algn="ctr"/>
-            <a:r>
-              <a:rPr lang="en-US" dirty="0" err="1" smtClean="0"/>
+              <a:rPr lang="en-US" dirty="0" err="1" smtClean="0">
+                <a:latin typeface="Brandon Grotesque Regular"/>
+                <a:cs typeface="Brandon Grotesque Regular"/>
+              </a:rPr>
               <a:t>mmgong</a:t>
             </a:r>
-            <a:endParaRPr lang="en-US" dirty="0"/>
+            <a:endParaRPr lang="en-US" dirty="0">
+              <a:latin typeface="Brandon Grotesque Regular"/>
+              <a:cs typeface="Brandon Grotesque Regular"/>
+            </a:endParaRPr>
           </a:p>
         </p:txBody>
       </p:sp>
@@ -4166,10 +4127,214 @@
           <a:p>
             <a:pPr algn="ctr"/>
             <a:r>
-              <a:rPr lang="en-US" dirty="0" err="1" smtClean="0"/>
+              <a:rPr lang="en-US" dirty="0" err="1" smtClean="0">
+                <a:latin typeface="Brandon Grotesque Regular"/>
+                <a:cs typeface="Brandon Grotesque Regular"/>
+              </a:rPr>
               <a:t>zlily</a:t>
             </a:r>
-            <a:endParaRPr lang="en-US" dirty="0"/>
+            <a:endParaRPr lang="en-US" dirty="0">
+              <a:latin typeface="Brandon Grotesque Regular"/>
+              <a:cs typeface="Brandon Grotesque Regular"/>
+            </a:endParaRPr>
+          </a:p>
+        </p:txBody>
+      </p:sp>
+      <p:sp>
+        <p:nvSpPr>
+          <p:cNvPr id="14" name="TextBox 13"/>
+          <p:cNvSpPr txBox="1"/>
+          <p:nvPr/>
+        </p:nvSpPr>
+        <p:spPr>
+          <a:xfrm>
+            <a:off x="7531100" y="138802"/>
+            <a:ext cx="1739899" cy="369332"/>
+          </a:xfrm>
+          <a:prstGeom prst="rect">
+            <a:avLst/>
+          </a:prstGeom>
+          <a:noFill/>
+        </p:spPr>
+        <p:txBody>
+          <a:bodyPr wrap="square" rtlCol="0">
+            <a:spAutoFit/>
+          </a:bodyPr>
+          <a:lstStyle/>
+          <a:p>
+            <a:r>
+              <a:rPr lang="en-US" dirty="0" smtClean="0">
+                <a:solidFill>
+                  <a:srgbClr val="FFFFFF"/>
+                </a:solidFill>
+                <a:latin typeface="Brandon Grotesque Regular"/>
+                <a:cs typeface="Brandon Grotesque Regular"/>
+              </a:rPr>
+              <a:t>SOUS CHEFS</a:t>
+            </a:r>
+            <a:endParaRPr lang="en-US" dirty="0">
+              <a:solidFill>
+                <a:srgbClr val="FFFFFF"/>
+              </a:solidFill>
+              <a:latin typeface="Brandon Grotesque Regular"/>
+              <a:cs typeface="Brandon Grotesque Regular"/>
+            </a:endParaRPr>
+          </a:p>
+        </p:txBody>
+      </p:sp>
+      <p:sp>
+        <p:nvSpPr>
+          <p:cNvPr id="15" name="TextBox 14"/>
+          <p:cNvSpPr txBox="1"/>
+          <p:nvPr/>
+        </p:nvSpPr>
+        <p:spPr>
+          <a:xfrm>
+            <a:off x="5905500" y="136307"/>
+            <a:ext cx="1844121" cy="369332"/>
+          </a:xfrm>
+          <a:prstGeom prst="rect">
+            <a:avLst/>
+          </a:prstGeom>
+          <a:noFill/>
+        </p:spPr>
+        <p:txBody>
+          <a:bodyPr wrap="square" rtlCol="0">
+            <a:spAutoFit/>
+          </a:bodyPr>
+          <a:lstStyle/>
+          <a:p>
+            <a:r>
+              <a:rPr lang="en-US" dirty="0" smtClean="0">
+                <a:solidFill>
+                  <a:srgbClr val="FFFFFF"/>
+                </a:solidFill>
+                <a:latin typeface="Brandon Grotesque Regular"/>
+                <a:cs typeface="Brandon Grotesque Regular"/>
+              </a:rPr>
+              <a:t>COOKBOOK</a:t>
+            </a:r>
+            <a:endParaRPr lang="en-US" dirty="0">
+              <a:solidFill>
+                <a:srgbClr val="FFFFFF"/>
+              </a:solidFill>
+              <a:latin typeface="Brandon Grotesque Regular"/>
+              <a:cs typeface="Brandon Grotesque Regular"/>
+            </a:endParaRPr>
+          </a:p>
+        </p:txBody>
+      </p:sp>
+      <p:sp>
+        <p:nvSpPr>
+          <p:cNvPr id="16" name="TextBox 15"/>
+          <p:cNvSpPr txBox="1"/>
+          <p:nvPr/>
+        </p:nvSpPr>
+        <p:spPr>
+          <a:xfrm>
+            <a:off x="4789017" y="136307"/>
+            <a:ext cx="1412355" cy="369332"/>
+          </a:xfrm>
+          <a:prstGeom prst="rect">
+            <a:avLst/>
+          </a:prstGeom>
+          <a:noFill/>
+        </p:spPr>
+        <p:txBody>
+          <a:bodyPr wrap="square" rtlCol="0">
+            <a:spAutoFit/>
+          </a:bodyPr>
+          <a:lstStyle/>
+          <a:p>
+            <a:r>
+              <a:rPr lang="en-US" dirty="0" smtClean="0">
+                <a:solidFill>
+                  <a:srgbClr val="FFFFFF"/>
+                </a:solidFill>
+                <a:latin typeface="Brandon Grotesque Regular"/>
+                <a:cs typeface="Brandon Grotesque Regular"/>
+              </a:rPr>
+              <a:t>PANTRY</a:t>
+            </a:r>
+            <a:endParaRPr lang="en-US" dirty="0">
+              <a:solidFill>
+                <a:srgbClr val="FFFFFF"/>
+              </a:solidFill>
+              <a:latin typeface="Brandon Grotesque Regular"/>
+              <a:cs typeface="Brandon Grotesque Regular"/>
+            </a:endParaRPr>
+          </a:p>
+        </p:txBody>
+      </p:sp>
+      <p:pic>
+        <p:nvPicPr>
+          <p:cNvPr id="17" name="Picture 16" descr="imhungry_logo_white.png"/>
+          <p:cNvPicPr>
+            <a:picLocks noChangeAspect="1"/>
+          </p:cNvPicPr>
+          <p:nvPr/>
+        </p:nvPicPr>
+        <p:blipFill>
+          <a:blip r:embed="rId2">
+            <a:extLst>
+              <a:ext uri="{28A0092B-C50C-407E-A947-70E740481C1C}">
+                <a14:useLocalDpi xmlns:a14="http://schemas.microsoft.com/office/drawing/2010/main" val="0"/>
+              </a:ext>
+            </a:extLst>
+          </a:blip>
+          <a:stretch>
+            <a:fillRect/>
+          </a:stretch>
+        </p:blipFill>
+        <p:spPr>
+          <a:xfrm>
+            <a:off x="266701" y="127898"/>
+            <a:ext cx="1409699" cy="377741"/>
+          </a:xfrm>
+          <a:prstGeom prst="rect">
+            <a:avLst/>
+          </a:prstGeom>
+        </p:spPr>
+      </p:pic>
+      <p:sp>
+        <p:nvSpPr>
+          <p:cNvPr id="18" name="TextBox 17"/>
+          <p:cNvSpPr txBox="1"/>
+          <p:nvPr/>
+        </p:nvSpPr>
+        <p:spPr>
+          <a:xfrm>
+            <a:off x="4565726" y="4013065"/>
+            <a:ext cx="3468277" cy="1200329"/>
+          </a:xfrm>
+          <a:prstGeom prst="rect">
+            <a:avLst/>
+          </a:prstGeom>
+          <a:solidFill>
+            <a:srgbClr val="000000">
+              <a:alpha val="71000"/>
+            </a:srgbClr>
+          </a:solidFill>
+        </p:spPr>
+        <p:txBody>
+          <a:bodyPr wrap="square" rtlCol="0">
+            <a:spAutoFit/>
+          </a:bodyPr>
+          <a:lstStyle/>
+          <a:p>
+            <a:r>
+              <a:rPr lang="en-US" dirty="0" smtClean="0">
+                <a:solidFill>
+                  <a:srgbClr val="FFFFFF"/>
+                </a:solidFill>
+              </a:rPr>
+              <a:t>If no ‘Sous Chef’ (user) by the inputted username can be found, error text will be shown beneath the input box.</a:t>
+            </a:r>
+            <a:endParaRPr lang="en-US" dirty="0">
+              <a:solidFill>
+                <a:srgbClr val="FFFFFF"/>
+              </a:solidFill>
+            </a:endParaRPr>
           </a:p>
         </p:txBody>
       </p:sp>
@@ -4219,10 +4384,18 @@
           <a:lstStyle/>
           <a:p>
             <a:r>
-              <a:rPr lang="en-US" dirty="0" smtClean="0"/>
+              <a:rPr lang="en-US" dirty="0" smtClean="0">
+                <a:solidFill>
+                  <a:srgbClr val="FFFFFF"/>
+                </a:solidFill>
+              </a:rPr>
               <a:t>Cookbook page</a:t>
             </a:r>
-            <a:endParaRPr lang="en-US" dirty="0"/>
+            <a:endParaRPr lang="en-US" dirty="0">
+              <a:solidFill>
+                <a:srgbClr val="FFFFFF"/>
+              </a:solidFill>
+            </a:endParaRPr>
           </a:p>
         </p:txBody>
       </p:sp>
@@ -4277,220 +4450,6 @@
       </p:grpSpPr>
       <p:sp>
         <p:nvSpPr>
-          <p:cNvPr id="4" name="Rectangle 3"/>
-          <p:cNvSpPr/>
-          <p:nvPr/>
-        </p:nvSpPr>
-        <p:spPr>
-          <a:xfrm>
-            <a:off x="0" y="0"/>
-            <a:ext cx="9144000" cy="635072"/>
-          </a:xfrm>
-          <a:prstGeom prst="rect">
-            <a:avLst/>
-          </a:prstGeom>
-          <a:solidFill>
-            <a:srgbClr val="FFA91D"/>
-          </a:solidFill>
-          <a:ln>
-            <a:solidFill>
-              <a:srgbClr val="FFAF48"/>
-            </a:solidFill>
-          </a:ln>
-        </p:spPr>
-        <p:style>
-          <a:lnRef idx="1">
-            <a:schemeClr val="accent1"/>
-          </a:lnRef>
-          <a:fillRef idx="3">
-            <a:schemeClr val="accent1"/>
-          </a:fillRef>
-          <a:effectRef idx="2">
-            <a:schemeClr val="accent1"/>
-          </a:effectRef>
-          <a:fontRef idx="minor">
-            <a:schemeClr val="lt1"/>
-          </a:fontRef>
-        </p:style>
-        <p:txBody>
-          <a:bodyPr rtlCol="0" anchor="ctr"/>
-          <a:lstStyle/>
-          <a:p>
-            <a:pPr algn="ctr"/>
-            <a:endParaRPr lang="en-US"/>
-          </a:p>
-        </p:txBody>
-      </p:sp>
-      <p:sp>
-        <p:nvSpPr>
-          <p:cNvPr id="5" name="TextBox 4"/>
-          <p:cNvSpPr txBox="1"/>
-          <p:nvPr/>
-        </p:nvSpPr>
-        <p:spPr>
-          <a:xfrm>
-            <a:off x="139396" y="46469"/>
-            <a:ext cx="1719219" cy="461665"/>
-          </a:xfrm>
-          <a:prstGeom prst="rect">
-            <a:avLst/>
-          </a:prstGeom>
-          <a:noFill/>
-        </p:spPr>
-        <p:txBody>
-          <a:bodyPr wrap="square" rtlCol="0">
-            <a:spAutoFit/>
-          </a:bodyPr>
-          <a:lstStyle/>
-          <a:p>
-            <a:r>
-              <a:rPr lang="en-US" sz="2400" b="1" dirty="0" err="1" smtClean="0">
-                <a:solidFill>
-                  <a:schemeClr val="bg1"/>
-                </a:solidFill>
-                <a:latin typeface="Avenir Black"/>
-                <a:cs typeface="Avenir Black"/>
-              </a:rPr>
-              <a:t>ImHungry</a:t>
-            </a:r>
-            <a:endParaRPr lang="en-US" sz="2400" b="1" dirty="0">
-              <a:solidFill>
-                <a:schemeClr val="bg1"/>
-              </a:solidFill>
-              <a:latin typeface="Avenir Black"/>
-              <a:cs typeface="Avenir Black"/>
-            </a:endParaRPr>
-          </a:p>
-        </p:txBody>
-      </p:sp>
-      <p:sp>
-        <p:nvSpPr>
-          <p:cNvPr id="6" name="TextBox 5"/>
-          <p:cNvSpPr txBox="1"/>
-          <p:nvPr/>
-        </p:nvSpPr>
-        <p:spPr>
-          <a:xfrm>
-            <a:off x="7945580" y="138802"/>
-            <a:ext cx="1198419" cy="369332"/>
-          </a:xfrm>
-          <a:prstGeom prst="rect">
-            <a:avLst/>
-          </a:prstGeom>
-          <a:noFill/>
-        </p:spPr>
-        <p:txBody>
-          <a:bodyPr wrap="square" rtlCol="0">
-            <a:spAutoFit/>
-          </a:bodyPr>
-          <a:lstStyle/>
-          <a:p>
-            <a:r>
-              <a:rPr lang="en-US" dirty="0" smtClean="0">
-                <a:solidFill>
-                  <a:srgbClr val="FFFFFF"/>
-                </a:solidFill>
-                <a:latin typeface="Avenir Book"/>
-                <a:cs typeface="Avenir Book"/>
-              </a:rPr>
-              <a:t>Pantry</a:t>
-            </a:r>
-            <a:endParaRPr lang="en-US" dirty="0">
-              <a:solidFill>
-                <a:srgbClr val="FFFFFF"/>
-              </a:solidFill>
-              <a:latin typeface="Avenir Book"/>
-              <a:cs typeface="Avenir Book"/>
-            </a:endParaRPr>
-          </a:p>
-        </p:txBody>
-      </p:sp>
-      <p:sp>
-        <p:nvSpPr>
-          <p:cNvPr id="7" name="TextBox 6"/>
-          <p:cNvSpPr txBox="1"/>
-          <p:nvPr/>
-        </p:nvSpPr>
-        <p:spPr>
-          <a:xfrm>
-            <a:off x="6489666" y="136307"/>
-            <a:ext cx="1412355" cy="369332"/>
-          </a:xfrm>
-          <a:prstGeom prst="rect">
-            <a:avLst/>
-          </a:prstGeom>
-          <a:noFill/>
-        </p:spPr>
-        <p:txBody>
-          <a:bodyPr wrap="square" rtlCol="0">
-            <a:spAutoFit/>
-          </a:bodyPr>
-          <a:lstStyle/>
-          <a:p>
-            <a:r>
-              <a:rPr lang="en-US" b="1" dirty="0" smtClean="0">
-                <a:solidFill>
-                  <a:srgbClr val="FFFFFF"/>
-                </a:solidFill>
-                <a:latin typeface="Avenir Black"/>
-                <a:cs typeface="Avenir Black"/>
-              </a:rPr>
-              <a:t>Cookbook</a:t>
-            </a:r>
-            <a:endParaRPr lang="en-US" b="1" dirty="0">
-              <a:solidFill>
-                <a:srgbClr val="FFFFFF"/>
-              </a:solidFill>
-              <a:latin typeface="Avenir Black"/>
-              <a:cs typeface="Avenir Black"/>
-            </a:endParaRPr>
-          </a:p>
-        </p:txBody>
-      </p:sp>
-      <p:sp>
-        <p:nvSpPr>
-          <p:cNvPr id="8" name="TextBox 7"/>
-          <p:cNvSpPr txBox="1"/>
-          <p:nvPr/>
-        </p:nvSpPr>
-        <p:spPr>
-          <a:xfrm>
-            <a:off x="4928717" y="136307"/>
-            <a:ext cx="1412355" cy="369332"/>
-          </a:xfrm>
-          <a:prstGeom prst="rect">
-            <a:avLst/>
-          </a:prstGeom>
-          <a:noFill/>
-        </p:spPr>
-        <p:txBody>
-          <a:bodyPr wrap="square" rtlCol="0">
-            <a:spAutoFit/>
-          </a:bodyPr>
-          <a:lstStyle/>
-          <a:p>
-            <a:r>
-              <a:rPr lang="en-US" dirty="0" smtClean="0">
-                <a:solidFill>
-                  <a:srgbClr val="FFFFFF"/>
-                </a:solidFill>
-                <a:latin typeface="Avenir Book"/>
-                <a:cs typeface="Avenir Book"/>
-              </a:rPr>
-              <a:t>Sous Chefs</a:t>
-            </a:r>
-            <a:endParaRPr lang="en-US" dirty="0">
-              <a:solidFill>
-                <a:srgbClr val="FFFFFF"/>
-              </a:solidFill>
-              <a:latin typeface="Avenir Book"/>
-              <a:cs typeface="Avenir Book"/>
-            </a:endParaRPr>
-          </a:p>
-        </p:txBody>
-      </p:sp>
-      <p:sp>
-        <p:nvSpPr>
           <p:cNvPr id="9" name="Rectangle 8"/>
           <p:cNvSpPr/>
           <p:nvPr/>
@@ -4531,7 +4490,11 @@
           <a:lstStyle/>
           <a:p>
             <a:pPr algn="ctr"/>
-            <a:endParaRPr lang="en-US"/>
+            <a:r>
+              <a:rPr lang="en-US" dirty="0" smtClean="0"/>
+              <a:t>food</a:t>
+            </a:r>
+            <a:endParaRPr lang="en-US" dirty="0"/>
           </a:p>
         </p:txBody>
       </p:sp>
@@ -4577,7 +4540,11 @@
           <a:lstStyle/>
           <a:p>
             <a:pPr algn="ctr"/>
-            <a:endParaRPr lang="en-US"/>
+            <a:r>
+              <a:rPr lang="en-US" dirty="0" smtClean="0"/>
+              <a:t>food</a:t>
+            </a:r>
+            <a:endParaRPr lang="en-US" dirty="0"/>
           </a:p>
         </p:txBody>
       </p:sp>
@@ -4623,7 +4590,11 @@
           <a:lstStyle/>
           <a:p>
             <a:pPr algn="ctr"/>
-            <a:endParaRPr lang="en-US"/>
+            <a:r>
+              <a:rPr lang="en-US" dirty="0" smtClean="0"/>
+              <a:t>food</a:t>
+            </a:r>
+            <a:endParaRPr lang="en-US" dirty="0"/>
           </a:p>
         </p:txBody>
       </p:sp>
@@ -4715,7 +4686,11 @@
           <a:lstStyle/>
           <a:p>
             <a:pPr algn="ctr"/>
-            <a:endParaRPr lang="en-US"/>
+            <a:r>
+              <a:rPr lang="en-US" dirty="0" smtClean="0"/>
+              <a:t>food</a:t>
+            </a:r>
+            <a:endParaRPr lang="en-US" dirty="0"/>
           </a:p>
         </p:txBody>
       </p:sp>
@@ -4761,7 +4736,11 @@
           <a:lstStyle/>
           <a:p>
             <a:pPr algn="ctr"/>
-            <a:endParaRPr lang="en-US"/>
+            <a:r>
+              <a:rPr lang="en-US" dirty="0" smtClean="0"/>
+              <a:t>food</a:t>
+            </a:r>
+            <a:endParaRPr lang="en-US" dirty="0"/>
           </a:p>
         </p:txBody>
       </p:sp>
@@ -5083,6 +5062,162 @@
           </a:p>
         </p:txBody>
       </p:sp>
+      <p:sp>
+        <p:nvSpPr>
+          <p:cNvPr id="20" name="TextBox 19"/>
+          <p:cNvSpPr txBox="1"/>
+          <p:nvPr/>
+        </p:nvSpPr>
+        <p:spPr>
+          <a:xfrm>
+            <a:off x="7531100" y="138802"/>
+            <a:ext cx="1739899" cy="369332"/>
+          </a:xfrm>
+          <a:prstGeom prst="rect">
+            <a:avLst/>
+          </a:prstGeom>
+          <a:noFill/>
+        </p:spPr>
+        <p:txBody>
+          <a:bodyPr wrap="square" rtlCol="0">
+            <a:spAutoFit/>
+          </a:bodyPr>
+          <a:lstStyle/>
+          <a:p>
+            <a:r>
+              <a:rPr lang="en-US" dirty="0" smtClean="0">
+                <a:solidFill>
+                  <a:srgbClr val="FFFFFF"/>
+                </a:solidFill>
+                <a:latin typeface="Brandon Grotesque Regular"/>
+                <a:cs typeface="Brandon Grotesque Regular"/>
+              </a:rPr>
+              <a:t>SOUS CHEFS</a:t>
+            </a:r>
+            <a:endParaRPr lang="en-US" dirty="0">
+              <a:solidFill>
+                <a:srgbClr val="FFFFFF"/>
+              </a:solidFill>
+              <a:latin typeface="Brandon Grotesque Regular"/>
+              <a:cs typeface="Brandon Grotesque Regular"/>
+            </a:endParaRPr>
+          </a:p>
+        </p:txBody>
+      </p:sp>
+      <p:sp>
+        <p:nvSpPr>
+          <p:cNvPr id="21" name="TextBox 20"/>
+          <p:cNvSpPr txBox="1"/>
+          <p:nvPr/>
+        </p:nvSpPr>
+        <p:spPr>
+          <a:xfrm>
+            <a:off x="5905500" y="136307"/>
+            <a:ext cx="1844121" cy="369332"/>
+          </a:xfrm>
+          <a:prstGeom prst="rect">
+            <a:avLst/>
+          </a:prstGeom>
+          <a:noFill/>
+        </p:spPr>
+        <p:txBody>
+          <a:bodyPr wrap="square" rtlCol="0">
+            <a:spAutoFit/>
+          </a:bodyPr>
+          <a:lstStyle/>
+          <a:p>
+            <a:r>
+              <a:rPr lang="en-US" dirty="0" smtClean="0">
+                <a:solidFill>
+                  <a:srgbClr val="FFFFFF"/>
+                </a:solidFill>
+                <a:latin typeface="Brandon Grotesque Regular"/>
+                <a:cs typeface="Brandon Grotesque Regular"/>
+              </a:rPr>
+              <a:t>COOKBOOK</a:t>
+            </a:r>
+            <a:endParaRPr lang="en-US" dirty="0">
+              <a:solidFill>
+                <a:srgbClr val="FFFFFF"/>
+              </a:solidFill>
+              <a:latin typeface="Brandon Grotesque Regular"/>
+              <a:cs typeface="Brandon Grotesque Regular"/>
+            </a:endParaRPr>
+          </a:p>
+        </p:txBody>
+      </p:sp>
+      <p:sp>
+        <p:nvSpPr>
+          <p:cNvPr id="22" name="TextBox 21"/>
+          <p:cNvSpPr txBox="1"/>
+          <p:nvPr/>
+        </p:nvSpPr>
+        <p:spPr>
+          <a:xfrm>
+            <a:off x="4789017" y="136307"/>
+            <a:ext cx="1412355" cy="369332"/>
+          </a:xfrm>
+          <a:prstGeom prst="rect">
+            <a:avLst/>
+          </a:prstGeom>
+          <a:noFill/>
+        </p:spPr>
+        <p:txBody>
+          <a:bodyPr wrap="square" rtlCol="0">
+            <a:spAutoFit/>
+          </a:bodyPr>
+          <a:lstStyle/>
+          <a:p>
+            <a:r>
+              <a:rPr lang="en-US" dirty="0" smtClean="0">
+                <a:solidFill>
+                  <a:srgbClr val="FFFFFF"/>
+                </a:solidFill>
+                <a:latin typeface="Brandon Grotesque Regular"/>
+                <a:cs typeface="Brandon Grotesque Regular"/>
+              </a:rPr>
+              <a:t>PANTRY</a:t>
+            </a:r>
+            <a:endParaRPr lang="en-US" dirty="0">
+              <a:solidFill>
+                <a:srgbClr val="FFFFFF"/>
+              </a:solidFill>
+              <a:latin typeface="Brandon Grotesque Regular"/>
+              <a:cs typeface="Brandon Grotesque Regular"/>
+            </a:endParaRPr>
+          </a:p>
+        </p:txBody>
+      </p:sp>
+      <p:pic>
+        <p:nvPicPr>
+          <p:cNvPr id="23" name="Picture 22" descr="imhungry_logo_white.png"/>
+          <p:cNvPicPr>
+            <a:picLocks noChangeAspect="1"/>
+          </p:cNvPicPr>
+          <p:nvPr/>
+        </p:nvPicPr>
+        <p:blipFill>
+          <a:blip r:embed="rId2">
+            <a:extLst>
+              <a:ext uri="{28A0092B-C50C-407E-A947-70E740481C1C}">
+                <a14:useLocalDpi xmlns:a14="http://schemas.microsoft.com/office/drawing/2010/main" val="0"/>
+              </a:ext>
+            </a:extLst>
+          </a:blip>
+          <a:stretch>
+            <a:fillRect/>
+          </a:stretch>
+        </p:blipFill>
+        <p:spPr>
+          <a:xfrm>
+            <a:off x="266701" y="127898"/>
+            <a:ext cx="1409699" cy="377741"/>
+          </a:xfrm>
+          <a:prstGeom prst="rect">
+            <a:avLst/>
+          </a:prstGeom>
+        </p:spPr>
+      </p:pic>
     </p:spTree>
     <p:extLst>
       <p:ext uri="{BB962C8B-B14F-4D97-AF65-F5344CB8AC3E}">
@@ -5129,10 +5264,18 @@
           <a:lstStyle/>
           <a:p>
             <a:r>
-              <a:rPr lang="en-US" dirty="0" smtClean="0"/>
+              <a:rPr lang="en-US" dirty="0" smtClean="0">
+                <a:solidFill>
+                  <a:srgbClr val="FFFFFF"/>
+                </a:solidFill>
+              </a:rPr>
               <a:t>Recipe view</a:t>
             </a:r>
-            <a:endParaRPr lang="en-US" dirty="0"/>
+            <a:endParaRPr lang="en-US" dirty="0">
+              <a:solidFill>
+                <a:srgbClr val="FFFFFF"/>
+              </a:solidFill>
+            </a:endParaRPr>
           </a:p>
         </p:txBody>
       </p:sp>
@@ -5187,14 +5330,226 @@
       </p:grpSpPr>
       <p:sp>
         <p:nvSpPr>
-          <p:cNvPr id="4" name="Rectangle 3"/>
+          <p:cNvPr id="9" name="TextBox 8"/>
+          <p:cNvSpPr txBox="1"/>
+          <p:nvPr/>
+        </p:nvSpPr>
+        <p:spPr>
+          <a:xfrm>
+            <a:off x="279400" y="4013200"/>
+            <a:ext cx="3924300" cy="2308324"/>
+          </a:xfrm>
+          <a:prstGeom prst="rect">
+            <a:avLst/>
+          </a:prstGeom>
+          <a:noFill/>
+        </p:spPr>
+        <p:txBody>
+          <a:bodyPr wrap="square" rtlCol="0">
+            <a:spAutoFit/>
+          </a:bodyPr>
+          <a:lstStyle/>
+          <a:p>
+            <a:r>
+              <a:rPr lang="en-US" sz="4800" dirty="0" smtClean="0">
+                <a:solidFill>
+                  <a:srgbClr val="FFFFFF"/>
+                </a:solidFill>
+                <a:latin typeface="Brandon Grotesque Bold"/>
+                <a:cs typeface="Brandon Grotesque Bold"/>
+              </a:rPr>
+              <a:t>Cinnamon Crunch Apple Pie</a:t>
+            </a:r>
+            <a:endParaRPr lang="en-US" sz="4800" dirty="0">
+              <a:solidFill>
+                <a:srgbClr val="FFFFFF"/>
+              </a:solidFill>
+              <a:latin typeface="Brandon Grotesque Bold"/>
+              <a:cs typeface="Brandon Grotesque Bold"/>
+            </a:endParaRPr>
+          </a:p>
+        </p:txBody>
+      </p:sp>
+      <p:sp>
+        <p:nvSpPr>
+          <p:cNvPr id="10" name="Rectangle 9"/>
           <p:cNvSpPr/>
           <p:nvPr/>
         </p:nvSpPr>
         <p:spPr>
           <a:xfrm>
-            <a:off x="0" y="0"/>
-            <a:ext cx="9144000" cy="635072"/>
+            <a:off x="393700" y="863600"/>
+            <a:ext cx="3225800" cy="3048000"/>
+          </a:xfrm>
+          <a:prstGeom prst="rect">
+            <a:avLst/>
+          </a:prstGeom>
+          <a:solidFill>
+            <a:schemeClr val="tx1">
+              <a:alpha val="70000"/>
+            </a:schemeClr>
+          </a:solidFill>
+          <a:ln>
+            <a:solidFill>
+              <a:srgbClr val="FFA91D"/>
+            </a:solidFill>
+          </a:ln>
+        </p:spPr>
+        <p:style>
+          <a:lnRef idx="1">
+            <a:schemeClr val="accent1"/>
+          </a:lnRef>
+          <a:fillRef idx="3">
+            <a:schemeClr val="accent1"/>
+          </a:fillRef>
+          <a:effectRef idx="2">
+            <a:schemeClr val="accent1"/>
+          </a:effectRef>
+          <a:fontRef idx="minor">
+            <a:schemeClr val="lt1"/>
+          </a:fontRef>
+        </p:style>
+        <p:txBody>
+          <a:bodyPr rtlCol="0" anchor="ctr"/>
+          <a:lstStyle/>
+          <a:p>
+            <a:pPr algn="ctr"/>
+            <a:endParaRPr lang="en-US"/>
+          </a:p>
+        </p:txBody>
+      </p:sp>
+      <p:sp>
+        <p:nvSpPr>
+          <p:cNvPr id="12" name="TextBox 11"/>
+          <p:cNvSpPr txBox="1"/>
+          <p:nvPr/>
+        </p:nvSpPr>
+        <p:spPr>
+          <a:xfrm>
+            <a:off x="1638300" y="2013466"/>
+            <a:ext cx="761296" cy="369332"/>
+          </a:xfrm>
+          <a:prstGeom prst="rect">
+            <a:avLst/>
+          </a:prstGeom>
+          <a:noFill/>
+        </p:spPr>
+        <p:txBody>
+          <a:bodyPr wrap="none" rtlCol="0">
+            <a:spAutoFit/>
+          </a:bodyPr>
+          <a:lstStyle/>
+          <a:p>
+            <a:r>
+              <a:rPr lang="en-US" dirty="0" smtClean="0">
+                <a:solidFill>
+                  <a:srgbClr val="FFFFFF"/>
+                </a:solidFill>
+              </a:rPr>
+              <a:t>Image</a:t>
+            </a:r>
+            <a:endParaRPr lang="en-US" dirty="0">
+              <a:solidFill>
+                <a:srgbClr val="FFFFFF"/>
+              </a:solidFill>
+            </a:endParaRPr>
+          </a:p>
+        </p:txBody>
+      </p:sp>
+      <p:sp>
+        <p:nvSpPr>
+          <p:cNvPr id="13" name="TextBox 12"/>
+          <p:cNvSpPr txBox="1"/>
+          <p:nvPr/>
+        </p:nvSpPr>
+        <p:spPr>
+          <a:xfrm>
+            <a:off x="4203700" y="876300"/>
+            <a:ext cx="1531188" cy="461665"/>
+          </a:xfrm>
+          <a:prstGeom prst="rect">
+            <a:avLst/>
+          </a:prstGeom>
+          <a:noFill/>
+        </p:spPr>
+        <p:txBody>
+          <a:bodyPr wrap="none" rtlCol="0">
+            <a:spAutoFit/>
+          </a:bodyPr>
+          <a:lstStyle/>
+          <a:p>
+            <a:r>
+              <a:rPr lang="en-US" sz="2400" dirty="0" smtClean="0">
+                <a:solidFill>
+                  <a:srgbClr val="FFFFFF"/>
+                </a:solidFill>
+                <a:latin typeface="Brandon Grotesque Regular"/>
+                <a:cs typeface="Brandon Grotesque Regular"/>
+              </a:rPr>
+              <a:t>Ingredients</a:t>
+            </a:r>
+            <a:endParaRPr lang="en-US" dirty="0">
+              <a:solidFill>
+                <a:srgbClr val="FFFFFF"/>
+              </a:solidFill>
+              <a:latin typeface="Brandon Grotesque Regular"/>
+              <a:cs typeface="Brandon Grotesque Regular"/>
+            </a:endParaRPr>
+          </a:p>
+        </p:txBody>
+      </p:sp>
+      <p:sp>
+        <p:nvSpPr>
+          <p:cNvPr id="14" name="TextBox 13"/>
+          <p:cNvSpPr txBox="1"/>
+          <p:nvPr/>
+        </p:nvSpPr>
+        <p:spPr>
+          <a:xfrm>
+            <a:off x="4277365" y="3922067"/>
+            <a:ext cx="1608133" cy="461665"/>
+          </a:xfrm>
+          <a:prstGeom prst="rect">
+            <a:avLst/>
+          </a:prstGeom>
+          <a:noFill/>
+        </p:spPr>
+        <p:txBody>
+          <a:bodyPr wrap="none" rtlCol="0">
+            <a:spAutoFit/>
+          </a:bodyPr>
+          <a:lstStyle/>
+          <a:p>
+            <a:r>
+              <a:rPr lang="en-US" sz="2400" dirty="0" smtClean="0">
+                <a:solidFill>
+                  <a:srgbClr val="FFFFFF"/>
+                </a:solidFill>
+                <a:latin typeface="Brandon Grotesque Regular"/>
+                <a:cs typeface="Brandon Grotesque Regular"/>
+              </a:rPr>
+              <a:t>Instructions</a:t>
+            </a:r>
+            <a:endParaRPr lang="en-US" dirty="0">
+              <a:solidFill>
+                <a:srgbClr val="FFFFFF"/>
+              </a:solidFill>
+              <a:latin typeface="Brandon Grotesque Regular"/>
+              <a:cs typeface="Brandon Grotesque Regular"/>
+            </a:endParaRPr>
+          </a:p>
+        </p:txBody>
+      </p:sp>
+      <p:sp>
+        <p:nvSpPr>
+          <p:cNvPr id="15" name="Rectangle 14"/>
+          <p:cNvSpPr/>
+          <p:nvPr/>
+        </p:nvSpPr>
+        <p:spPr>
+          <a:xfrm>
+            <a:off x="4336770" y="1363365"/>
+            <a:ext cx="3029230" cy="440035"/>
           </a:xfrm>
           <a:prstGeom prst="rect">
             <a:avLst/>
@@ -5226,371 +5581,30 @@
           <a:bodyPr rtlCol="0" anchor="ctr"/>
           <a:lstStyle/>
           <a:p>
-            <a:pPr algn="ctr"/>
-            <a:endParaRPr lang="en-US"/>
-          </a:p>
-        </p:txBody>
-      </p:sp>
-      <p:sp>
-        <p:nvSpPr>
-          <p:cNvPr id="5" name="TextBox 4"/>
-          <p:cNvSpPr txBox="1"/>
-          <p:nvPr/>
-        </p:nvSpPr>
-        <p:spPr>
-          <a:xfrm>
-            <a:off x="139396" y="46469"/>
-            <a:ext cx="1719219" cy="461665"/>
-          </a:xfrm>
-          <a:prstGeom prst="rect">
-            <a:avLst/>
-          </a:prstGeom>
-          <a:noFill/>
-        </p:spPr>
-        <p:txBody>
-          <a:bodyPr wrap="square" rtlCol="0">
-            <a:spAutoFit/>
-          </a:bodyPr>
-          <a:lstStyle/>
-          <a:p>
-            <a:r>
-              <a:rPr lang="en-US" sz="2400" b="1" dirty="0" err="1" smtClean="0">
-                <a:solidFill>
-                  <a:schemeClr val="bg1"/>
-                </a:solidFill>
-                <a:latin typeface="Avenir Black"/>
-                <a:cs typeface="Avenir Black"/>
+            <a:r>
+              <a:rPr lang="en-US" dirty="0" smtClean="0">
+                <a:latin typeface="Brandon Grotesque Regular"/>
+                <a:cs typeface="Brandon Grotesque Regular"/>
               </a:rPr>
-              <a:t>ImHungry</a:t>
-            </a:r>
-            <a:endParaRPr lang="en-US" sz="2400" b="1" dirty="0">
-              <a:solidFill>
-                <a:schemeClr val="bg1"/>
-              </a:solidFill>
-              <a:latin typeface="Avenir Black"/>
-              <a:cs typeface="Avenir Black"/>
+              <a:t>3 cups             All-purpose flour</a:t>
+            </a:r>
+            <a:endParaRPr lang="en-US" dirty="0">
+              <a:latin typeface="Brandon Grotesque Regular"/>
+              <a:cs typeface="Brandon Grotesque Regular"/>
             </a:endParaRPr>
           </a:p>
         </p:txBody>
       </p:sp>
       <p:sp>
         <p:nvSpPr>
-          <p:cNvPr id="6" name="TextBox 5"/>
-          <p:cNvSpPr txBox="1"/>
-          <p:nvPr/>
-        </p:nvSpPr>
-        <p:spPr>
-          <a:xfrm>
-            <a:off x="7945580" y="138802"/>
-            <a:ext cx="1198419" cy="369332"/>
-          </a:xfrm>
-          <a:prstGeom prst="rect">
-            <a:avLst/>
-          </a:prstGeom>
-          <a:noFill/>
-        </p:spPr>
-        <p:txBody>
-          <a:bodyPr wrap="square" rtlCol="0">
-            <a:spAutoFit/>
-          </a:bodyPr>
-          <a:lstStyle/>
-          <a:p>
-            <a:r>
-              <a:rPr lang="en-US" dirty="0" smtClean="0">
-                <a:solidFill>
-                  <a:srgbClr val="FFFFFF"/>
-                </a:solidFill>
-                <a:latin typeface="Avenir Book"/>
-                <a:cs typeface="Avenir Book"/>
-              </a:rPr>
-              <a:t>Pantry</a:t>
-            </a:r>
-            <a:endParaRPr lang="en-US" dirty="0">
-              <a:solidFill>
-                <a:srgbClr val="FFFFFF"/>
-              </a:solidFill>
-              <a:latin typeface="Avenir Book"/>
-              <a:cs typeface="Avenir Book"/>
-            </a:endParaRPr>
-          </a:p>
-        </p:txBody>
-      </p:sp>
-      <p:sp>
-        <p:nvSpPr>
-          <p:cNvPr id="7" name="TextBox 6"/>
-          <p:cNvSpPr txBox="1"/>
-          <p:nvPr/>
-        </p:nvSpPr>
-        <p:spPr>
-          <a:xfrm>
-            <a:off x="6489666" y="136307"/>
-            <a:ext cx="1412355" cy="369332"/>
-          </a:xfrm>
-          <a:prstGeom prst="rect">
-            <a:avLst/>
-          </a:prstGeom>
-          <a:noFill/>
-        </p:spPr>
-        <p:txBody>
-          <a:bodyPr wrap="square" rtlCol="0">
-            <a:spAutoFit/>
-          </a:bodyPr>
-          <a:lstStyle/>
-          <a:p>
-            <a:r>
-              <a:rPr lang="en-US" dirty="0" smtClean="0">
-                <a:solidFill>
-                  <a:srgbClr val="FFFFFF"/>
-                </a:solidFill>
-                <a:latin typeface="Avenir Book"/>
-                <a:cs typeface="Avenir Book"/>
-              </a:rPr>
-              <a:t>Cookbook</a:t>
-            </a:r>
-            <a:endParaRPr lang="en-US" dirty="0">
-              <a:solidFill>
-                <a:srgbClr val="FFFFFF"/>
-              </a:solidFill>
-              <a:latin typeface="Avenir Book"/>
-              <a:cs typeface="Avenir Book"/>
-            </a:endParaRPr>
-          </a:p>
-        </p:txBody>
-      </p:sp>
-      <p:sp>
-        <p:nvSpPr>
-          <p:cNvPr id="8" name="TextBox 7"/>
-          <p:cNvSpPr txBox="1"/>
-          <p:nvPr/>
-        </p:nvSpPr>
-        <p:spPr>
-          <a:xfrm>
-            <a:off x="4928717" y="136307"/>
-            <a:ext cx="1412355" cy="369332"/>
-          </a:xfrm>
-          <a:prstGeom prst="rect">
-            <a:avLst/>
-          </a:prstGeom>
-          <a:noFill/>
-        </p:spPr>
-        <p:txBody>
-          <a:bodyPr wrap="square" rtlCol="0">
-            <a:spAutoFit/>
-          </a:bodyPr>
-          <a:lstStyle/>
-          <a:p>
-            <a:r>
-              <a:rPr lang="en-US" dirty="0" smtClean="0">
-                <a:solidFill>
-                  <a:srgbClr val="FFFFFF"/>
-                </a:solidFill>
-                <a:latin typeface="Avenir Book"/>
-                <a:cs typeface="Avenir Book"/>
-              </a:rPr>
-              <a:t>Sous Chefs</a:t>
-            </a:r>
-            <a:endParaRPr lang="en-US" dirty="0">
-              <a:solidFill>
-                <a:srgbClr val="FFFFFF"/>
-              </a:solidFill>
-              <a:latin typeface="Avenir Book"/>
-              <a:cs typeface="Avenir Book"/>
-            </a:endParaRPr>
-          </a:p>
-        </p:txBody>
-      </p:sp>
-      <p:sp>
-        <p:nvSpPr>
-          <p:cNvPr id="9" name="TextBox 8"/>
-          <p:cNvSpPr txBox="1"/>
-          <p:nvPr/>
-        </p:nvSpPr>
-        <p:spPr>
-          <a:xfrm>
-            <a:off x="279400" y="4013200"/>
-            <a:ext cx="3924300" cy="2308324"/>
-          </a:xfrm>
-          <a:prstGeom prst="rect">
-            <a:avLst/>
-          </a:prstGeom>
-          <a:noFill/>
-        </p:spPr>
-        <p:txBody>
-          <a:bodyPr wrap="square" rtlCol="0">
-            <a:spAutoFit/>
-          </a:bodyPr>
-          <a:lstStyle/>
-          <a:p>
-            <a:r>
-              <a:rPr lang="en-US" sz="4800" dirty="0" smtClean="0">
-                <a:latin typeface="Avenir Black"/>
-                <a:cs typeface="Avenir Black"/>
-              </a:rPr>
-              <a:t>Cinnamon Crunch Apple Pie</a:t>
-            </a:r>
-            <a:endParaRPr lang="en-US" sz="4800" dirty="0">
-              <a:latin typeface="Avenir Black"/>
-              <a:cs typeface="Avenir Black"/>
-            </a:endParaRPr>
-          </a:p>
-        </p:txBody>
-      </p:sp>
-      <p:sp>
-        <p:nvSpPr>
-          <p:cNvPr id="10" name="Rectangle 9"/>
+          <p:cNvPr id="16" name="Rectangle 15"/>
           <p:cNvSpPr/>
           <p:nvPr/>
         </p:nvSpPr>
         <p:spPr>
           <a:xfrm>
-            <a:off x="393700" y="863600"/>
-            <a:ext cx="3225800" cy="3048000"/>
-          </a:xfrm>
-          <a:prstGeom prst="rect">
-            <a:avLst/>
-          </a:prstGeom>
-          <a:noFill/>
-          <a:ln>
-            <a:solidFill>
-              <a:srgbClr val="FFA91D"/>
-            </a:solidFill>
-          </a:ln>
-        </p:spPr>
-        <p:style>
-          <a:lnRef idx="1">
-            <a:schemeClr val="accent1"/>
-          </a:lnRef>
-          <a:fillRef idx="3">
-            <a:schemeClr val="accent1"/>
-          </a:fillRef>
-          <a:effectRef idx="2">
-            <a:schemeClr val="accent1"/>
-          </a:effectRef>
-          <a:fontRef idx="minor">
-            <a:schemeClr val="lt1"/>
-          </a:fontRef>
-        </p:style>
-        <p:txBody>
-          <a:bodyPr rtlCol="0" anchor="ctr"/>
-          <a:lstStyle/>
-          <a:p>
-            <a:pPr algn="ctr"/>
-            <a:endParaRPr lang="en-US"/>
-          </a:p>
-        </p:txBody>
-      </p:sp>
-      <p:sp>
-        <p:nvSpPr>
-          <p:cNvPr id="12" name="TextBox 11"/>
-          <p:cNvSpPr txBox="1"/>
-          <p:nvPr/>
-        </p:nvSpPr>
-        <p:spPr>
-          <a:xfrm>
-            <a:off x="1638300" y="2013466"/>
-            <a:ext cx="761296" cy="369332"/>
-          </a:xfrm>
-          <a:prstGeom prst="rect">
-            <a:avLst/>
-          </a:prstGeom>
-          <a:noFill/>
-        </p:spPr>
-        <p:txBody>
-          <a:bodyPr wrap="none" rtlCol="0">
-            <a:spAutoFit/>
-          </a:bodyPr>
-          <a:lstStyle/>
-          <a:p>
-            <a:r>
-              <a:rPr lang="en-US" dirty="0" smtClean="0"/>
-              <a:t>Image</a:t>
-            </a:r>
-            <a:endParaRPr lang="en-US" dirty="0"/>
-          </a:p>
-        </p:txBody>
-      </p:sp>
-      <p:sp>
-        <p:nvSpPr>
-          <p:cNvPr id="13" name="TextBox 12"/>
-          <p:cNvSpPr txBox="1"/>
-          <p:nvPr/>
-        </p:nvSpPr>
-        <p:spPr>
-          <a:xfrm>
-            <a:off x="4203700" y="876300"/>
-            <a:ext cx="1838965" cy="461665"/>
-          </a:xfrm>
-          <a:prstGeom prst="rect">
-            <a:avLst/>
-          </a:prstGeom>
-          <a:noFill/>
-        </p:spPr>
-        <p:txBody>
-          <a:bodyPr wrap="none" rtlCol="0">
-            <a:spAutoFit/>
-          </a:bodyPr>
-          <a:lstStyle/>
-          <a:p>
-            <a:r>
-              <a:rPr lang="en-US" sz="2400" dirty="0" smtClean="0">
-                <a:latin typeface="Avenir Black"/>
-                <a:cs typeface="Avenir Black"/>
-              </a:rPr>
-              <a:t>Ingredients</a:t>
-            </a:r>
-            <a:endParaRPr lang="en-US" dirty="0">
-              <a:latin typeface="Avenir Black"/>
-              <a:cs typeface="Avenir Black"/>
-            </a:endParaRPr>
-          </a:p>
-        </p:txBody>
-      </p:sp>
-      <p:sp>
-        <p:nvSpPr>
-          <p:cNvPr id="14" name="TextBox 13"/>
-          <p:cNvSpPr txBox="1"/>
-          <p:nvPr/>
-        </p:nvSpPr>
-        <p:spPr>
-          <a:xfrm>
-            <a:off x="4277365" y="3922067"/>
-            <a:ext cx="1882645" cy="461665"/>
-          </a:xfrm>
-          <a:prstGeom prst="rect">
-            <a:avLst/>
-          </a:prstGeom>
-          <a:noFill/>
-        </p:spPr>
-        <p:txBody>
-          <a:bodyPr wrap="none" rtlCol="0">
-            <a:spAutoFit/>
-          </a:bodyPr>
-          <a:lstStyle/>
-          <a:p>
-            <a:r>
-              <a:rPr lang="en-US" sz="2400" dirty="0" smtClean="0">
-                <a:latin typeface="Avenir Black"/>
-                <a:cs typeface="Avenir Black"/>
-              </a:rPr>
-              <a:t>Instructions</a:t>
-            </a:r>
-            <a:endParaRPr lang="en-US" dirty="0">
-              <a:latin typeface="Avenir Black"/>
-              <a:cs typeface="Avenir Black"/>
-            </a:endParaRPr>
-          </a:p>
-        </p:txBody>
-      </p:sp>
-      <p:sp>
-        <p:nvSpPr>
-          <p:cNvPr id="15" name="Rectangle 14"/>
-          <p:cNvSpPr/>
-          <p:nvPr/>
-        </p:nvSpPr>
-        <p:spPr>
-          <a:xfrm>
-            <a:off x="4336770" y="1363365"/>
-            <a:ext cx="3029230" cy="440035"/>
+            <a:off x="4336770" y="1981307"/>
+            <a:ext cx="3029230" cy="401491"/>
           </a:xfrm>
           <a:prstGeom prst="rect">
             <a:avLst/>
@@ -5623,23 +5637,29 @@
           <a:lstStyle/>
           <a:p>
             <a:r>
-              <a:rPr lang="en-US" dirty="0" smtClean="0"/>
-              <a:t>3 cups             All-purpose flour</a:t>
-            </a:r>
-            <a:endParaRPr lang="en-US" dirty="0"/>
-          </a:p>
-        </p:txBody>
-      </p:sp>
-      <p:sp>
-        <p:nvSpPr>
-          <p:cNvPr id="16" name="Rectangle 15"/>
+              <a:rPr lang="en-US" dirty="0" smtClean="0">
+                <a:latin typeface="Brandon Grotesque Regular"/>
+                <a:cs typeface="Brandon Grotesque Regular"/>
+              </a:rPr>
+              <a:t>1.5 cups                 White sugar</a:t>
+            </a:r>
+            <a:endParaRPr lang="en-US" dirty="0">
+              <a:latin typeface="Brandon Grotesque Regular"/>
+              <a:cs typeface="Brandon Grotesque Regular"/>
+            </a:endParaRPr>
+          </a:p>
+        </p:txBody>
+      </p:sp>
+      <p:sp>
+        <p:nvSpPr>
+          <p:cNvPr id="17" name="Rectangle 16"/>
           <p:cNvSpPr/>
           <p:nvPr/>
         </p:nvSpPr>
         <p:spPr>
           <a:xfrm>
-            <a:off x="4336770" y="1981307"/>
-            <a:ext cx="3029230" cy="401491"/>
+            <a:off x="4336770" y="2614169"/>
+            <a:ext cx="3029230" cy="459231"/>
           </a:xfrm>
           <a:prstGeom prst="rect">
             <a:avLst/>
@@ -5672,59 +5692,16 @@
           <a:lstStyle/>
           <a:p>
             <a:r>
-              <a:rPr lang="en-US" dirty="0" smtClean="0"/>
-              <a:t>1.5 cups                 White sugar</a:t>
-            </a:r>
-            <a:endParaRPr lang="en-US" dirty="0"/>
-          </a:p>
-        </p:txBody>
-      </p:sp>
-      <p:sp>
-        <p:nvSpPr>
-          <p:cNvPr id="17" name="Rectangle 16"/>
-          <p:cNvSpPr/>
-          <p:nvPr/>
-        </p:nvSpPr>
-        <p:spPr>
-          <a:xfrm>
-            <a:off x="4336770" y="2614169"/>
-            <a:ext cx="3029230" cy="459231"/>
-          </a:xfrm>
-          <a:prstGeom prst="rect">
-            <a:avLst/>
-          </a:prstGeom>
-          <a:solidFill>
-            <a:srgbClr val="FFA91D"/>
-          </a:solidFill>
-          <a:ln>
-            <a:solidFill>
-              <a:srgbClr val="FFAF48"/>
-            </a:solidFill>
-          </a:ln>
-        </p:spPr>
-        <p:style>
-          <a:lnRef idx="1">
-            <a:schemeClr val="accent1"/>
-          </a:lnRef>
-          <a:fillRef idx="3">
-            <a:schemeClr val="accent1"/>
-          </a:fillRef>
-          <a:effectRef idx="2">
-            <a:schemeClr val="accent1"/>
-          </a:effectRef>
-          <a:fontRef idx="minor">
-            <a:schemeClr val="lt1"/>
-          </a:fontRef>
-        </p:style>
-        <p:txBody>
-          <a:bodyPr rtlCol="0" anchor="ctr"/>
-          <a:lstStyle/>
-          <a:p>
-            <a:r>
-              <a:rPr lang="en-US" dirty="0" smtClean="0"/>
+              <a:rPr lang="en-US" dirty="0" smtClean="0">
+                <a:latin typeface="Brandon Grotesque Regular"/>
+                <a:cs typeface="Brandon Grotesque Regular"/>
+              </a:rPr>
               <a:t>3                                           eggs</a:t>
             </a:r>
-            <a:endParaRPr lang="en-US" dirty="0"/>
+            <a:endParaRPr lang="en-US" dirty="0">
+              <a:latin typeface="Brandon Grotesque Regular"/>
+              <a:cs typeface="Brandon Grotesque Regular"/>
+            </a:endParaRPr>
           </a:p>
         </p:txBody>
       </p:sp>
@@ -5774,10 +5751,16 @@
           <a:lstStyle/>
           <a:p>
             <a:r>
-              <a:rPr lang="en-US" dirty="0" smtClean="0"/>
+              <a:rPr lang="en-US" dirty="0" smtClean="0">
+                <a:latin typeface="Brandon Grotesque Regular"/>
+                <a:cs typeface="Brandon Grotesque Regular"/>
+              </a:rPr>
               <a:t>0.5 cup                       Canola oil</a:t>
             </a:r>
-            <a:endParaRPr lang="en-US" dirty="0"/>
+            <a:endParaRPr lang="en-US" dirty="0">
+              <a:latin typeface="Brandon Grotesque Regular"/>
+              <a:cs typeface="Brandon Grotesque Regular"/>
+            </a:endParaRPr>
           </a:p>
         </p:txBody>
       </p:sp>
@@ -5805,12 +5788,18 @@
           <a:p>
             <a:r>
               <a:rPr lang="en-US" dirty="0" smtClean="0">
+                <a:solidFill>
+                  <a:srgbClr val="FFFFFF"/>
+                </a:solidFill>
                 <a:latin typeface="Avenir Book"/>
                 <a:cs typeface="Avenir Book"/>
               </a:rPr>
               <a:t>Orange if the user has the item in their pantry, gray otherwise</a:t>
             </a:r>
             <a:endParaRPr lang="en-US" dirty="0">
+              <a:solidFill>
+                <a:srgbClr val="FFFFFF"/>
+              </a:solidFill>
               <a:latin typeface="Avenir Book"/>
               <a:cs typeface="Avenir Book"/>
             </a:endParaRPr>
@@ -5844,8 +5833,11 @@
             </a:pPr>
             <a:r>
               <a:rPr lang="en-US" dirty="0" smtClean="0">
-                <a:latin typeface="Avenir Book"/>
-                <a:cs typeface="Avenir Book"/>
+                <a:solidFill>
+                  <a:srgbClr val="FFFFFF"/>
+                </a:solidFill>
+                <a:latin typeface="Brandon Grotesque Regular"/>
+                <a:cs typeface="Brandon Grotesque Regular"/>
               </a:rPr>
               <a:t>Make a pie.</a:t>
             </a:r>
@@ -5853,18 +5845,180 @@
           <a:p>
             <a:r>
               <a:rPr lang="en-US" dirty="0" smtClean="0">
-                <a:latin typeface="Avenir Book"/>
-                <a:cs typeface="Avenir Book"/>
+                <a:solidFill>
+                  <a:srgbClr val="FFFFFF"/>
+                </a:solidFill>
+                <a:latin typeface="Brandon Grotesque Regular"/>
+                <a:cs typeface="Brandon Grotesque Regular"/>
               </a:rPr>
               <a:t>2. Consume pie.</a:t>
             </a:r>
             <a:endParaRPr lang="en-US" dirty="0">
-              <a:latin typeface="Avenir Book"/>
-              <a:cs typeface="Avenir Book"/>
+              <a:solidFill>
+                <a:srgbClr val="FFFFFF"/>
+              </a:solidFill>
+              <a:latin typeface="Brandon Grotesque Regular"/>
+              <a:cs typeface="Brandon Grotesque Regular"/>
             </a:endParaRPr>
           </a:p>
         </p:txBody>
       </p:sp>
+      <p:sp>
+        <p:nvSpPr>
+          <p:cNvPr id="21" name="TextBox 20"/>
+          <p:cNvSpPr txBox="1"/>
+          <p:nvPr/>
+        </p:nvSpPr>
+        <p:spPr>
+          <a:xfrm>
+            <a:off x="7531100" y="138802"/>
+            <a:ext cx="1739899" cy="369332"/>
+          </a:xfrm>
+          <a:prstGeom prst="rect">
+            <a:avLst/>
+          </a:prstGeom>
+          <a:noFill/>
+        </p:spPr>
+        <p:txBody>
+          <a:bodyPr wrap="square" rtlCol="0">
+            <a:spAutoFit/>
+          </a:bodyPr>
+          <a:lstStyle/>
+          <a:p>
+            <a:r>
+              <a:rPr lang="en-US" dirty="0" smtClean="0">
+                <a:solidFill>
+                  <a:srgbClr val="FFFFFF"/>
+                </a:solidFill>
+                <a:latin typeface="Brandon Grotesque Regular"/>
+                <a:cs typeface="Brandon Grotesque Regular"/>
+              </a:rPr>
+              <a:t>SOUS CHEFS</a:t>
+            </a:r>
+            <a:endParaRPr lang="en-US" dirty="0">
+              <a:solidFill>
+                <a:srgbClr val="FFFFFF"/>
+              </a:solidFill>
+              <a:latin typeface="Brandon Grotesque Regular"/>
+              <a:cs typeface="Brandon Grotesque Regular"/>
+            </a:endParaRPr>
+          </a:p>
+        </p:txBody>
+      </p:sp>
+      <p:sp>
+        <p:nvSpPr>
+          <p:cNvPr id="22" name="TextBox 21"/>
+          <p:cNvSpPr txBox="1"/>
+          <p:nvPr/>
+        </p:nvSpPr>
+        <p:spPr>
+          <a:xfrm>
+            <a:off x="5905500" y="136307"/>
+            <a:ext cx="1844121" cy="369332"/>
+          </a:xfrm>
+          <a:prstGeom prst="rect">
+            <a:avLst/>
+          </a:prstGeom>
+          <a:noFill/>
+        </p:spPr>
+        <p:txBody>
+          <a:bodyPr wrap="square" rtlCol="0">
+            <a:spAutoFit/>
+          </a:bodyPr>
+          <a:lstStyle/>
+          <a:p>
+            <a:r>
+              <a:rPr lang="en-US" dirty="0" smtClean="0">
+                <a:solidFill>
+                  <a:srgbClr val="FFFFFF"/>
+                </a:solidFill>
+                <a:latin typeface="Brandon Grotesque Regular"/>
+                <a:cs typeface="Brandon Grotesque Regular"/>
+              </a:rPr>
+              <a:t>COOKBOOK</a:t>
+            </a:r>
+            <a:endParaRPr lang="en-US" dirty="0">
+              <a:solidFill>
+                <a:srgbClr val="FFFFFF"/>
+              </a:solidFill>
+              <a:latin typeface="Brandon Grotesque Regular"/>
+              <a:cs typeface="Brandon Grotesque Regular"/>
+            </a:endParaRPr>
+          </a:p>
+        </p:txBody>
+      </p:sp>
+      <p:sp>
+        <p:nvSpPr>
+          <p:cNvPr id="23" name="TextBox 22"/>
+          <p:cNvSpPr txBox="1"/>
+          <p:nvPr/>
+        </p:nvSpPr>
+        <p:spPr>
+          <a:xfrm>
+            <a:off x="4789017" y="136307"/>
+            <a:ext cx="1412355" cy="369332"/>
+          </a:xfrm>
+          <a:prstGeom prst="rect">
+            <a:avLst/>
+          </a:prstGeom>
+          <a:noFill/>
+        </p:spPr>
+        <p:txBody>
+          <a:bodyPr wrap="square" rtlCol="0">
+            <a:spAutoFit/>
+          </a:bodyPr>
+          <a:lstStyle/>
+          <a:p>
+            <a:r>
+              <a:rPr lang="en-US" dirty="0" smtClean="0">
+                <a:solidFill>
+                  <a:srgbClr val="FFFFFF"/>
+                </a:solidFill>
+                <a:latin typeface="Brandon Grotesque Regular"/>
+                <a:cs typeface="Brandon Grotesque Regular"/>
+              </a:rPr>
+              <a:t>PANTRY</a:t>
+            </a:r>
+            <a:endParaRPr lang="en-US" dirty="0">
+              <a:solidFill>
+                <a:srgbClr val="FFFFFF"/>
+              </a:solidFill>
+              <a:latin typeface="Brandon Grotesque Regular"/>
+              <a:cs typeface="Brandon Grotesque Regular"/>
+            </a:endParaRPr>
+          </a:p>
+        </p:txBody>
+      </p:sp>
+      <p:pic>
+        <p:nvPicPr>
+          <p:cNvPr id="24" name="Picture 23" descr="imhungry_logo_white.png"/>
+          <p:cNvPicPr>
+            <a:picLocks noChangeAspect="1"/>
+          </p:cNvPicPr>
+          <p:nvPr/>
+        </p:nvPicPr>
+        <p:blipFill>
+          <a:blip r:embed="rId2">
+            <a:extLst>
+              <a:ext uri="{28A0092B-C50C-407E-A947-70E740481C1C}">
+                <a14:useLocalDpi xmlns:a14="http://schemas.microsoft.com/office/drawing/2010/main" val="0"/>
+              </a:ext>
+            </a:extLst>
+          </a:blip>
+          <a:stretch>
+            <a:fillRect/>
+          </a:stretch>
+        </p:blipFill>
+        <p:spPr>
+          <a:xfrm>
+            <a:off x="266701" y="127898"/>
+            <a:ext cx="1409699" cy="377741"/>
+          </a:xfrm>
+          <a:prstGeom prst="rect">
+            <a:avLst/>
+          </a:prstGeom>
+        </p:spPr>
+      </p:pic>
     </p:spTree>
     <p:extLst>
       <p:ext uri="{BB962C8B-B14F-4D97-AF65-F5344CB8AC3E}">
@@ -5878,29 +6032,14 @@
 </p:sld>
 </file>
 
-<file path=ppt/slides/slide2.xml><?xml version="1.0" encoding="utf-8"?>
+<file path=ppt/slides/slide15.xml><?xml version="1.0" encoding="utf-8"?>
 <p:sld xmlns:a="http://schemas.openxmlformats.org/drawingml/2006/main" xmlns:r="http://schemas.openxmlformats.org/officeDocument/2006/relationships" xmlns:p="http://schemas.openxmlformats.org/presentationml/2006/main">
   <p:cSld>
     <p:bg>
       <p:bgPr>
-        <a:blipFill rotWithShape="1">
-          <a:blip r:embed="rId3">
-            <a:extLst>
-              <a:ext uri="{BEBA8EAE-BF5A-486C-A8C5-ECC9F3942E4B}">
-                <a14:imgProps xmlns:a14="http://schemas.microsoft.com/office/drawing/2010/main">
-                  <a14:imgLayer r:embed="rId4">
-                    <a14:imgEffect>
-                      <a14:brightnessContrast bright="-30000"/>
-                    </a14:imgEffect>
-                  </a14:imgLayer>
-                </a14:imgProps>
-              </a:ext>
-            </a:extLst>
-          </a:blip>
-          <a:stretch>
-            <a:fillRect/>
-          </a:stretch>
-        </a:blipFill>
+        <a:solidFill>
+          <a:schemeClr val="bg1"/>
+        </a:solidFill>
         <a:effectLst/>
       </p:bgPr>
     </p:bg>
@@ -5918,16 +6057,1474 @@
           <a:chExt cx="0" cy="0"/>
         </a:xfrm>
       </p:grpSpPr>
-      <p:sp>
-        <p:nvSpPr>
-          <p:cNvPr id="6" name="TextBox 5"/>
+      <p:grpSp>
+        <p:nvGrpSpPr>
+          <p:cNvPr id="59" name="Group 58"/>
+          <p:cNvGrpSpPr/>
+          <p:nvPr/>
+        </p:nvGrpSpPr>
+        <p:grpSpPr>
+          <a:xfrm>
+            <a:off x="882650" y="431800"/>
+            <a:ext cx="6889750" cy="5521762"/>
+            <a:chOff x="882650" y="431800"/>
+            <a:chExt cx="6889750" cy="5521762"/>
+          </a:xfrm>
+        </p:grpSpPr>
+        <p:sp>
+          <p:nvSpPr>
+            <p:cNvPr id="4" name="Rectangle 3"/>
+            <p:cNvSpPr/>
+            <p:nvPr/>
+          </p:nvSpPr>
+          <p:spPr>
+            <a:xfrm>
+              <a:off x="5670550" y="1104900"/>
+              <a:ext cx="952500" cy="787400"/>
+            </a:xfrm>
+            <a:prstGeom prst="rect">
+              <a:avLst/>
+            </a:prstGeom>
+            <a:solidFill>
+              <a:srgbClr val="FF9111"/>
+            </a:solidFill>
+            <a:ln>
+              <a:noFill/>
+            </a:ln>
+          </p:spPr>
+          <p:style>
+            <a:lnRef idx="1">
+              <a:schemeClr val="accent1"/>
+            </a:lnRef>
+            <a:fillRef idx="3">
+              <a:schemeClr val="accent1"/>
+            </a:fillRef>
+            <a:effectRef idx="2">
+              <a:schemeClr val="accent1"/>
+            </a:effectRef>
+            <a:fontRef idx="minor">
+              <a:schemeClr val="lt1"/>
+            </a:fontRef>
+          </p:style>
+          <p:txBody>
+            <a:bodyPr rtlCol="0" anchor="ctr"/>
+            <a:lstStyle/>
+            <a:p>
+              <a:pPr algn="ctr"/>
+              <a:r>
+                <a:rPr lang="en-US" sz="1600" dirty="0" smtClean="0">
+                  <a:solidFill>
+                    <a:srgbClr val="FFFFFF"/>
+                  </a:solidFill>
+                </a:rPr>
+                <a:t>Login Page</a:t>
+              </a:r>
+              <a:endParaRPr lang="en-US" sz="1600" dirty="0">
+                <a:solidFill>
+                  <a:srgbClr val="FFFFFF"/>
+                </a:solidFill>
+              </a:endParaRPr>
+            </a:p>
+          </p:txBody>
+        </p:sp>
+        <p:sp>
+          <p:nvSpPr>
+            <p:cNvPr id="5" name="Rectangle 4"/>
+            <p:cNvSpPr/>
+            <p:nvPr/>
+          </p:nvSpPr>
+          <p:spPr>
+            <a:xfrm>
+              <a:off x="5670550" y="2857500"/>
+              <a:ext cx="952500" cy="787400"/>
+            </a:xfrm>
+            <a:prstGeom prst="rect">
+              <a:avLst/>
+            </a:prstGeom>
+            <a:solidFill>
+              <a:srgbClr val="FF9111"/>
+            </a:solidFill>
+            <a:ln>
+              <a:noFill/>
+            </a:ln>
+          </p:spPr>
+          <p:style>
+            <a:lnRef idx="1">
+              <a:schemeClr val="accent1"/>
+            </a:lnRef>
+            <a:fillRef idx="3">
+              <a:schemeClr val="accent1"/>
+            </a:fillRef>
+            <a:effectRef idx="2">
+              <a:schemeClr val="accent1"/>
+            </a:effectRef>
+            <a:fontRef idx="minor">
+              <a:schemeClr val="lt1"/>
+            </a:fontRef>
+          </p:style>
+          <p:txBody>
+            <a:bodyPr rtlCol="0" anchor="ctr"/>
+            <a:lstStyle/>
+            <a:p>
+              <a:pPr algn="ctr"/>
+              <a:r>
+                <a:rPr lang="en-US" sz="1600" dirty="0" smtClean="0">
+                  <a:solidFill>
+                    <a:srgbClr val="FFFFFF"/>
+                  </a:solidFill>
+                </a:rPr>
+                <a:t>Sign in Page</a:t>
+              </a:r>
+              <a:endParaRPr lang="en-US" sz="1600" dirty="0">
+                <a:solidFill>
+                  <a:srgbClr val="FFFFFF"/>
+                </a:solidFill>
+              </a:endParaRPr>
+            </a:p>
+          </p:txBody>
+        </p:sp>
+        <p:sp>
+          <p:nvSpPr>
+            <p:cNvPr id="6" name="Rectangle 5"/>
+            <p:cNvSpPr/>
+            <p:nvPr/>
+          </p:nvSpPr>
+          <p:spPr>
+            <a:xfrm>
+              <a:off x="1562100" y="1092200"/>
+              <a:ext cx="2959100" cy="1638300"/>
+            </a:xfrm>
+            <a:prstGeom prst="rect">
+              <a:avLst/>
+            </a:prstGeom>
+            <a:solidFill>
+              <a:srgbClr val="FF9111"/>
+            </a:solidFill>
+            <a:ln>
+              <a:noFill/>
+            </a:ln>
+          </p:spPr>
+          <p:style>
+            <a:lnRef idx="1">
+              <a:schemeClr val="accent1"/>
+            </a:lnRef>
+            <a:fillRef idx="3">
+              <a:schemeClr val="accent1"/>
+            </a:fillRef>
+            <a:effectRef idx="2">
+              <a:schemeClr val="accent1"/>
+            </a:effectRef>
+            <a:fontRef idx="minor">
+              <a:schemeClr val="lt1"/>
+            </a:fontRef>
+          </p:style>
+          <p:txBody>
+            <a:bodyPr rtlCol="0" anchor="t"/>
+            <a:lstStyle/>
+            <a:p>
+              <a:r>
+                <a:rPr lang="en-US" sz="1600" dirty="0" smtClean="0">
+                  <a:solidFill>
+                    <a:srgbClr val="FFFFFF"/>
+                  </a:solidFill>
+                </a:rPr>
+                <a:t>Homepage with ingredients search</a:t>
+              </a:r>
+              <a:endParaRPr lang="en-US" sz="1600" dirty="0">
+                <a:solidFill>
+                  <a:srgbClr val="FFFFFF"/>
+                </a:solidFill>
+              </a:endParaRPr>
+            </a:p>
+          </p:txBody>
+        </p:sp>
+        <p:sp>
+          <p:nvSpPr>
+            <p:cNvPr id="7" name="Rectangle 6"/>
+            <p:cNvSpPr/>
+            <p:nvPr/>
+          </p:nvSpPr>
+          <p:spPr>
+            <a:xfrm>
+              <a:off x="3295650" y="1625600"/>
+              <a:ext cx="952500" cy="787400"/>
+            </a:xfrm>
+            <a:prstGeom prst="rect">
+              <a:avLst/>
+            </a:prstGeom>
+            <a:solidFill>
+              <a:srgbClr val="FF9111"/>
+            </a:solidFill>
+            <a:ln>
+              <a:solidFill>
+                <a:schemeClr val="tx1"/>
+              </a:solidFill>
+            </a:ln>
+          </p:spPr>
+          <p:style>
+            <a:lnRef idx="1">
+              <a:schemeClr val="accent1"/>
+            </a:lnRef>
+            <a:fillRef idx="3">
+              <a:schemeClr val="accent1"/>
+            </a:fillRef>
+            <a:effectRef idx="2">
+              <a:schemeClr val="accent1"/>
+            </a:effectRef>
+            <a:fontRef idx="minor">
+              <a:schemeClr val="lt1"/>
+            </a:fontRef>
+          </p:style>
+          <p:txBody>
+            <a:bodyPr rtlCol="0" anchor="ctr"/>
+            <a:lstStyle/>
+            <a:p>
+              <a:pPr algn="ctr"/>
+              <a:r>
+                <a:rPr lang="en-US" sz="1600" dirty="0" smtClean="0">
+                  <a:solidFill>
+                    <a:srgbClr val="FFFFFF"/>
+                  </a:solidFill>
+                </a:rPr>
+                <a:t>With pantry panel</a:t>
+              </a:r>
+              <a:endParaRPr lang="en-US" sz="1600" dirty="0">
+                <a:solidFill>
+                  <a:srgbClr val="FFFFFF"/>
+                </a:solidFill>
+              </a:endParaRPr>
+            </a:p>
+          </p:txBody>
+        </p:sp>
+        <p:cxnSp>
+          <p:nvCxnSpPr>
+            <p:cNvPr id="9" name="Curved Connector 8"/>
+            <p:cNvCxnSpPr>
+              <a:endCxn id="7" idx="2"/>
+            </p:cNvCxnSpPr>
+            <p:nvPr/>
+          </p:nvCxnSpPr>
+          <p:spPr>
+            <a:xfrm rot="10800000" flipV="1">
+              <a:off x="3771900" y="1981200"/>
+              <a:ext cx="476250" cy="431800"/>
+            </a:xfrm>
+            <a:prstGeom prst="curvedConnector4">
+              <a:avLst>
+                <a:gd name="adj1" fmla="val -61333"/>
+                <a:gd name="adj2" fmla="val 152941"/>
+              </a:avLst>
+            </a:prstGeom>
+            <a:ln>
+              <a:solidFill>
+                <a:srgbClr val="000000"/>
+              </a:solidFill>
+              <a:tailEnd type="arrow"/>
+            </a:ln>
+          </p:spPr>
+          <p:style>
+            <a:lnRef idx="2">
+              <a:schemeClr val="accent1"/>
+            </a:lnRef>
+            <a:fillRef idx="0">
+              <a:schemeClr val="accent1"/>
+            </a:fillRef>
+            <a:effectRef idx="1">
+              <a:schemeClr val="accent1"/>
+            </a:effectRef>
+            <a:fontRef idx="minor">
+              <a:schemeClr val="tx1"/>
+            </a:fontRef>
+          </p:style>
+        </p:cxnSp>
+        <p:sp>
+          <p:nvSpPr>
+            <p:cNvPr id="11" name="TextBox 10"/>
+            <p:cNvSpPr txBox="1"/>
+            <p:nvPr/>
+          </p:nvSpPr>
+          <p:spPr>
+            <a:xfrm>
+              <a:off x="4521200" y="1993900"/>
+              <a:ext cx="850900" cy="461665"/>
+            </a:xfrm>
+            <a:prstGeom prst="rect">
+              <a:avLst/>
+            </a:prstGeom>
+            <a:noFill/>
+          </p:spPr>
+          <p:txBody>
+            <a:bodyPr wrap="square" rtlCol="0">
+              <a:spAutoFit/>
+            </a:bodyPr>
+            <a:lstStyle/>
+            <a:p>
+              <a:r>
+                <a:rPr lang="en-US" sz="1200" dirty="0" smtClean="0"/>
+                <a:t>Add ingredient</a:t>
+              </a:r>
+              <a:endParaRPr lang="en-US" sz="1200" dirty="0"/>
+            </a:p>
+          </p:txBody>
+        </p:sp>
+        <p:cxnSp>
+          <p:nvCxnSpPr>
+            <p:cNvPr id="12" name="Curved Connector 11"/>
+            <p:cNvCxnSpPr/>
+            <p:nvPr/>
+          </p:nvCxnSpPr>
+          <p:spPr>
+            <a:xfrm rot="10800000" flipV="1">
+              <a:off x="3448050" y="660400"/>
+              <a:ext cx="1466850" cy="431800"/>
+            </a:xfrm>
+            <a:prstGeom prst="curvedConnector3">
+              <a:avLst>
+                <a:gd name="adj1" fmla="val 50000"/>
+              </a:avLst>
+            </a:prstGeom>
+            <a:ln>
+              <a:solidFill>
+                <a:srgbClr val="000000"/>
+              </a:solidFill>
+              <a:tailEnd type="arrow"/>
+            </a:ln>
+          </p:spPr>
+          <p:style>
+            <a:lnRef idx="2">
+              <a:schemeClr val="accent1"/>
+            </a:lnRef>
+            <a:fillRef idx="0">
+              <a:schemeClr val="accent1"/>
+            </a:fillRef>
+            <a:effectRef idx="1">
+              <a:schemeClr val="accent1"/>
+            </a:effectRef>
+            <a:fontRef idx="minor">
+              <a:schemeClr val="tx1"/>
+            </a:fontRef>
+          </p:style>
+        </p:cxnSp>
+        <p:sp>
+          <p:nvSpPr>
+            <p:cNvPr id="15" name="TextBox 14"/>
+            <p:cNvSpPr txBox="1"/>
+            <p:nvPr/>
+          </p:nvSpPr>
+          <p:spPr>
+            <a:xfrm>
+              <a:off x="5041900" y="431800"/>
+              <a:ext cx="1346200" cy="307777"/>
+            </a:xfrm>
+            <a:prstGeom prst="rect">
+              <a:avLst/>
+            </a:prstGeom>
+            <a:noFill/>
+          </p:spPr>
+          <p:txBody>
+            <a:bodyPr wrap="square" rtlCol="0">
+              <a:spAutoFit/>
+            </a:bodyPr>
+            <a:lstStyle/>
+            <a:p>
+              <a:r>
+                <a:rPr lang="en-US" sz="1400" dirty="0" err="1" smtClean="0"/>
+                <a:t>imhungry</a:t>
+              </a:r>
+              <a:endParaRPr lang="en-US" sz="1400" dirty="0"/>
+            </a:p>
+          </p:txBody>
+        </p:sp>
+        <p:cxnSp>
+          <p:nvCxnSpPr>
+            <p:cNvPr id="17" name="Straight Arrow Connector 16"/>
+            <p:cNvCxnSpPr>
+              <a:stCxn id="4" idx="2"/>
+              <a:endCxn id="5" idx="0"/>
+            </p:cNvCxnSpPr>
+            <p:nvPr/>
+          </p:nvCxnSpPr>
+          <p:spPr>
+            <a:xfrm>
+              <a:off x="6146800" y="1892300"/>
+              <a:ext cx="0" cy="965200"/>
+            </a:xfrm>
+            <a:prstGeom prst="straightConnector1">
+              <a:avLst/>
+            </a:prstGeom>
+            <a:ln>
+              <a:solidFill>
+                <a:srgbClr val="000000"/>
+              </a:solidFill>
+              <a:headEnd type="arrow"/>
+              <a:tailEnd type="arrow"/>
+            </a:ln>
+          </p:spPr>
+          <p:style>
+            <a:lnRef idx="2">
+              <a:schemeClr val="accent1"/>
+            </a:lnRef>
+            <a:fillRef idx="0">
+              <a:schemeClr val="accent1"/>
+            </a:fillRef>
+            <a:effectRef idx="1">
+              <a:schemeClr val="accent1"/>
+            </a:effectRef>
+            <a:fontRef idx="minor">
+              <a:schemeClr val="tx1"/>
+            </a:fontRef>
+          </p:style>
+        </p:cxnSp>
+        <p:cxnSp>
+          <p:nvCxnSpPr>
+            <p:cNvPr id="18" name="Curved Connector 17"/>
+            <p:cNvCxnSpPr/>
+            <p:nvPr/>
+          </p:nvCxnSpPr>
+          <p:spPr>
+            <a:xfrm rot="10800000" flipV="1">
+              <a:off x="6149975" y="3289300"/>
+              <a:ext cx="476250" cy="431800"/>
+            </a:xfrm>
+            <a:prstGeom prst="curvedConnector4">
+              <a:avLst>
+                <a:gd name="adj1" fmla="val -61333"/>
+                <a:gd name="adj2" fmla="val 152941"/>
+              </a:avLst>
+            </a:prstGeom>
+            <a:ln>
+              <a:solidFill>
+                <a:srgbClr val="000000"/>
+              </a:solidFill>
+              <a:tailEnd type="arrow"/>
+            </a:ln>
+          </p:spPr>
+          <p:style>
+            <a:lnRef idx="2">
+              <a:schemeClr val="accent1"/>
+            </a:lnRef>
+            <a:fillRef idx="0">
+              <a:schemeClr val="accent1"/>
+            </a:fillRef>
+            <a:effectRef idx="1">
+              <a:schemeClr val="accent1"/>
+            </a:effectRef>
+            <a:fontRef idx="minor">
+              <a:schemeClr val="tx1"/>
+            </a:fontRef>
+          </p:style>
+        </p:cxnSp>
+        <p:cxnSp>
+          <p:nvCxnSpPr>
+            <p:cNvPr id="19" name="Curved Connector 18"/>
+            <p:cNvCxnSpPr/>
+            <p:nvPr/>
+          </p:nvCxnSpPr>
+          <p:spPr>
+            <a:xfrm rot="10800000" flipV="1">
+              <a:off x="6140450" y="1460500"/>
+              <a:ext cx="476250" cy="431800"/>
+            </a:xfrm>
+            <a:prstGeom prst="curvedConnector4">
+              <a:avLst>
+                <a:gd name="adj1" fmla="val -61333"/>
+                <a:gd name="adj2" fmla="val 152941"/>
+              </a:avLst>
+            </a:prstGeom>
+            <a:ln>
+              <a:solidFill>
+                <a:srgbClr val="000000"/>
+              </a:solidFill>
+              <a:tailEnd type="arrow"/>
+            </a:ln>
+          </p:spPr>
+          <p:style>
+            <a:lnRef idx="2">
+              <a:schemeClr val="accent1"/>
+            </a:lnRef>
+            <a:fillRef idx="0">
+              <a:schemeClr val="accent1"/>
+            </a:fillRef>
+            <a:effectRef idx="1">
+              <a:schemeClr val="accent1"/>
+            </a:effectRef>
+            <a:fontRef idx="minor">
+              <a:schemeClr val="tx1"/>
+            </a:fontRef>
+          </p:style>
+        </p:cxnSp>
+        <p:sp>
+          <p:nvSpPr>
+            <p:cNvPr id="20" name="TextBox 19"/>
+            <p:cNvSpPr txBox="1"/>
+            <p:nvPr/>
+          </p:nvSpPr>
+          <p:spPr>
+            <a:xfrm>
+              <a:off x="6921500" y="1587500"/>
+              <a:ext cx="850900" cy="461665"/>
+            </a:xfrm>
+            <a:prstGeom prst="rect">
+              <a:avLst/>
+            </a:prstGeom>
+            <a:noFill/>
+          </p:spPr>
+          <p:txBody>
+            <a:bodyPr wrap="square" rtlCol="0">
+              <a:spAutoFit/>
+            </a:bodyPr>
+            <a:lstStyle/>
+            <a:p>
+              <a:r>
+                <a:rPr lang="en-US" sz="1200" dirty="0" smtClean="0"/>
+                <a:t>Invalid input</a:t>
+              </a:r>
+              <a:endParaRPr lang="en-US" sz="1200" dirty="0"/>
+            </a:p>
+          </p:txBody>
+        </p:sp>
+        <p:sp>
+          <p:nvSpPr>
+            <p:cNvPr id="21" name="TextBox 20"/>
+            <p:cNvSpPr txBox="1"/>
+            <p:nvPr/>
+          </p:nvSpPr>
+          <p:spPr>
+            <a:xfrm>
+              <a:off x="6921500" y="3302000"/>
+              <a:ext cx="850900" cy="461665"/>
+            </a:xfrm>
+            <a:prstGeom prst="rect">
+              <a:avLst/>
+            </a:prstGeom>
+            <a:noFill/>
+          </p:spPr>
+          <p:txBody>
+            <a:bodyPr wrap="square" rtlCol="0">
+              <a:spAutoFit/>
+            </a:bodyPr>
+            <a:lstStyle/>
+            <a:p>
+              <a:r>
+                <a:rPr lang="en-US" sz="1200" dirty="0" smtClean="0"/>
+                <a:t>Add ingredient</a:t>
+              </a:r>
+              <a:endParaRPr lang="en-US" sz="1200" dirty="0"/>
+            </a:p>
+          </p:txBody>
+        </p:sp>
+        <p:cxnSp>
+          <p:nvCxnSpPr>
+            <p:cNvPr id="23" name="Straight Arrow Connector 22"/>
+            <p:cNvCxnSpPr>
+              <a:stCxn id="5" idx="1"/>
+            </p:cNvCxnSpPr>
+            <p:nvPr/>
+          </p:nvCxnSpPr>
+          <p:spPr>
+            <a:xfrm flipH="1" flipV="1">
+              <a:off x="3771900" y="2730500"/>
+              <a:ext cx="1898650" cy="520700"/>
+            </a:xfrm>
+            <a:prstGeom prst="straightConnector1">
+              <a:avLst/>
+            </a:prstGeom>
+            <a:ln>
+              <a:solidFill>
+                <a:srgbClr val="000000"/>
+              </a:solidFill>
+              <a:tailEnd type="arrow"/>
+            </a:ln>
+          </p:spPr>
+          <p:style>
+            <a:lnRef idx="2">
+              <a:schemeClr val="accent1"/>
+            </a:lnRef>
+            <a:fillRef idx="0">
+              <a:schemeClr val="accent1"/>
+            </a:fillRef>
+            <a:effectRef idx="1">
+              <a:schemeClr val="accent1"/>
+            </a:effectRef>
+            <a:fontRef idx="minor">
+              <a:schemeClr val="tx1"/>
+            </a:fontRef>
+          </p:style>
+        </p:cxnSp>
+        <p:cxnSp>
+          <p:nvCxnSpPr>
+            <p:cNvPr id="24" name="Straight Arrow Connector 23"/>
+            <p:cNvCxnSpPr>
+              <a:stCxn id="4" idx="1"/>
+            </p:cNvCxnSpPr>
+            <p:nvPr/>
+          </p:nvCxnSpPr>
+          <p:spPr>
+            <a:xfrm flipH="1">
+              <a:off x="4489450" y="1498600"/>
+              <a:ext cx="1181100" cy="29865"/>
+            </a:xfrm>
+            <a:prstGeom prst="straightConnector1">
+              <a:avLst/>
+            </a:prstGeom>
+            <a:ln>
+              <a:solidFill>
+                <a:srgbClr val="000000"/>
+              </a:solidFill>
+              <a:tailEnd type="arrow"/>
+            </a:ln>
+          </p:spPr>
+          <p:style>
+            <a:lnRef idx="2">
+              <a:schemeClr val="accent1"/>
+            </a:lnRef>
+            <a:fillRef idx="0">
+              <a:schemeClr val="accent1"/>
+            </a:fillRef>
+            <a:effectRef idx="1">
+              <a:schemeClr val="accent1"/>
+            </a:effectRef>
+            <a:fontRef idx="minor">
+              <a:schemeClr val="tx1"/>
+            </a:fontRef>
+          </p:style>
+        </p:cxnSp>
+        <p:cxnSp>
+          <p:nvCxnSpPr>
+            <p:cNvPr id="27" name="Straight Arrow Connector 26"/>
+            <p:cNvCxnSpPr/>
+            <p:nvPr/>
+          </p:nvCxnSpPr>
+          <p:spPr>
+            <a:xfrm>
+              <a:off x="4489450" y="1257300"/>
+              <a:ext cx="1181100" cy="0"/>
+            </a:xfrm>
+            <a:prstGeom prst="straightConnector1">
+              <a:avLst/>
+            </a:prstGeom>
+            <a:ln>
+              <a:solidFill>
+                <a:srgbClr val="000000"/>
+              </a:solidFill>
+              <a:tailEnd type="arrow"/>
+            </a:ln>
+          </p:spPr>
+          <p:style>
+            <a:lnRef idx="2">
+              <a:schemeClr val="accent1"/>
+            </a:lnRef>
+            <a:fillRef idx="0">
+              <a:schemeClr val="accent1"/>
+            </a:fillRef>
+            <a:effectRef idx="1">
+              <a:schemeClr val="accent1"/>
+            </a:effectRef>
+            <a:fontRef idx="minor">
+              <a:schemeClr val="tx1"/>
+            </a:fontRef>
+          </p:style>
+        </p:cxnSp>
+        <p:sp>
+          <p:nvSpPr>
+            <p:cNvPr id="28" name="Rectangle 27"/>
+            <p:cNvSpPr/>
+            <p:nvPr/>
+          </p:nvSpPr>
+          <p:spPr>
+            <a:xfrm>
+              <a:off x="1809750" y="1655465"/>
+              <a:ext cx="952500" cy="787400"/>
+            </a:xfrm>
+            <a:prstGeom prst="rect">
+              <a:avLst/>
+            </a:prstGeom>
+            <a:solidFill>
+              <a:srgbClr val="FF9111"/>
+            </a:solidFill>
+            <a:ln>
+              <a:solidFill>
+                <a:schemeClr val="tx1"/>
+              </a:solidFill>
+            </a:ln>
+          </p:spPr>
+          <p:style>
+            <a:lnRef idx="1">
+              <a:schemeClr val="accent1"/>
+            </a:lnRef>
+            <a:fillRef idx="3">
+              <a:schemeClr val="accent1"/>
+            </a:fillRef>
+            <a:effectRef idx="2">
+              <a:schemeClr val="accent1"/>
+            </a:effectRef>
+            <a:fontRef idx="minor">
+              <a:schemeClr val="lt1"/>
+            </a:fontRef>
+          </p:style>
+          <p:txBody>
+            <a:bodyPr rtlCol="0" anchor="ctr"/>
+            <a:lstStyle/>
+            <a:p>
+              <a:pPr algn="ctr"/>
+              <a:r>
+                <a:rPr lang="en-US" sz="1600" dirty="0" smtClean="0">
+                  <a:solidFill>
+                    <a:srgbClr val="FFFFFF"/>
+                  </a:solidFill>
+                </a:rPr>
+                <a:t>Without pantry panel</a:t>
+              </a:r>
+              <a:endParaRPr lang="en-US" sz="1600" dirty="0">
+                <a:solidFill>
+                  <a:srgbClr val="FFFFFF"/>
+                </a:solidFill>
+              </a:endParaRPr>
+            </a:p>
+          </p:txBody>
+        </p:sp>
+        <p:cxnSp>
+          <p:nvCxnSpPr>
+            <p:cNvPr id="29" name="Straight Arrow Connector 28"/>
+            <p:cNvCxnSpPr>
+              <a:stCxn id="7" idx="1"/>
+            </p:cNvCxnSpPr>
+            <p:nvPr/>
+          </p:nvCxnSpPr>
+          <p:spPr>
+            <a:xfrm flipH="1">
+              <a:off x="2762250" y="2019300"/>
+              <a:ext cx="533400" cy="29865"/>
+            </a:xfrm>
+            <a:prstGeom prst="straightConnector1">
+              <a:avLst/>
+            </a:prstGeom>
+            <a:ln>
+              <a:solidFill>
+                <a:srgbClr val="000000"/>
+              </a:solidFill>
+              <a:tailEnd type="arrow"/>
+            </a:ln>
+          </p:spPr>
+          <p:style>
+            <a:lnRef idx="2">
+              <a:schemeClr val="accent1"/>
+            </a:lnRef>
+            <a:fillRef idx="0">
+              <a:schemeClr val="accent1"/>
+            </a:fillRef>
+            <a:effectRef idx="1">
+              <a:schemeClr val="accent1"/>
+            </a:effectRef>
+            <a:fontRef idx="minor">
+              <a:schemeClr val="tx1"/>
+            </a:fontRef>
+          </p:style>
+        </p:cxnSp>
+        <p:sp>
+          <p:nvSpPr>
+            <p:cNvPr id="31" name="TextBox 30"/>
+            <p:cNvSpPr txBox="1"/>
+            <p:nvPr/>
+          </p:nvSpPr>
+          <p:spPr>
+            <a:xfrm>
+              <a:off x="2762250" y="2049165"/>
+              <a:ext cx="850900" cy="646331"/>
+            </a:xfrm>
+            <a:prstGeom prst="rect">
+              <a:avLst/>
+            </a:prstGeom>
+            <a:noFill/>
+          </p:spPr>
+          <p:txBody>
+            <a:bodyPr wrap="square" rtlCol="0">
+              <a:spAutoFit/>
+            </a:bodyPr>
+            <a:lstStyle/>
+            <a:p>
+              <a:r>
+                <a:rPr lang="en-US" sz="1200" dirty="0" smtClean="0"/>
+                <a:t>Expand search</a:t>
+              </a:r>
+            </a:p>
+            <a:p>
+              <a:r>
+                <a:rPr lang="en-US" sz="1200" dirty="0" smtClean="0"/>
+                <a:t>results</a:t>
+              </a:r>
+              <a:endParaRPr lang="en-US" sz="1200" dirty="0"/>
+            </a:p>
+          </p:txBody>
+        </p:sp>
+        <p:sp>
+          <p:nvSpPr>
+            <p:cNvPr id="32" name="Rectangle 31"/>
+            <p:cNvSpPr/>
+            <p:nvPr/>
+          </p:nvSpPr>
+          <p:spPr>
+            <a:xfrm>
+              <a:off x="1562100" y="4500265"/>
+              <a:ext cx="1244600" cy="787400"/>
+            </a:xfrm>
+            <a:prstGeom prst="rect">
+              <a:avLst/>
+            </a:prstGeom>
+            <a:solidFill>
+              <a:srgbClr val="FF9111"/>
+            </a:solidFill>
+            <a:ln>
+              <a:noFill/>
+            </a:ln>
+          </p:spPr>
+          <p:style>
+            <a:lnRef idx="1">
+              <a:schemeClr val="accent1"/>
+            </a:lnRef>
+            <a:fillRef idx="3">
+              <a:schemeClr val="accent1"/>
+            </a:fillRef>
+            <a:effectRef idx="2">
+              <a:schemeClr val="accent1"/>
+            </a:effectRef>
+            <a:fontRef idx="minor">
+              <a:schemeClr val="lt1"/>
+            </a:fontRef>
+          </p:style>
+          <p:txBody>
+            <a:bodyPr rtlCol="0" anchor="ctr"/>
+            <a:lstStyle/>
+            <a:p>
+              <a:pPr algn="ctr"/>
+              <a:r>
+                <a:rPr lang="en-US" sz="1600" dirty="0" smtClean="0">
+                  <a:solidFill>
+                    <a:srgbClr val="FFFFFF"/>
+                  </a:solidFill>
+                </a:rPr>
+                <a:t>Cookbook</a:t>
+              </a:r>
+              <a:endParaRPr lang="en-US" sz="1600" dirty="0">
+                <a:solidFill>
+                  <a:srgbClr val="FFFFFF"/>
+                </a:solidFill>
+              </a:endParaRPr>
+            </a:p>
+          </p:txBody>
+        </p:sp>
+        <p:sp>
+          <p:nvSpPr>
+            <p:cNvPr id="33" name="Rectangle 32"/>
+            <p:cNvSpPr/>
+            <p:nvPr/>
+          </p:nvSpPr>
+          <p:spPr>
+            <a:xfrm>
+              <a:off x="2762250" y="3090565"/>
+              <a:ext cx="952500" cy="787400"/>
+            </a:xfrm>
+            <a:prstGeom prst="rect">
+              <a:avLst/>
+            </a:prstGeom>
+            <a:solidFill>
+              <a:srgbClr val="FF9111"/>
+            </a:solidFill>
+            <a:ln>
+              <a:noFill/>
+            </a:ln>
+          </p:spPr>
+          <p:style>
+            <a:lnRef idx="1">
+              <a:schemeClr val="accent1"/>
+            </a:lnRef>
+            <a:fillRef idx="3">
+              <a:schemeClr val="accent1"/>
+            </a:fillRef>
+            <a:effectRef idx="2">
+              <a:schemeClr val="accent1"/>
+            </a:effectRef>
+            <a:fontRef idx="minor">
+              <a:schemeClr val="lt1"/>
+            </a:fontRef>
+          </p:style>
+          <p:txBody>
+            <a:bodyPr rtlCol="0" anchor="ctr"/>
+            <a:lstStyle/>
+            <a:p>
+              <a:pPr algn="ctr"/>
+              <a:r>
+                <a:rPr lang="en-US" sz="1600" dirty="0" smtClean="0">
+                  <a:solidFill>
+                    <a:srgbClr val="FFFFFF"/>
+                  </a:solidFill>
+                </a:rPr>
+                <a:t>Recipe</a:t>
+              </a:r>
+              <a:endParaRPr lang="en-US" sz="1600" dirty="0">
+                <a:solidFill>
+                  <a:srgbClr val="FFFFFF"/>
+                </a:solidFill>
+              </a:endParaRPr>
+            </a:p>
+          </p:txBody>
+        </p:sp>
+        <p:sp>
+          <p:nvSpPr>
+            <p:cNvPr id="34" name="Rectangle 33"/>
+            <p:cNvSpPr/>
+            <p:nvPr/>
+          </p:nvSpPr>
+          <p:spPr>
+            <a:xfrm>
+              <a:off x="4241800" y="4500265"/>
+              <a:ext cx="952500" cy="787400"/>
+            </a:xfrm>
+            <a:prstGeom prst="rect">
+              <a:avLst/>
+            </a:prstGeom>
+            <a:solidFill>
+              <a:srgbClr val="FF9111"/>
+            </a:solidFill>
+            <a:ln>
+              <a:noFill/>
+            </a:ln>
+          </p:spPr>
+          <p:style>
+            <a:lnRef idx="1">
+              <a:schemeClr val="accent1"/>
+            </a:lnRef>
+            <a:fillRef idx="3">
+              <a:schemeClr val="accent1"/>
+            </a:fillRef>
+            <a:effectRef idx="2">
+              <a:schemeClr val="accent1"/>
+            </a:effectRef>
+            <a:fontRef idx="minor">
+              <a:schemeClr val="lt1"/>
+            </a:fontRef>
+          </p:style>
+          <p:txBody>
+            <a:bodyPr rtlCol="0" anchor="ctr"/>
+            <a:lstStyle/>
+            <a:p>
+              <a:pPr algn="ctr"/>
+              <a:r>
+                <a:rPr lang="en-US" sz="1600" dirty="0" smtClean="0">
+                  <a:solidFill>
+                    <a:srgbClr val="FFFFFF"/>
+                  </a:solidFill>
+                </a:rPr>
+                <a:t>Sous Chefs</a:t>
+              </a:r>
+              <a:endParaRPr lang="en-US" sz="1600" dirty="0">
+                <a:solidFill>
+                  <a:srgbClr val="FFFFFF"/>
+                </a:solidFill>
+              </a:endParaRPr>
+            </a:p>
+          </p:txBody>
+        </p:sp>
+        <p:cxnSp>
+          <p:nvCxnSpPr>
+            <p:cNvPr id="39" name="Straight Arrow Connector 38"/>
+            <p:cNvCxnSpPr>
+              <a:endCxn id="33" idx="0"/>
+            </p:cNvCxnSpPr>
+            <p:nvPr/>
+          </p:nvCxnSpPr>
+          <p:spPr>
+            <a:xfrm>
+              <a:off x="3162300" y="2695496"/>
+              <a:ext cx="76200" cy="395069"/>
+            </a:xfrm>
+            <a:prstGeom prst="straightConnector1">
+              <a:avLst/>
+            </a:prstGeom>
+            <a:ln>
+              <a:solidFill>
+                <a:srgbClr val="000000"/>
+              </a:solidFill>
+              <a:headEnd type="arrow"/>
+              <a:tailEnd type="arrow"/>
+            </a:ln>
+          </p:spPr>
+          <p:style>
+            <a:lnRef idx="2">
+              <a:schemeClr val="accent1"/>
+            </a:lnRef>
+            <a:fillRef idx="0">
+              <a:schemeClr val="accent1"/>
+            </a:fillRef>
+            <a:effectRef idx="1">
+              <a:schemeClr val="accent1"/>
+            </a:effectRef>
+            <a:fontRef idx="minor">
+              <a:schemeClr val="tx1"/>
+            </a:fontRef>
+          </p:style>
+        </p:cxnSp>
+        <p:cxnSp>
+          <p:nvCxnSpPr>
+            <p:cNvPr id="42" name="Straight Arrow Connector 41"/>
+            <p:cNvCxnSpPr>
+              <a:stCxn id="33" idx="2"/>
+            </p:cNvCxnSpPr>
+            <p:nvPr/>
+          </p:nvCxnSpPr>
+          <p:spPr>
+            <a:xfrm flipH="1">
+              <a:off x="2590800" y="3877965"/>
+              <a:ext cx="647700" cy="711200"/>
+            </a:xfrm>
+            <a:prstGeom prst="straightConnector1">
+              <a:avLst/>
+            </a:prstGeom>
+            <a:ln>
+              <a:solidFill>
+                <a:srgbClr val="000000"/>
+              </a:solidFill>
+              <a:headEnd type="arrow"/>
+              <a:tailEnd type="arrow"/>
+            </a:ln>
+          </p:spPr>
+          <p:style>
+            <a:lnRef idx="2">
+              <a:schemeClr val="accent1"/>
+            </a:lnRef>
+            <a:fillRef idx="0">
+              <a:schemeClr val="accent1"/>
+            </a:fillRef>
+            <a:effectRef idx="1">
+              <a:schemeClr val="accent1"/>
+            </a:effectRef>
+            <a:fontRef idx="minor">
+              <a:schemeClr val="tx1"/>
+            </a:fontRef>
+          </p:style>
+        </p:cxnSp>
+        <p:cxnSp>
+          <p:nvCxnSpPr>
+            <p:cNvPr id="44" name="Straight Arrow Connector 43"/>
+            <p:cNvCxnSpPr/>
+            <p:nvPr/>
+          </p:nvCxnSpPr>
+          <p:spPr>
+            <a:xfrm>
+              <a:off x="2133600" y="2730500"/>
+              <a:ext cx="0" cy="1769765"/>
+            </a:xfrm>
+            <a:prstGeom prst="straightConnector1">
+              <a:avLst/>
+            </a:prstGeom>
+            <a:ln>
+              <a:solidFill>
+                <a:srgbClr val="000000"/>
+              </a:solidFill>
+              <a:headEnd type="arrow"/>
+              <a:tailEnd type="arrow"/>
+            </a:ln>
+          </p:spPr>
+          <p:style>
+            <a:lnRef idx="2">
+              <a:schemeClr val="accent1"/>
+            </a:lnRef>
+            <a:fillRef idx="0">
+              <a:schemeClr val="accent1"/>
+            </a:fillRef>
+            <a:effectRef idx="1">
+              <a:schemeClr val="accent1"/>
+            </a:effectRef>
+            <a:fontRef idx="minor">
+              <a:schemeClr val="tx1"/>
+            </a:fontRef>
+          </p:style>
+        </p:cxnSp>
+        <p:cxnSp>
+          <p:nvCxnSpPr>
+            <p:cNvPr id="46" name="Straight Arrow Connector 45"/>
+            <p:cNvCxnSpPr>
+              <a:endCxn id="34" idx="0"/>
+            </p:cNvCxnSpPr>
+            <p:nvPr/>
+          </p:nvCxnSpPr>
+          <p:spPr>
+            <a:xfrm>
+              <a:off x="3702050" y="2695496"/>
+              <a:ext cx="1016000" cy="1804769"/>
+            </a:xfrm>
+            <a:prstGeom prst="straightConnector1">
+              <a:avLst/>
+            </a:prstGeom>
+            <a:ln>
+              <a:solidFill>
+                <a:srgbClr val="000000"/>
+              </a:solidFill>
+              <a:headEnd type="arrow"/>
+              <a:tailEnd type="arrow"/>
+            </a:ln>
+          </p:spPr>
+          <p:style>
+            <a:lnRef idx="2">
+              <a:schemeClr val="accent1"/>
+            </a:lnRef>
+            <a:fillRef idx="0">
+              <a:schemeClr val="accent1"/>
+            </a:fillRef>
+            <a:effectRef idx="1">
+              <a:schemeClr val="accent1"/>
+            </a:effectRef>
+            <a:fontRef idx="minor">
+              <a:schemeClr val="tx1"/>
+            </a:fontRef>
+          </p:style>
+        </p:cxnSp>
+        <p:sp>
+          <p:nvSpPr>
+            <p:cNvPr id="48" name="TextBox 47"/>
+            <p:cNvSpPr txBox="1"/>
+            <p:nvPr/>
+          </p:nvSpPr>
+          <p:spPr>
+            <a:xfrm>
+              <a:off x="4648200" y="660400"/>
+              <a:ext cx="1143000" cy="646331"/>
+            </a:xfrm>
+            <a:prstGeom prst="rect">
+              <a:avLst/>
+            </a:prstGeom>
+            <a:noFill/>
+          </p:spPr>
+          <p:txBody>
+            <a:bodyPr wrap="square" rtlCol="0">
+              <a:spAutoFit/>
+            </a:bodyPr>
+            <a:lstStyle/>
+            <a:p>
+              <a:r>
+                <a:rPr lang="en-US" sz="1200" dirty="0" smtClean="0"/>
+                <a:t>If not logged in, redirects to login page</a:t>
+              </a:r>
+            </a:p>
+          </p:txBody>
+        </p:sp>
+        <p:sp>
+          <p:nvSpPr>
+            <p:cNvPr id="49" name="TextBox 48"/>
+            <p:cNvSpPr txBox="1"/>
+            <p:nvPr/>
+          </p:nvSpPr>
+          <p:spPr>
+            <a:xfrm>
+              <a:off x="4705350" y="1460499"/>
+              <a:ext cx="965200" cy="276999"/>
+            </a:xfrm>
+            <a:prstGeom prst="rect">
+              <a:avLst/>
+            </a:prstGeom>
+            <a:noFill/>
+          </p:spPr>
+          <p:txBody>
+            <a:bodyPr wrap="square" rtlCol="0">
+              <a:spAutoFit/>
+            </a:bodyPr>
+            <a:lstStyle/>
+            <a:p>
+              <a:r>
+                <a:rPr lang="en-US" sz="1200" dirty="0" smtClean="0"/>
+                <a:t>User logs in</a:t>
+              </a:r>
+            </a:p>
+          </p:txBody>
+        </p:sp>
+        <p:sp>
+          <p:nvSpPr>
+            <p:cNvPr id="50" name="TextBox 49"/>
+            <p:cNvSpPr txBox="1"/>
+            <p:nvPr/>
+          </p:nvSpPr>
+          <p:spPr>
+            <a:xfrm>
+              <a:off x="4521200" y="3053834"/>
+              <a:ext cx="850900" cy="646331"/>
+            </a:xfrm>
+            <a:prstGeom prst="rect">
+              <a:avLst/>
+            </a:prstGeom>
+            <a:noFill/>
+          </p:spPr>
+          <p:txBody>
+            <a:bodyPr wrap="square" rtlCol="0">
+              <a:spAutoFit/>
+            </a:bodyPr>
+            <a:lstStyle/>
+            <a:p>
+              <a:r>
+                <a:rPr lang="en-US" sz="1200" dirty="0" smtClean="0"/>
+                <a:t>User creates account</a:t>
+              </a:r>
+              <a:endParaRPr lang="en-US" sz="1200" dirty="0"/>
+            </a:p>
+          </p:txBody>
+        </p:sp>
+        <p:sp>
+          <p:nvSpPr>
+            <p:cNvPr id="51" name="TextBox 50"/>
+            <p:cNvSpPr txBox="1"/>
+            <p:nvPr/>
+          </p:nvSpPr>
+          <p:spPr>
+            <a:xfrm>
+              <a:off x="6388100" y="2132399"/>
+              <a:ext cx="1244600" cy="461665"/>
+            </a:xfrm>
+            <a:prstGeom prst="rect">
+              <a:avLst/>
+            </a:prstGeom>
+            <a:noFill/>
+          </p:spPr>
+          <p:txBody>
+            <a:bodyPr wrap="square" rtlCol="0">
+              <a:spAutoFit/>
+            </a:bodyPr>
+            <a:lstStyle/>
+            <a:p>
+              <a:r>
+                <a:rPr lang="en-US" sz="1200" dirty="0" smtClean="0"/>
+                <a:t>User selects alternate option</a:t>
+              </a:r>
+              <a:endParaRPr lang="en-US" sz="1200" dirty="0"/>
+            </a:p>
+          </p:txBody>
+        </p:sp>
+        <p:sp>
+          <p:nvSpPr>
+            <p:cNvPr id="52" name="TextBox 51"/>
+            <p:cNvSpPr txBox="1"/>
+            <p:nvPr/>
+          </p:nvSpPr>
+          <p:spPr>
+            <a:xfrm>
+              <a:off x="2133600" y="2730500"/>
+              <a:ext cx="1854200" cy="461665"/>
+            </a:xfrm>
+            <a:prstGeom prst="rect">
+              <a:avLst/>
+            </a:prstGeom>
+            <a:noFill/>
+          </p:spPr>
+          <p:txBody>
+            <a:bodyPr wrap="square" rtlCol="0">
+              <a:spAutoFit/>
+            </a:bodyPr>
+            <a:lstStyle/>
+            <a:p>
+              <a:r>
+                <a:rPr lang="en-US" sz="1200" dirty="0" smtClean="0"/>
+                <a:t>User views individual recipe</a:t>
+              </a:r>
+              <a:endParaRPr lang="en-US" sz="1200" dirty="0"/>
+            </a:p>
+          </p:txBody>
+        </p:sp>
+        <p:sp>
+          <p:nvSpPr>
+            <p:cNvPr id="53" name="TextBox 52"/>
+            <p:cNvSpPr txBox="1"/>
+            <p:nvPr/>
+          </p:nvSpPr>
+          <p:spPr>
+            <a:xfrm>
+              <a:off x="882650" y="3344565"/>
+              <a:ext cx="1250950" cy="830997"/>
+            </a:xfrm>
+            <a:prstGeom prst="rect">
+              <a:avLst/>
+            </a:prstGeom>
+            <a:noFill/>
+          </p:spPr>
+          <p:txBody>
+            <a:bodyPr wrap="square" rtlCol="0">
+              <a:spAutoFit/>
+            </a:bodyPr>
+            <a:lstStyle/>
+            <a:p>
+              <a:r>
+                <a:rPr lang="en-US" sz="1200" dirty="0" smtClean="0"/>
+                <a:t>User goes to their Cookbook | User returns to Homepage</a:t>
+              </a:r>
+              <a:endParaRPr lang="en-US" sz="1200" dirty="0"/>
+            </a:p>
+          </p:txBody>
+        </p:sp>
+        <p:sp>
+          <p:nvSpPr>
+            <p:cNvPr id="54" name="TextBox 53"/>
+            <p:cNvSpPr txBox="1"/>
+            <p:nvPr/>
+          </p:nvSpPr>
+          <p:spPr>
+            <a:xfrm>
+              <a:off x="2774950" y="3903365"/>
+              <a:ext cx="1250950" cy="830997"/>
+            </a:xfrm>
+            <a:prstGeom prst="rect">
+              <a:avLst/>
+            </a:prstGeom>
+            <a:noFill/>
+          </p:spPr>
+          <p:txBody>
+            <a:bodyPr wrap="square" rtlCol="0">
+              <a:spAutoFit/>
+            </a:bodyPr>
+            <a:lstStyle/>
+            <a:p>
+              <a:r>
+                <a:rPr lang="en-US" sz="1200" dirty="0" smtClean="0"/>
+                <a:t>User goes to their Cookbook | User views individual recipe</a:t>
+              </a:r>
+              <a:endParaRPr lang="en-US" sz="1200" dirty="0"/>
+            </a:p>
+          </p:txBody>
+        </p:sp>
+        <p:cxnSp>
+          <p:nvCxnSpPr>
+            <p:cNvPr id="55" name="Straight Arrow Connector 54"/>
+            <p:cNvCxnSpPr/>
+            <p:nvPr/>
+          </p:nvCxnSpPr>
+          <p:spPr>
+            <a:xfrm flipH="1">
+              <a:off x="2800350" y="4974630"/>
+              <a:ext cx="1447800" cy="0"/>
+            </a:xfrm>
+            <a:prstGeom prst="straightConnector1">
+              <a:avLst/>
+            </a:prstGeom>
+            <a:ln>
+              <a:solidFill>
+                <a:srgbClr val="000000"/>
+              </a:solidFill>
+              <a:headEnd type="arrow"/>
+              <a:tailEnd type="arrow"/>
+            </a:ln>
+          </p:spPr>
+          <p:style>
+            <a:lnRef idx="2">
+              <a:schemeClr val="accent1"/>
+            </a:lnRef>
+            <a:fillRef idx="0">
+              <a:schemeClr val="accent1"/>
+            </a:fillRef>
+            <a:effectRef idx="1">
+              <a:schemeClr val="accent1"/>
+            </a:effectRef>
+            <a:fontRef idx="minor">
+              <a:schemeClr val="tx1"/>
+            </a:fontRef>
+          </p:style>
+        </p:cxnSp>
+        <p:sp>
+          <p:nvSpPr>
+            <p:cNvPr id="57" name="TextBox 56"/>
+            <p:cNvSpPr txBox="1"/>
+            <p:nvPr/>
+          </p:nvSpPr>
+          <p:spPr>
+            <a:xfrm>
+              <a:off x="2927350" y="5122565"/>
+              <a:ext cx="1250950" cy="830997"/>
+            </a:xfrm>
+            <a:prstGeom prst="rect">
+              <a:avLst/>
+            </a:prstGeom>
+            <a:noFill/>
+          </p:spPr>
+          <p:txBody>
+            <a:bodyPr wrap="square" rtlCol="0">
+              <a:spAutoFit/>
+            </a:bodyPr>
+            <a:lstStyle/>
+            <a:p>
+              <a:r>
+                <a:rPr lang="en-US" sz="1200" dirty="0" smtClean="0"/>
+                <a:t>User goes to their Cookbook | User goes to their Sous Chefs</a:t>
+              </a:r>
+              <a:endParaRPr lang="en-US" sz="1200" dirty="0"/>
+            </a:p>
+          </p:txBody>
+        </p:sp>
+        <p:sp>
+          <p:nvSpPr>
+            <p:cNvPr id="58" name="TextBox 57"/>
+            <p:cNvSpPr txBox="1"/>
+            <p:nvPr/>
+          </p:nvSpPr>
+          <p:spPr>
+            <a:xfrm>
+              <a:off x="4724400" y="3644900"/>
+              <a:ext cx="1250950" cy="830997"/>
+            </a:xfrm>
+            <a:prstGeom prst="rect">
+              <a:avLst/>
+            </a:prstGeom>
+            <a:noFill/>
+          </p:spPr>
+          <p:txBody>
+            <a:bodyPr wrap="square" rtlCol="0">
+              <a:spAutoFit/>
+            </a:bodyPr>
+            <a:lstStyle/>
+            <a:p>
+              <a:r>
+                <a:rPr lang="en-US" sz="1200" dirty="0" smtClean="0"/>
+                <a:t>User goes to their Sous Chefs| User returns to Homepage</a:t>
+              </a:r>
+              <a:endParaRPr lang="en-US" sz="1200" dirty="0"/>
+            </a:p>
+          </p:txBody>
+        </p:sp>
+      </p:grpSp>
+    </p:spTree>
+    <p:extLst>
+      <p:ext uri="{BB962C8B-B14F-4D97-AF65-F5344CB8AC3E}">
+        <p14:creationId xmlns:p14="http://schemas.microsoft.com/office/powerpoint/2010/main" val="2555176500"/>
+      </p:ext>
+    </p:extLst>
+  </p:cSld>
+  <p:clrMapOvr>
+    <a:masterClrMapping/>
+  </p:clrMapOvr>
+</p:sld>
+</file>
+
+<file path=ppt/slides/slide2.xml><?xml version="1.0" encoding="utf-8"?>
+<p:sld xmlns:a="http://schemas.openxmlformats.org/drawingml/2006/main" xmlns:r="http://schemas.openxmlformats.org/officeDocument/2006/relationships" xmlns:p="http://schemas.openxmlformats.org/presentationml/2006/main">
+  <p:cSld>
+    <p:spTree>
+      <p:nvGrpSpPr>
+        <p:cNvPr id="1" name=""/>
+        <p:cNvGrpSpPr/>
+        <p:nvPr/>
+      </p:nvGrpSpPr>
+      <p:grpSpPr>
+        <a:xfrm>
+          <a:off x="0" y="0"/>
+          <a:ext cx="0" cy="0"/>
+          <a:chOff x="0" y="0"/>
+          <a:chExt cx="0" cy="0"/>
+        </a:xfrm>
+      </p:grpSpPr>
+      <p:sp>
+        <p:nvSpPr>
+          <p:cNvPr id="7" name="TextBox 6"/>
           <p:cNvSpPr txBox="1"/>
           <p:nvPr/>
         </p:nvSpPr>
         <p:spPr>
           <a:xfrm>
-            <a:off x="7531100" y="138802"/>
-            <a:ext cx="1739899" cy="369332"/>
+            <a:off x="7632700" y="127898"/>
+            <a:ext cx="1310721" cy="369332"/>
           </a:xfrm>
           <a:prstGeom prst="rect">
             <a:avLst/>
@@ -5945,101 +7542,17 @@
                 <a:solidFill>
                   <a:srgbClr val="FFFFFF"/>
                 </a:solidFill>
-                <a:latin typeface="Avenir Book"/>
-                <a:cs typeface="Avenir Book"/>
+                <a:latin typeface="Brandon Grotesque Regular"/>
+                <a:cs typeface="Brandon Grotesque Regular"/>
               </a:rPr>
-              <a:t>SOUS CHEFS</a:t>
+              <a:t>LOGIN</a:t>
             </a:r>
             <a:endParaRPr lang="en-US" dirty="0">
               <a:solidFill>
                 <a:srgbClr val="FFFFFF"/>
               </a:solidFill>
-              <a:latin typeface="Avenir Book"/>
-              <a:cs typeface="Avenir Book"/>
-            </a:endParaRPr>
-          </a:p>
-        </p:txBody>
-      </p:sp>
-      <p:sp>
-        <p:nvSpPr>
-          <p:cNvPr id="7" name="TextBox 6"/>
-          <p:cNvSpPr txBox="1"/>
-          <p:nvPr/>
-        </p:nvSpPr>
-        <p:spPr>
-          <a:xfrm>
-            <a:off x="5905500" y="136307"/>
-            <a:ext cx="1844121" cy="369332"/>
-          </a:xfrm>
-          <a:prstGeom prst="rect">
-            <a:avLst/>
-          </a:prstGeom>
-          <a:noFill/>
-        </p:spPr>
-        <p:txBody>
-          <a:bodyPr wrap="square" rtlCol="0">
-            <a:spAutoFit/>
-          </a:bodyPr>
-          <a:lstStyle/>
-          <a:p>
-            <a:r>
-              <a:rPr lang="en-US" dirty="0" smtClean="0">
-                <a:solidFill>
-                  <a:srgbClr val="FFFFFF"/>
-                </a:solidFill>
-                <a:latin typeface="Avenir Book"/>
-                <a:cs typeface="Avenir Book"/>
-              </a:rPr>
-              <a:t>COOKBOOK</a:t>
-            </a:r>
-            <a:endParaRPr lang="en-US" dirty="0">
-              <a:solidFill>
-                <a:srgbClr val="FFFFFF"/>
-              </a:solidFill>
-              <a:latin typeface="Avenir Book"/>
-              <a:cs typeface="Avenir Book"/>
-            </a:endParaRPr>
-          </a:p>
-        </p:txBody>
-      </p:sp>
-      <p:sp>
-        <p:nvSpPr>
-          <p:cNvPr id="8" name="TextBox 7"/>
-          <p:cNvSpPr txBox="1"/>
-          <p:nvPr/>
-        </p:nvSpPr>
-        <p:spPr>
-          <a:xfrm>
-            <a:off x="4789017" y="136307"/>
-            <a:ext cx="1412355" cy="369332"/>
-          </a:xfrm>
-          <a:prstGeom prst="rect">
-            <a:avLst/>
-          </a:prstGeom>
-          <a:noFill/>
-        </p:spPr>
-        <p:txBody>
-          <a:bodyPr wrap="square" rtlCol="0">
-            <a:spAutoFit/>
-          </a:bodyPr>
-          <a:lstStyle/>
-          <a:p>
-            <a:r>
-              <a:rPr lang="en-US" dirty="0" smtClean="0">
-                <a:solidFill>
-                  <a:srgbClr val="FFFFFF"/>
-                </a:solidFill>
-                <a:latin typeface="Avenir Book"/>
-                <a:cs typeface="Avenir Book"/>
-              </a:rPr>
-              <a:t>PANTRY</a:t>
-            </a:r>
-            <a:endParaRPr lang="en-US" dirty="0">
-              <a:solidFill>
-                <a:srgbClr val="FFFFFF"/>
-              </a:solidFill>
-              <a:latin typeface="Avenir Book"/>
-              <a:cs typeface="Avenir Book"/>
+              <a:latin typeface="Brandon Grotesque Regular"/>
+              <a:cs typeface="Brandon Grotesque Regular"/>
             </a:endParaRPr>
           </a:p>
         </p:txBody>
@@ -6098,7 +7611,7 @@
         </p:nvSpPr>
         <p:spPr>
           <a:xfrm>
-            <a:off x="3479800" y="2019300"/>
+            <a:off x="3568700" y="2019300"/>
             <a:ext cx="2222500" cy="461665"/>
           </a:xfrm>
           <a:prstGeom prst="rect">
@@ -6117,8 +7630,8 @@
                 <a:solidFill>
                   <a:srgbClr val="FFFFFF"/>
                 </a:solidFill>
-                <a:latin typeface="Avenir Book"/>
-                <a:cs typeface="Avenir Book"/>
+                <a:latin typeface="Brandon Grotesque Regular"/>
+                <a:cs typeface="Brandon Grotesque Regular"/>
               </a:rPr>
               <a:t>Get Cooking</a:t>
             </a:r>
@@ -6126,8 +7639,8 @@
               <a:solidFill>
                 <a:srgbClr val="FFFFFF"/>
               </a:solidFill>
-              <a:latin typeface="Avenir Book"/>
-              <a:cs typeface="Avenir Book"/>
+              <a:latin typeface="Brandon Grotesque Regular"/>
+              <a:cs typeface="Brandon Grotesque Regular"/>
             </a:endParaRPr>
           </a:p>
         </p:txBody>
@@ -6207,8 +7720,8 @@
                 <a:solidFill>
                   <a:srgbClr val="FFFFFF"/>
                 </a:solidFill>
-                <a:latin typeface="Avenir Book"/>
-                <a:cs typeface="Avenir Book"/>
+                <a:latin typeface="Brandon Grotesque Regular"/>
+                <a:cs typeface="Brandon Grotesque Regular"/>
               </a:rPr>
               <a:t>Confirm:</a:t>
             </a:r>
@@ -6216,8 +7729,8 @@
               <a:solidFill>
                 <a:srgbClr val="FFFFFF"/>
               </a:solidFill>
-              <a:latin typeface="Avenir Book"/>
-              <a:cs typeface="Avenir Book"/>
+              <a:latin typeface="Brandon Grotesque Regular"/>
+              <a:cs typeface="Brandon Grotesque Regular"/>
             </a:endParaRPr>
           </a:p>
         </p:txBody>
@@ -6345,8 +7858,8 @@
                 <a:solidFill>
                   <a:srgbClr val="FFFFFF"/>
                 </a:solidFill>
-                <a:latin typeface="Avenir Book"/>
-                <a:cs typeface="Avenir Book"/>
+                <a:latin typeface="Brandon Grotesque Regular"/>
+                <a:cs typeface="Brandon Grotesque Regular"/>
               </a:rPr>
               <a:t>Password:</a:t>
             </a:r>
@@ -6354,8 +7867,8 @@
               <a:solidFill>
                 <a:srgbClr val="FFFFFF"/>
               </a:solidFill>
-              <a:latin typeface="Avenir Book"/>
-              <a:cs typeface="Avenir Book"/>
+              <a:latin typeface="Brandon Grotesque Regular"/>
+              <a:cs typeface="Brandon Grotesque Regular"/>
             </a:endParaRPr>
           </a:p>
         </p:txBody>
@@ -6387,8 +7900,8 @@
                 <a:solidFill>
                   <a:srgbClr val="FFFFFF"/>
                 </a:solidFill>
-                <a:latin typeface="Avenir Book"/>
-                <a:cs typeface="Avenir Book"/>
+                <a:latin typeface="Brandon Grotesque Regular"/>
+                <a:cs typeface="Brandon Grotesque Regular"/>
               </a:rPr>
               <a:t>Username:</a:t>
             </a:r>
@@ -6396,8 +7909,8 @@
               <a:solidFill>
                 <a:srgbClr val="FFFFFF"/>
               </a:solidFill>
-              <a:latin typeface="Avenir Book"/>
-              <a:cs typeface="Avenir Book"/>
+              <a:latin typeface="Brandon Grotesque Regular"/>
+              <a:cs typeface="Brandon Grotesque Regular"/>
             </a:endParaRPr>
           </a:p>
         </p:txBody>
@@ -6411,7 +7924,7 @@
           <p:nvPr/>
         </p:nvPicPr>
         <p:blipFill>
-          <a:blip r:embed="rId5">
+          <a:blip r:embed="rId3">
             <a:extLst>
               <a:ext uri="{28A0092B-C50C-407E-A947-70E740481C1C}">
                 <a14:useLocalDpi xmlns:a14="http://schemas.microsoft.com/office/drawing/2010/main" val="0"/>
@@ -6432,6 +7945,48 @@
           </a:prstGeom>
         </p:spPr>
       </p:pic>
+      <p:sp>
+        <p:nvSpPr>
+          <p:cNvPr id="19" name="TextBox 18"/>
+          <p:cNvSpPr txBox="1"/>
+          <p:nvPr/>
+        </p:nvSpPr>
+        <p:spPr>
+          <a:xfrm>
+            <a:off x="5207000" y="5277910"/>
+            <a:ext cx="3468277" cy="1200329"/>
+          </a:xfrm>
+          <a:prstGeom prst="rect">
+            <a:avLst/>
+          </a:prstGeom>
+          <a:solidFill>
+            <a:srgbClr val="000000">
+              <a:alpha val="71000"/>
+            </a:srgbClr>
+          </a:solidFill>
+        </p:spPr>
+        <p:txBody>
+          <a:bodyPr wrap="square" rtlCol="0">
+            <a:spAutoFit/>
+          </a:bodyPr>
+          <a:lstStyle/>
+          <a:p>
+            <a:r>
+              <a:rPr lang="en-US" dirty="0" smtClean="0">
+                <a:solidFill>
+                  <a:srgbClr val="FFFFFF"/>
+                </a:solidFill>
+              </a:rPr>
+              <a:t>We will  have form validation; if the password and confirm fields do not match, we will show an error message.</a:t>
+            </a:r>
+            <a:endParaRPr lang="en-US" dirty="0">
+              <a:solidFill>
+                <a:srgbClr val="FFFFFF"/>
+              </a:solidFill>
+            </a:endParaRPr>
+          </a:p>
+        </p:txBody>
+      </p:sp>
     </p:spTree>
     <p:extLst>
       <p:ext uri="{BB962C8B-B14F-4D97-AF65-F5344CB8AC3E}">
@@ -6478,10 +8033,18 @@
           <a:lstStyle/>
           <a:p>
             <a:r>
-              <a:rPr lang="en-US" dirty="0" smtClean="0"/>
+              <a:rPr lang="en-US" dirty="0" smtClean="0">
+                <a:solidFill>
+                  <a:schemeClr val="bg1"/>
+                </a:solidFill>
+              </a:rPr>
               <a:t>Homepage</a:t>
             </a:r>
-            <a:endParaRPr lang="en-US" dirty="0"/>
+            <a:endParaRPr lang="en-US" dirty="0">
+              <a:solidFill>
+                <a:schemeClr val="bg1"/>
+              </a:solidFill>
+            </a:endParaRPr>
           </a:p>
         </p:txBody>
       </p:sp>
@@ -6563,6 +8126,30 @@
 <file path=ppt/slides/slide4.xml><?xml version="1.0" encoding="utf-8"?>
 <p:sld xmlns:a="http://schemas.openxmlformats.org/drawingml/2006/main" xmlns:r="http://schemas.openxmlformats.org/officeDocument/2006/relationships" xmlns:p="http://schemas.openxmlformats.org/presentationml/2006/main">
   <p:cSld>
+    <p:bg>
+      <p:bgPr>
+        <a:blipFill dpi="0" rotWithShape="1">
+          <a:blip r:embed="rId2">
+            <a:extLst>
+              <a:ext uri="{BEBA8EAE-BF5A-486C-A8C5-ECC9F3942E4B}">
+                <a14:imgProps xmlns:a14="http://schemas.microsoft.com/office/drawing/2010/main">
+                  <a14:imgLayer r:embed="rId3">
+                    <a14:imgEffect>
+                      <a14:brightnessContrast bright="-30000"/>
+                    </a14:imgEffect>
+                  </a14:imgLayer>
+                </a14:imgProps>
+              </a:ext>
+            </a:extLst>
+          </a:blip>
+          <a:srcRect/>
+          <a:stretch>
+            <a:fillRect/>
+          </a:stretch>
+        </a:blipFill>
+        <a:effectLst/>
+      </p:bgPr>
+    </p:bg>
     <p:spTree>
       <p:nvGrpSpPr>
         <p:cNvPr id="1" name=""/>
@@ -6579,25 +8166,109 @@
       </p:grpSpPr>
       <p:sp>
         <p:nvSpPr>
-          <p:cNvPr id="4" name="Rectangle 3"/>
+          <p:cNvPr id="5" name="TextBox 4"/>
+          <p:cNvSpPr txBox="1"/>
+          <p:nvPr/>
+        </p:nvSpPr>
+        <p:spPr>
+          <a:xfrm>
+            <a:off x="6972300" y="127898"/>
+            <a:ext cx="1844121" cy="369332"/>
+          </a:xfrm>
+          <a:prstGeom prst="rect">
+            <a:avLst/>
+          </a:prstGeom>
+          <a:noFill/>
+        </p:spPr>
+        <p:txBody>
+          <a:bodyPr wrap="square" rtlCol="0">
+            <a:spAutoFit/>
+          </a:bodyPr>
+          <a:lstStyle/>
+          <a:p>
+            <a:r>
+              <a:rPr lang="en-US" dirty="0" smtClean="0">
+                <a:solidFill>
+                  <a:srgbClr val="FFFFFF"/>
+                </a:solidFill>
+                <a:latin typeface="Brandon Grotesque Regular"/>
+                <a:cs typeface="Brandon Grotesque Regular"/>
+              </a:rPr>
+              <a:t>COOKBOOK</a:t>
+            </a:r>
+            <a:endParaRPr lang="en-US" dirty="0">
+              <a:solidFill>
+                <a:srgbClr val="FFFFFF"/>
+              </a:solidFill>
+              <a:latin typeface="Brandon Grotesque Regular"/>
+              <a:cs typeface="Brandon Grotesque Regular"/>
+            </a:endParaRPr>
+          </a:p>
+        </p:txBody>
+      </p:sp>
+      <p:sp>
+        <p:nvSpPr>
+          <p:cNvPr id="6" name="TextBox 5"/>
+          <p:cNvSpPr txBox="1"/>
+          <p:nvPr/>
+        </p:nvSpPr>
+        <p:spPr>
+          <a:xfrm>
+            <a:off x="5464772" y="136307"/>
+            <a:ext cx="1412355" cy="369332"/>
+          </a:xfrm>
+          <a:prstGeom prst="rect">
+            <a:avLst/>
+          </a:prstGeom>
+          <a:noFill/>
+        </p:spPr>
+        <p:txBody>
+          <a:bodyPr wrap="square" rtlCol="0">
+            <a:spAutoFit/>
+          </a:bodyPr>
+          <a:lstStyle/>
+          <a:p>
+            <a:r>
+              <a:rPr lang="en-US" dirty="0" smtClean="0">
+                <a:solidFill>
+                  <a:srgbClr val="FFFFFF"/>
+                </a:solidFill>
+                <a:latin typeface="Brandon Grotesque Regular"/>
+                <a:cs typeface="Brandon Grotesque Regular"/>
+              </a:rPr>
+              <a:t>PANTRY</a:t>
+            </a:r>
+            <a:endParaRPr lang="en-US" dirty="0">
+              <a:solidFill>
+                <a:srgbClr val="FFFFFF"/>
+              </a:solidFill>
+              <a:latin typeface="Brandon Grotesque Regular"/>
+              <a:cs typeface="Brandon Grotesque Regular"/>
+            </a:endParaRPr>
+          </a:p>
+        </p:txBody>
+      </p:sp>
+      <p:sp>
+        <p:nvSpPr>
+          <p:cNvPr id="7" name="Rectangle 6"/>
           <p:cNvSpPr/>
           <p:nvPr/>
         </p:nvSpPr>
         <p:spPr>
           <a:xfrm>
-            <a:off x="0" y="0"/>
-            <a:ext cx="9144000" cy="635072"/>
+            <a:off x="0" y="1066800"/>
+            <a:ext cx="4356100" cy="4343400"/>
           </a:xfrm>
           <a:prstGeom prst="rect">
             <a:avLst/>
           </a:prstGeom>
           <a:solidFill>
-            <a:srgbClr val="FFA91D"/>
+            <a:schemeClr val="tx1">
+              <a:alpha val="65000"/>
+            </a:schemeClr>
           </a:solidFill>
           <a:ln>
-            <a:solidFill>
-              <a:srgbClr val="FFAF48"/>
-            </a:solidFill>
+            <a:noFill/>
           </a:ln>
         </p:spPr>
         <p:style>
@@ -6625,14 +8296,14 @@
       </p:sp>
       <p:sp>
         <p:nvSpPr>
-          <p:cNvPr id="5" name="TextBox 4"/>
+          <p:cNvPr id="8" name="TextBox 7"/>
           <p:cNvSpPr txBox="1"/>
           <p:nvPr/>
         </p:nvSpPr>
         <p:spPr>
           <a:xfrm>
-            <a:off x="139396" y="46469"/>
-            <a:ext cx="1719219" cy="461665"/>
+            <a:off x="127000" y="1216967"/>
+            <a:ext cx="2222500" cy="461665"/>
           </a:xfrm>
           <a:prstGeom prst="rect">
             <a:avLst/>
@@ -6646,140 +8317,55 @@
           <a:lstStyle/>
           <a:p>
             <a:r>
-              <a:rPr lang="en-US" sz="2400" b="1" dirty="0" err="1" smtClean="0">
-                <a:solidFill>
-                  <a:schemeClr val="bg1"/>
-                </a:solidFill>
-                <a:latin typeface="Avenir Black"/>
-                <a:cs typeface="Avenir Black"/>
-              </a:rPr>
-              <a:t>ImHungry</a:t>
-            </a:r>
-            <a:endParaRPr lang="en-US" sz="2400" b="1" dirty="0">
-              <a:solidFill>
-                <a:schemeClr val="bg1"/>
-              </a:solidFill>
-              <a:latin typeface="Avenir Black"/>
-              <a:cs typeface="Avenir Black"/>
-            </a:endParaRPr>
-          </a:p>
-        </p:txBody>
-      </p:sp>
-      <p:sp>
-        <p:nvSpPr>
-          <p:cNvPr id="6" name="TextBox 5"/>
-          <p:cNvSpPr txBox="1"/>
-          <p:nvPr/>
-        </p:nvSpPr>
-        <p:spPr>
-          <a:xfrm>
-            <a:off x="7945580" y="138802"/>
-            <a:ext cx="1198419" cy="369332"/>
-          </a:xfrm>
-          <a:prstGeom prst="rect">
-            <a:avLst/>
-          </a:prstGeom>
-          <a:noFill/>
-        </p:spPr>
-        <p:txBody>
-          <a:bodyPr wrap="square" rtlCol="0">
-            <a:spAutoFit/>
-          </a:bodyPr>
-          <a:lstStyle/>
-          <a:p>
-            <a:r>
-              <a:rPr lang="en-US" dirty="0" smtClean="0">
+              <a:rPr lang="en-US" sz="2400" dirty="0" smtClean="0">
                 <a:solidFill>
                   <a:srgbClr val="FFFFFF"/>
                 </a:solidFill>
-                <a:latin typeface="Avenir Book"/>
-                <a:cs typeface="Avenir Book"/>
+                <a:latin typeface="Brandon Grotesque Regular"/>
+                <a:cs typeface="Brandon Grotesque Regular"/>
               </a:rPr>
-              <a:t>Pantry</a:t>
-            </a:r>
-            <a:endParaRPr lang="en-US" dirty="0">
+              <a:t>Find recipes.</a:t>
+            </a:r>
+            <a:endParaRPr lang="en-US" sz="2400" dirty="0">
               <a:solidFill>
                 <a:srgbClr val="FFFFFF"/>
               </a:solidFill>
-              <a:latin typeface="Avenir Book"/>
-              <a:cs typeface="Avenir Book"/>
+              <a:latin typeface="Brandon Grotesque Regular"/>
+              <a:cs typeface="Brandon Grotesque Regular"/>
             </a:endParaRPr>
           </a:p>
         </p:txBody>
       </p:sp>
-      <p:sp>
-        <p:nvSpPr>
-          <p:cNvPr id="7" name="TextBox 6"/>
-          <p:cNvSpPr txBox="1"/>
-          <p:nvPr/>
-        </p:nvSpPr>
-        <p:spPr>
-          <a:xfrm>
-            <a:off x="1006750" y="1827767"/>
-            <a:ext cx="4600073" cy="523220"/>
-          </a:xfrm>
-          <a:prstGeom prst="rect">
-            <a:avLst/>
-          </a:prstGeom>
-          <a:noFill/>
-        </p:spPr>
-        <p:txBody>
-          <a:bodyPr wrap="square" rtlCol="0">
-            <a:spAutoFit/>
-          </a:bodyPr>
-          <a:lstStyle/>
-          <a:p>
-            <a:r>
-              <a:rPr lang="en-US" sz="2800" dirty="0" smtClean="0">
-                <a:latin typeface="Avenir Book"/>
-                <a:cs typeface="Avenir Book"/>
-              </a:rPr>
-              <a:t>Find recipes:</a:t>
-            </a:r>
-            <a:endParaRPr lang="en-US" sz="2800" dirty="0">
-              <a:latin typeface="Avenir Book"/>
-              <a:cs typeface="Avenir Book"/>
-            </a:endParaRPr>
-          </a:p>
-        </p:txBody>
-      </p:sp>
-      <p:cxnSp>
-        <p:nvCxnSpPr>
-          <p:cNvPr id="15" name="Straight Connector 14"/>
-          <p:cNvCxnSpPr/>
-          <p:nvPr/>
-        </p:nvCxnSpPr>
-        <p:spPr>
-          <a:xfrm>
-            <a:off x="5148462" y="635072"/>
-            <a:ext cx="0" cy="6222928"/>
-          </a:xfrm>
-          <a:prstGeom prst="line">
-            <a:avLst/>
-          </a:prstGeom>
-          <a:ln>
-            <a:solidFill>
-              <a:schemeClr val="bg1">
-                <a:lumMod val="75000"/>
-              </a:schemeClr>
-            </a:solidFill>
-          </a:ln>
-        </p:spPr>
-        <p:style>
-          <a:lnRef idx="2">
-            <a:schemeClr val="accent1"/>
-          </a:lnRef>
-          <a:fillRef idx="0">
-            <a:schemeClr val="accent1"/>
-          </a:fillRef>
-          <a:effectRef idx="1">
-            <a:schemeClr val="accent1"/>
-          </a:effectRef>
-          <a:fontRef idx="minor">
-            <a:schemeClr val="tx1"/>
-          </a:fontRef>
-        </p:style>
-      </p:cxnSp>
+      <p:pic>
+        <p:nvPicPr>
+          <p:cNvPr id="15" name="Picture 14" descr="imhungry_logo_white.png"/>
+          <p:cNvPicPr>
+            <a:picLocks noChangeAspect="1"/>
+          </p:cNvPicPr>
+          <p:nvPr/>
+        </p:nvPicPr>
+        <p:blipFill>
+          <a:blip r:embed="rId4">
+            <a:extLst>
+              <a:ext uri="{28A0092B-C50C-407E-A947-70E740481C1C}">
+                <a14:useLocalDpi xmlns:a14="http://schemas.microsoft.com/office/drawing/2010/main" val="0"/>
+              </a:ext>
+            </a:extLst>
+          </a:blip>
+          <a:stretch>
+            <a:fillRect/>
+          </a:stretch>
+        </p:blipFill>
+        <p:spPr>
+          <a:xfrm>
+            <a:off x="266701" y="127898"/>
+            <a:ext cx="1409699" cy="377741"/>
+          </a:xfrm>
+          <a:prstGeom prst="rect">
+            <a:avLst/>
+          </a:prstGeom>
+        </p:spPr>
+      </p:pic>
       <p:sp>
         <p:nvSpPr>
           <p:cNvPr id="16" name="Rectangle 15"/>
@@ -6788,19 +8374,19 @@
         </p:nvSpPr>
         <p:spPr>
           <a:xfrm>
-            <a:off x="6489666" y="758988"/>
-            <a:ext cx="2152896" cy="526645"/>
+            <a:off x="4789017" y="1066800"/>
+            <a:ext cx="4356100" cy="4343400"/>
           </a:xfrm>
           <a:prstGeom prst="rect">
             <a:avLst/>
           </a:prstGeom>
           <a:solidFill>
-            <a:srgbClr val="FFA91D"/>
+            <a:schemeClr val="tx1">
+              <a:alpha val="65000"/>
+            </a:schemeClr>
           </a:solidFill>
           <a:ln>
-            <a:solidFill>
-              <a:srgbClr val="FFAF48"/>
-            </a:solidFill>
+            <a:noFill/>
           </a:ln>
         </p:spPr>
         <p:style>
@@ -6822,35 +8408,239 @@
           <a:lstStyle/>
           <a:p>
             <a:pPr algn="ctr"/>
-            <a:r>
-              <a:rPr lang="en-US" dirty="0" smtClean="0"/>
-              <a:t>All-purpose flour</a:t>
-            </a:r>
-            <a:endParaRPr lang="en-US" dirty="0"/>
-          </a:p>
-        </p:txBody>
-      </p:sp>
-      <p:sp>
-        <p:nvSpPr>
-          <p:cNvPr id="17" name="Rectangle 16"/>
+            <a:endParaRPr lang="en-US"/>
+          </a:p>
+        </p:txBody>
+      </p:sp>
+      <p:sp>
+        <p:nvSpPr>
+          <p:cNvPr id="17" name="TextBox 16"/>
+          <p:cNvSpPr txBox="1"/>
+          <p:nvPr/>
+        </p:nvSpPr>
+        <p:spPr>
+          <a:xfrm>
+            <a:off x="4914900" y="1227434"/>
+            <a:ext cx="2222500" cy="461665"/>
+          </a:xfrm>
+          <a:prstGeom prst="rect">
+            <a:avLst/>
+          </a:prstGeom>
+          <a:noFill/>
+        </p:spPr>
+        <p:txBody>
+          <a:bodyPr wrap="square" rtlCol="0">
+            <a:spAutoFit/>
+          </a:bodyPr>
+          <a:lstStyle/>
+          <a:p>
+            <a:r>
+              <a:rPr lang="en-US" sz="2400" dirty="0" smtClean="0">
+                <a:solidFill>
+                  <a:srgbClr val="FFFFFF"/>
+                </a:solidFill>
+                <a:latin typeface="Brandon Grotesque Regular"/>
+                <a:cs typeface="Brandon Grotesque Regular"/>
+              </a:rPr>
+              <a:t>Your pantry.</a:t>
+            </a:r>
+            <a:endParaRPr lang="en-US" sz="2400" dirty="0">
+              <a:solidFill>
+                <a:srgbClr val="FFFFFF"/>
+              </a:solidFill>
+              <a:latin typeface="Brandon Grotesque Regular"/>
+              <a:cs typeface="Brandon Grotesque Regular"/>
+            </a:endParaRPr>
+          </a:p>
+        </p:txBody>
+      </p:sp>
+      <p:sp>
+        <p:nvSpPr>
+          <p:cNvPr id="18" name="TextBox 17"/>
+          <p:cNvSpPr txBox="1"/>
+          <p:nvPr/>
+        </p:nvSpPr>
+        <p:spPr>
+          <a:xfrm>
+            <a:off x="1676400" y="1892300"/>
+            <a:ext cx="1625600" cy="369332"/>
+          </a:xfrm>
+          <a:prstGeom prst="rect">
+            <a:avLst/>
+          </a:prstGeom>
+          <a:noFill/>
+        </p:spPr>
+        <p:txBody>
+          <a:bodyPr wrap="square" rtlCol="0">
+            <a:spAutoFit/>
+          </a:bodyPr>
+          <a:lstStyle/>
+          <a:p>
+            <a:r>
+              <a:rPr lang="en-US" dirty="0" smtClean="0">
+                <a:solidFill>
+                  <a:schemeClr val="bg1"/>
+                </a:solidFill>
+                <a:latin typeface="Brandon Grotesque Regular"/>
+                <a:cs typeface="Brandon Grotesque Regular"/>
+              </a:rPr>
+              <a:t>Serving Size:</a:t>
+            </a:r>
+            <a:endParaRPr lang="en-US" dirty="0">
+              <a:solidFill>
+                <a:schemeClr val="bg1"/>
+              </a:solidFill>
+              <a:latin typeface="Brandon Grotesque Regular"/>
+              <a:cs typeface="Brandon Grotesque Regular"/>
+            </a:endParaRPr>
+          </a:p>
+        </p:txBody>
+      </p:sp>
+      <p:sp>
+        <p:nvSpPr>
+          <p:cNvPr id="20" name="TextBox 19"/>
+          <p:cNvSpPr txBox="1"/>
+          <p:nvPr/>
+        </p:nvSpPr>
+        <p:spPr>
+          <a:xfrm>
+            <a:off x="876300" y="2414032"/>
+            <a:ext cx="2565400" cy="369332"/>
+          </a:xfrm>
+          <a:prstGeom prst="rect">
+            <a:avLst/>
+          </a:prstGeom>
+          <a:noFill/>
+        </p:spPr>
+        <p:txBody>
+          <a:bodyPr wrap="square" rtlCol="0">
+            <a:spAutoFit/>
+          </a:bodyPr>
+          <a:lstStyle/>
+          <a:p>
+            <a:r>
+              <a:rPr lang="en-US" dirty="0" smtClean="0">
+                <a:solidFill>
+                  <a:schemeClr val="bg1"/>
+                </a:solidFill>
+                <a:latin typeface="Brandon Grotesque Regular"/>
+                <a:cs typeface="Brandon Grotesque Regular"/>
+              </a:rPr>
+              <a:t>Additional Ingredients:</a:t>
+            </a:r>
+            <a:endParaRPr lang="en-US" dirty="0">
+              <a:solidFill>
+                <a:schemeClr val="bg1"/>
+              </a:solidFill>
+              <a:latin typeface="Brandon Grotesque Regular"/>
+              <a:cs typeface="Brandon Grotesque Regular"/>
+            </a:endParaRPr>
+          </a:p>
+        </p:txBody>
+      </p:sp>
+      <p:sp>
+        <p:nvSpPr>
+          <p:cNvPr id="21" name="TextBox 20"/>
+          <p:cNvSpPr txBox="1"/>
+          <p:nvPr/>
+        </p:nvSpPr>
+        <p:spPr>
+          <a:xfrm>
+            <a:off x="3073400" y="1892300"/>
+            <a:ext cx="863600" cy="369332"/>
+          </a:xfrm>
+          <a:prstGeom prst="rect">
+            <a:avLst/>
+          </a:prstGeom>
+          <a:noFill/>
+        </p:spPr>
+        <p:txBody>
+          <a:bodyPr wrap="square" rtlCol="0">
+            <a:spAutoFit/>
+          </a:bodyPr>
+          <a:lstStyle/>
+          <a:p>
+            <a:r>
+              <a:rPr lang="en-US" dirty="0" smtClean="0">
+                <a:solidFill>
+                  <a:schemeClr val="bg1"/>
+                </a:solidFill>
+                <a:latin typeface="Brandon Grotesque Regular"/>
+                <a:cs typeface="Brandon Grotesque Regular"/>
+              </a:rPr>
+              <a:t>&lt; 1 &gt;</a:t>
+            </a:r>
+            <a:endParaRPr lang="en-US" dirty="0">
+              <a:solidFill>
+                <a:schemeClr val="bg1"/>
+              </a:solidFill>
+              <a:latin typeface="Brandon Grotesque Regular"/>
+              <a:cs typeface="Brandon Grotesque Regular"/>
+            </a:endParaRPr>
+          </a:p>
+        </p:txBody>
+      </p:sp>
+      <p:sp>
+        <p:nvSpPr>
+          <p:cNvPr id="24" name="TextBox 23"/>
+          <p:cNvSpPr txBox="1"/>
+          <p:nvPr/>
+        </p:nvSpPr>
+        <p:spPr>
+          <a:xfrm>
+            <a:off x="3073400" y="2415064"/>
+            <a:ext cx="863600" cy="369332"/>
+          </a:xfrm>
+          <a:prstGeom prst="rect">
+            <a:avLst/>
+          </a:prstGeom>
+          <a:noFill/>
+        </p:spPr>
+        <p:txBody>
+          <a:bodyPr wrap="square" rtlCol="0">
+            <a:spAutoFit/>
+          </a:bodyPr>
+          <a:lstStyle/>
+          <a:p>
+            <a:r>
+              <a:rPr lang="en-US" dirty="0" smtClean="0">
+                <a:solidFill>
+                  <a:schemeClr val="bg1"/>
+                </a:solidFill>
+                <a:latin typeface="Brandon Grotesque Regular"/>
+                <a:cs typeface="Brandon Grotesque Regular"/>
+              </a:rPr>
+              <a:t>&lt; 1 &gt;</a:t>
+            </a:r>
+            <a:endParaRPr lang="en-US" dirty="0">
+              <a:solidFill>
+                <a:schemeClr val="bg1"/>
+              </a:solidFill>
+              <a:latin typeface="Brandon Grotesque Regular"/>
+              <a:cs typeface="Brandon Grotesque Regular"/>
+            </a:endParaRPr>
+          </a:p>
+        </p:txBody>
+      </p:sp>
+      <p:sp>
+        <p:nvSpPr>
+          <p:cNvPr id="25" name="Rectangle 24"/>
           <p:cNvSpPr/>
           <p:nvPr/>
         </p:nvSpPr>
         <p:spPr>
           <a:xfrm>
-            <a:off x="6489666" y="1376930"/>
-            <a:ext cx="2152896" cy="526645"/>
+            <a:off x="2260600" y="3657600"/>
+            <a:ext cx="1473200" cy="368300"/>
           </a:xfrm>
           <a:prstGeom prst="rect">
             <a:avLst/>
           </a:prstGeom>
           <a:solidFill>
-            <a:srgbClr val="FFA91D"/>
+            <a:srgbClr val="FF9111"/>
           </a:solidFill>
           <a:ln>
-            <a:solidFill>
-              <a:srgbClr val="FFAF48"/>
-            </a:solidFill>
+            <a:noFill/>
           </a:ln>
         </p:spPr>
         <p:style>
@@ -6874,7 +8664,7 @@
             <a:pPr algn="ctr"/>
             <a:r>
               <a:rPr lang="en-US" dirty="0" smtClean="0"/>
-              <a:t>White sugar</a:t>
+              <a:t>SCAVENGE</a:t>
             </a:r>
             <a:endParaRPr lang="en-US" dirty="0"/>
           </a:p>
@@ -6882,25 +8672,23 @@
       </p:sp>
       <p:sp>
         <p:nvSpPr>
-          <p:cNvPr id="18" name="Rectangle 17"/>
+          <p:cNvPr id="26" name="Rectangle 25"/>
           <p:cNvSpPr/>
           <p:nvPr/>
         </p:nvSpPr>
         <p:spPr>
           <a:xfrm>
-            <a:off x="6489666" y="2009792"/>
-            <a:ext cx="2152896" cy="526645"/>
+            <a:off x="5464772" y="1892300"/>
+            <a:ext cx="2866428" cy="368300"/>
           </a:xfrm>
           <a:prstGeom prst="rect">
             <a:avLst/>
           </a:prstGeom>
           <a:solidFill>
-            <a:srgbClr val="FFA91D"/>
+            <a:srgbClr val="FF9111"/>
           </a:solidFill>
           <a:ln>
-            <a:solidFill>
-              <a:srgbClr val="FFAF48"/>
-            </a:solidFill>
+            <a:noFill/>
           </a:ln>
         </p:spPr>
         <p:style>
@@ -6923,38 +8711,38 @@
           <a:p>
             <a:pPr algn="ctr"/>
             <a:r>
-              <a:rPr lang="en-US" dirty="0" smtClean="0"/>
-              <a:t>Duck eggs</a:t>
-            </a:r>
-            <a:endParaRPr lang="en-US" dirty="0"/>
-          </a:p>
-        </p:txBody>
-      </p:sp>
-      <p:sp>
-        <p:nvSpPr>
-          <p:cNvPr id="19" name="Rectangle 18"/>
+              <a:rPr lang="en-US" sz="1600" dirty="0" smtClean="0">
+                <a:latin typeface="Brandon Grotesque Regular"/>
+                <a:cs typeface="Brandon Grotesque Regular"/>
+              </a:rPr>
+              <a:t>all-purpose flour (1 cup)</a:t>
+            </a:r>
+            <a:endParaRPr lang="en-US" sz="1600" dirty="0">
+              <a:latin typeface="Brandon Grotesque Regular"/>
+              <a:cs typeface="Brandon Grotesque Regular"/>
+            </a:endParaRPr>
+          </a:p>
+        </p:txBody>
+      </p:sp>
+      <p:sp>
+        <p:nvSpPr>
+          <p:cNvPr id="27" name="Rectangle 26"/>
           <p:cNvSpPr/>
           <p:nvPr/>
         </p:nvSpPr>
         <p:spPr>
           <a:xfrm>
-            <a:off x="6489666" y="2652227"/>
-            <a:ext cx="2152896" cy="526645"/>
+            <a:off x="5464772" y="2416096"/>
+            <a:ext cx="2866428" cy="368300"/>
           </a:xfrm>
           <a:prstGeom prst="rect">
             <a:avLst/>
           </a:prstGeom>
           <a:solidFill>
-            <a:schemeClr val="bg1">
-              <a:lumMod val="75000"/>
-            </a:schemeClr>
+            <a:srgbClr val="FF9111"/>
           </a:solidFill>
           <a:ln>
-            <a:solidFill>
-              <a:schemeClr val="bg1">
-                <a:lumMod val="75000"/>
-              </a:schemeClr>
-            </a:solidFill>
+            <a:noFill/>
           </a:ln>
         </p:spPr>
         <p:style>
@@ -6977,34 +8765,38 @@
           <a:p>
             <a:pPr algn="ctr"/>
             <a:r>
-              <a:rPr lang="en-US" dirty="0" smtClean="0"/>
-              <a:t>Canola oil</a:t>
-            </a:r>
-            <a:endParaRPr lang="en-US" dirty="0"/>
-          </a:p>
-        </p:txBody>
-      </p:sp>
-      <p:sp>
-        <p:nvSpPr>
-          <p:cNvPr id="20" name="Rectangle 19"/>
+              <a:rPr lang="en-US" sz="1600" dirty="0" smtClean="0">
+                <a:latin typeface="Brandon Grotesque Regular"/>
+                <a:cs typeface="Brandon Grotesque Regular"/>
+              </a:rPr>
+              <a:t>White sugar (1 cup)</a:t>
+            </a:r>
+            <a:endParaRPr lang="en-US" sz="1600" dirty="0">
+              <a:latin typeface="Brandon Grotesque Regular"/>
+              <a:cs typeface="Brandon Grotesque Regular"/>
+            </a:endParaRPr>
+          </a:p>
+        </p:txBody>
+      </p:sp>
+      <p:sp>
+        <p:nvSpPr>
+          <p:cNvPr id="28" name="Rectangle 27"/>
           <p:cNvSpPr/>
           <p:nvPr/>
         </p:nvSpPr>
         <p:spPr>
           <a:xfrm>
-            <a:off x="1006750" y="3781237"/>
-            <a:ext cx="3608811" cy="526645"/>
+            <a:off x="5464772" y="2933700"/>
+            <a:ext cx="2866428" cy="368300"/>
           </a:xfrm>
           <a:prstGeom prst="rect">
             <a:avLst/>
           </a:prstGeom>
           <a:solidFill>
-            <a:srgbClr val="FFA91D"/>
+            <a:srgbClr val="FF9111"/>
           </a:solidFill>
           <a:ln>
-            <a:solidFill>
-              <a:srgbClr val="FFAF48"/>
-            </a:solidFill>
+            <a:noFill/>
           </a:ln>
         </p:spPr>
         <p:style>
@@ -7027,510 +8819,31 @@
           <a:p>
             <a:pPr algn="ctr"/>
             <a:r>
-              <a:rPr lang="en-US" dirty="0" smtClean="0"/>
-              <a:t>Scavenge</a:t>
-            </a:r>
-            <a:endParaRPr lang="en-US" dirty="0"/>
-          </a:p>
-        </p:txBody>
-      </p:sp>
-      <p:sp>
-        <p:nvSpPr>
-          <p:cNvPr id="21" name="Rectangle 20"/>
+              <a:rPr lang="en-US" sz="1600" dirty="0" smtClean="0">
+                <a:latin typeface="Brandon Grotesque Regular"/>
+                <a:cs typeface="Brandon Grotesque Regular"/>
+              </a:rPr>
+              <a:t>Eggs (3)</a:t>
+            </a:r>
+            <a:endParaRPr lang="en-US" sz="1600" dirty="0">
+              <a:latin typeface="Brandon Grotesque Regular"/>
+              <a:cs typeface="Brandon Grotesque Regular"/>
+            </a:endParaRPr>
+          </a:p>
+        </p:txBody>
+      </p:sp>
+      <p:sp>
+        <p:nvSpPr>
+          <p:cNvPr id="29" name="Rectangle 28"/>
           <p:cNvSpPr/>
           <p:nvPr/>
         </p:nvSpPr>
         <p:spPr>
           <a:xfrm>
-            <a:off x="5300366" y="6295529"/>
-            <a:ext cx="3342196" cy="422771"/>
-          </a:xfrm>
-          <a:prstGeom prst="rect">
-            <a:avLst/>
-          </a:prstGeom>
-          <a:noFill/>
-          <a:ln>
-            <a:solidFill>
-              <a:schemeClr val="bg1">
-                <a:lumMod val="65000"/>
-              </a:schemeClr>
-            </a:solidFill>
-          </a:ln>
-        </p:spPr>
-        <p:style>
-          <a:lnRef idx="1">
-            <a:schemeClr val="accent1"/>
-          </a:lnRef>
-          <a:fillRef idx="3">
-            <a:schemeClr val="accent1"/>
-          </a:fillRef>
-          <a:effectRef idx="2">
-            <a:schemeClr val="accent1"/>
-          </a:effectRef>
-          <a:fontRef idx="minor">
-            <a:schemeClr val="lt1"/>
-          </a:fontRef>
-        </p:style>
-        <p:txBody>
-          <a:bodyPr rtlCol="0" anchor="ctr"/>
-          <a:lstStyle/>
-          <a:p>
-            <a:pPr algn="ctr"/>
-            <a:endParaRPr lang="en-US"/>
-          </a:p>
-        </p:txBody>
-      </p:sp>
-      <p:sp>
-        <p:nvSpPr>
-          <p:cNvPr id="22" name="TextBox 21"/>
-          <p:cNvSpPr txBox="1"/>
-          <p:nvPr/>
-        </p:nvSpPr>
-        <p:spPr>
-          <a:xfrm>
-            <a:off x="1006750" y="2517052"/>
-            <a:ext cx="1285542" cy="369332"/>
-          </a:xfrm>
-          <a:prstGeom prst="rect">
-            <a:avLst/>
-          </a:prstGeom>
-          <a:noFill/>
-        </p:spPr>
-        <p:txBody>
-          <a:bodyPr wrap="square" rtlCol="0">
-            <a:spAutoFit/>
-          </a:bodyPr>
-          <a:lstStyle/>
-          <a:p>
-            <a:r>
-              <a:rPr lang="en-US" dirty="0" smtClean="0"/>
-              <a:t>Serving Size</a:t>
-            </a:r>
-            <a:endParaRPr lang="en-US" dirty="0"/>
-          </a:p>
-        </p:txBody>
-      </p:sp>
-      <p:sp>
-        <p:nvSpPr>
-          <p:cNvPr id="23" name="Rectangle 22"/>
-          <p:cNvSpPr/>
-          <p:nvPr/>
-        </p:nvSpPr>
-        <p:spPr>
-          <a:xfrm>
-            <a:off x="1006750" y="3142644"/>
-            <a:ext cx="2262496" cy="369332"/>
-          </a:xfrm>
-          <a:prstGeom prst="rect">
-            <a:avLst/>
-          </a:prstGeom>
-        </p:spPr>
-        <p:txBody>
-          <a:bodyPr wrap="none">
-            <a:spAutoFit/>
-          </a:bodyPr>
-          <a:lstStyle/>
-          <a:p>
-            <a:r>
-              <a:rPr lang="en-US" dirty="0" smtClean="0"/>
-              <a:t>Additional Ingredients</a:t>
-            </a:r>
-            <a:endParaRPr lang="en-US" dirty="0"/>
-          </a:p>
-        </p:txBody>
-      </p:sp>
-      <p:sp>
-        <p:nvSpPr>
-          <p:cNvPr id="24" name="Rectangle 23"/>
-          <p:cNvSpPr/>
-          <p:nvPr/>
-        </p:nvSpPr>
-        <p:spPr>
-          <a:xfrm>
-            <a:off x="3360996" y="3178872"/>
-            <a:ext cx="1254565" cy="333104"/>
-          </a:xfrm>
-          <a:prstGeom prst="rect">
-            <a:avLst/>
-          </a:prstGeom>
-          <a:noFill/>
-          <a:ln>
-            <a:solidFill>
-              <a:schemeClr val="bg1">
-                <a:lumMod val="65000"/>
-              </a:schemeClr>
-            </a:solidFill>
-          </a:ln>
-        </p:spPr>
-        <p:style>
-          <a:lnRef idx="1">
-            <a:schemeClr val="accent1"/>
-          </a:lnRef>
-          <a:fillRef idx="3">
-            <a:schemeClr val="accent1"/>
-          </a:fillRef>
-          <a:effectRef idx="2">
-            <a:schemeClr val="accent1"/>
-          </a:effectRef>
-          <a:fontRef idx="minor">
-            <a:schemeClr val="lt1"/>
-          </a:fontRef>
-        </p:style>
-        <p:txBody>
-          <a:bodyPr rtlCol="0" anchor="ctr"/>
-          <a:lstStyle/>
-          <a:p>
-            <a:pPr algn="ctr"/>
-            <a:endParaRPr lang="en-US"/>
-          </a:p>
-        </p:txBody>
-      </p:sp>
-      <p:sp>
-        <p:nvSpPr>
-          <p:cNvPr id="25" name="TextBox 24"/>
-          <p:cNvSpPr txBox="1"/>
-          <p:nvPr/>
-        </p:nvSpPr>
-        <p:spPr>
-          <a:xfrm>
-            <a:off x="6489666" y="136307"/>
-            <a:ext cx="1412355" cy="369332"/>
-          </a:xfrm>
-          <a:prstGeom prst="rect">
-            <a:avLst/>
-          </a:prstGeom>
-          <a:noFill/>
-        </p:spPr>
-        <p:txBody>
-          <a:bodyPr wrap="square" rtlCol="0">
-            <a:spAutoFit/>
-          </a:bodyPr>
-          <a:lstStyle/>
-          <a:p>
-            <a:r>
-              <a:rPr lang="en-US" dirty="0" smtClean="0">
-                <a:solidFill>
-                  <a:srgbClr val="FFFFFF"/>
-                </a:solidFill>
-                <a:latin typeface="Avenir Book"/>
-                <a:cs typeface="Avenir Book"/>
-              </a:rPr>
-              <a:t>Cookbook</a:t>
-            </a:r>
-            <a:endParaRPr lang="en-US" dirty="0">
-              <a:solidFill>
-                <a:srgbClr val="FFFFFF"/>
-              </a:solidFill>
-              <a:latin typeface="Avenir Book"/>
-              <a:cs typeface="Avenir Book"/>
-            </a:endParaRPr>
-          </a:p>
-        </p:txBody>
-      </p:sp>
-      <p:sp>
-        <p:nvSpPr>
-          <p:cNvPr id="26" name="TextBox 25"/>
-          <p:cNvSpPr txBox="1"/>
-          <p:nvPr/>
-        </p:nvSpPr>
-        <p:spPr>
-          <a:xfrm>
-            <a:off x="4928717" y="136307"/>
-            <a:ext cx="1412355" cy="369332"/>
-          </a:xfrm>
-          <a:prstGeom prst="rect">
-            <a:avLst/>
-          </a:prstGeom>
-          <a:noFill/>
-        </p:spPr>
-        <p:txBody>
-          <a:bodyPr wrap="square" rtlCol="0">
-            <a:spAutoFit/>
-          </a:bodyPr>
-          <a:lstStyle/>
-          <a:p>
-            <a:r>
-              <a:rPr lang="en-US" dirty="0" smtClean="0">
-                <a:solidFill>
-                  <a:srgbClr val="FFFFFF"/>
-                </a:solidFill>
-                <a:latin typeface="Avenir Book"/>
-                <a:cs typeface="Avenir Book"/>
-              </a:rPr>
-              <a:t>Sous Chefs</a:t>
-            </a:r>
-            <a:endParaRPr lang="en-US" dirty="0">
-              <a:solidFill>
-                <a:srgbClr val="FFFFFF"/>
-              </a:solidFill>
-              <a:latin typeface="Avenir Book"/>
-              <a:cs typeface="Avenir Book"/>
-            </a:endParaRPr>
-          </a:p>
-        </p:txBody>
-      </p:sp>
-      <p:sp>
-        <p:nvSpPr>
-          <p:cNvPr id="27" name="Rectangle 26"/>
-          <p:cNvSpPr/>
-          <p:nvPr/>
-        </p:nvSpPr>
-        <p:spPr>
-          <a:xfrm>
-            <a:off x="5316047" y="869398"/>
-            <a:ext cx="342199" cy="356260"/>
-          </a:xfrm>
-          <a:prstGeom prst="rect">
-            <a:avLst/>
-          </a:prstGeom>
-          <a:noFill/>
-          <a:ln>
-            <a:solidFill>
-              <a:schemeClr val="bg1">
-                <a:lumMod val="65000"/>
-              </a:schemeClr>
-            </a:solidFill>
-          </a:ln>
-        </p:spPr>
-        <p:style>
-          <a:lnRef idx="1">
-            <a:schemeClr val="accent1"/>
-          </a:lnRef>
-          <a:fillRef idx="3">
-            <a:schemeClr val="accent1"/>
-          </a:fillRef>
-          <a:effectRef idx="2">
-            <a:schemeClr val="accent1"/>
-          </a:effectRef>
-          <a:fontRef idx="minor">
-            <a:schemeClr val="lt1"/>
-          </a:fontRef>
-        </p:style>
-        <p:txBody>
-          <a:bodyPr rtlCol="0" anchor="ctr"/>
-          <a:lstStyle/>
-          <a:p>
-            <a:pPr algn="ctr"/>
-            <a:r>
-              <a:rPr lang="en-US" dirty="0" smtClean="0">
-                <a:solidFill>
-                  <a:schemeClr val="tx1"/>
-                </a:solidFill>
-              </a:rPr>
-              <a:t>1</a:t>
-            </a:r>
-            <a:endParaRPr lang="en-US" dirty="0">
-              <a:solidFill>
-                <a:schemeClr val="tx1"/>
-              </a:solidFill>
-            </a:endParaRPr>
-          </a:p>
-        </p:txBody>
-      </p:sp>
-      <p:sp>
-        <p:nvSpPr>
-          <p:cNvPr id="28" name="Rectangle 27"/>
-          <p:cNvSpPr/>
-          <p:nvPr/>
-        </p:nvSpPr>
-        <p:spPr>
-          <a:xfrm>
-            <a:off x="5706095" y="866729"/>
-            <a:ext cx="634977" cy="356260"/>
-          </a:xfrm>
-          <a:prstGeom prst="rect">
-            <a:avLst/>
-          </a:prstGeom>
-          <a:noFill/>
-          <a:ln>
-            <a:solidFill>
-              <a:schemeClr val="bg1">
-                <a:lumMod val="65000"/>
-              </a:schemeClr>
-            </a:solidFill>
-          </a:ln>
-        </p:spPr>
-        <p:style>
-          <a:lnRef idx="1">
-            <a:schemeClr val="accent1"/>
-          </a:lnRef>
-          <a:fillRef idx="3">
-            <a:schemeClr val="accent1"/>
-          </a:fillRef>
-          <a:effectRef idx="2">
-            <a:schemeClr val="accent1"/>
-          </a:effectRef>
-          <a:fontRef idx="minor">
-            <a:schemeClr val="lt1"/>
-          </a:fontRef>
-        </p:style>
-        <p:txBody>
-          <a:bodyPr rtlCol="0" anchor="ctr"/>
-          <a:lstStyle/>
-          <a:p>
-            <a:pPr algn="ctr"/>
-            <a:r>
-              <a:rPr lang="en-US" dirty="0" smtClean="0">
-                <a:solidFill>
-                  <a:srgbClr val="000000"/>
-                </a:solidFill>
-              </a:rPr>
-              <a:t>cup</a:t>
-            </a:r>
-            <a:endParaRPr lang="en-US" dirty="0">
-              <a:solidFill>
-                <a:srgbClr val="000000"/>
-              </a:solidFill>
-            </a:endParaRPr>
-          </a:p>
-        </p:txBody>
-      </p:sp>
-      <p:sp>
-        <p:nvSpPr>
-          <p:cNvPr id="31" name="TextBox 30"/>
-          <p:cNvSpPr txBox="1"/>
-          <p:nvPr/>
-        </p:nvSpPr>
-        <p:spPr>
-          <a:xfrm>
-            <a:off x="8750980" y="758988"/>
-            <a:ext cx="185862" cy="369332"/>
-          </a:xfrm>
-          <a:prstGeom prst="rect">
-            <a:avLst/>
-          </a:prstGeom>
-          <a:noFill/>
-        </p:spPr>
-        <p:txBody>
-          <a:bodyPr wrap="square" rtlCol="0">
-            <a:spAutoFit/>
-          </a:bodyPr>
-          <a:lstStyle/>
-          <a:p>
-            <a:r>
-              <a:rPr lang="en-US" dirty="0" smtClean="0"/>
-              <a:t>x</a:t>
-            </a:r>
-            <a:endParaRPr lang="en-US" dirty="0"/>
-          </a:p>
-        </p:txBody>
-      </p:sp>
-      <p:sp>
-        <p:nvSpPr>
-          <p:cNvPr id="33" name="Rectangle 32"/>
-          <p:cNvSpPr/>
-          <p:nvPr/>
-        </p:nvSpPr>
-        <p:spPr>
-          <a:xfrm>
-            <a:off x="3360996" y="2517052"/>
-            <a:ext cx="1254565" cy="369332"/>
-          </a:xfrm>
-          <a:prstGeom prst="rect">
-            <a:avLst/>
-          </a:prstGeom>
-          <a:noFill/>
-          <a:ln>
-            <a:solidFill>
-              <a:schemeClr val="bg1">
-                <a:lumMod val="65000"/>
-              </a:schemeClr>
-            </a:solidFill>
-          </a:ln>
-        </p:spPr>
-        <p:style>
-          <a:lnRef idx="1">
-            <a:schemeClr val="accent1"/>
-          </a:lnRef>
-          <a:fillRef idx="3">
-            <a:schemeClr val="accent1"/>
-          </a:fillRef>
-          <a:effectRef idx="2">
-            <a:schemeClr val="accent1"/>
-          </a:effectRef>
-          <a:fontRef idx="minor">
-            <a:schemeClr val="lt1"/>
-          </a:fontRef>
-        </p:style>
-        <p:txBody>
-          <a:bodyPr rtlCol="0" anchor="ctr"/>
-          <a:lstStyle/>
-          <a:p>
-            <a:pPr algn="ctr"/>
-            <a:endParaRPr lang="en-US"/>
-          </a:p>
-        </p:txBody>
-      </p:sp>
-      <p:sp>
-        <p:nvSpPr>
-          <p:cNvPr id="35" name="Oval 34"/>
-          <p:cNvSpPr/>
-          <p:nvPr/>
-        </p:nvSpPr>
-        <p:spPr>
-          <a:xfrm>
-            <a:off x="8750980" y="6295529"/>
-            <a:ext cx="294280" cy="259120"/>
-          </a:xfrm>
-          <a:prstGeom prst="ellipse">
-            <a:avLst/>
-          </a:prstGeom>
-          <a:solidFill>
-            <a:srgbClr val="FFAF48"/>
-          </a:solidFill>
-          <a:ln>
-            <a:solidFill>
-              <a:srgbClr val="FFAF48"/>
-            </a:solidFill>
-          </a:ln>
-        </p:spPr>
-        <p:style>
-          <a:lnRef idx="1">
-            <a:schemeClr val="accent1"/>
-          </a:lnRef>
-          <a:fillRef idx="3">
-            <a:schemeClr val="accent1"/>
-          </a:fillRef>
-          <a:effectRef idx="2">
-            <a:schemeClr val="accent1"/>
-          </a:effectRef>
-          <a:fontRef idx="minor">
-            <a:schemeClr val="lt1"/>
-          </a:fontRef>
-        </p:style>
-        <p:txBody>
-          <a:bodyPr rtlCol="0" anchor="ctr"/>
-          <a:lstStyle/>
-          <a:p>
-            <a:pPr algn="ctr"/>
-            <a:r>
-              <a:rPr lang="en-US" dirty="0" smtClean="0">
-                <a:solidFill>
-                  <a:srgbClr val="FFFFFF"/>
-                </a:solidFill>
-              </a:rPr>
-              <a:t>+</a:t>
-            </a:r>
-            <a:endParaRPr lang="en-US" dirty="0">
-              <a:solidFill>
-                <a:srgbClr val="FFFFFF"/>
-              </a:solidFill>
-            </a:endParaRPr>
-          </a:p>
-        </p:txBody>
-      </p:sp>
-      <p:sp>
-        <p:nvSpPr>
-          <p:cNvPr id="37" name="Isosceles Triangle 36"/>
-          <p:cNvSpPr/>
-          <p:nvPr/>
-        </p:nvSpPr>
-        <p:spPr>
-          <a:xfrm rot="10800000">
-            <a:off x="6243252" y="1046840"/>
-            <a:ext cx="74310" cy="55035"/>
-          </a:xfrm>
-          <a:prstGeom prst="triangle">
+            <a:off x="5464772" y="3473450"/>
+            <a:ext cx="2866428" cy="368300"/>
+          </a:xfrm>
+          <a:prstGeom prst="rect">
             <a:avLst/>
           </a:prstGeom>
           <a:solidFill>
@@ -7539,11 +8852,7 @@
             </a:schemeClr>
           </a:solidFill>
           <a:ln>
-            <a:solidFill>
-              <a:schemeClr val="bg1">
-                <a:lumMod val="65000"/>
-              </a:schemeClr>
-            </a:solidFill>
+            <a:noFill/>
           </a:ln>
         </p:spPr>
         <p:style>
@@ -7565,57 +8874,30 @@
           <a:lstStyle/>
           <a:p>
             <a:pPr algn="ctr"/>
-            <a:endParaRPr lang="en-US"/>
-          </a:p>
-        </p:txBody>
-      </p:sp>
-      <p:cxnSp>
-        <p:nvCxnSpPr>
-          <p:cNvPr id="38" name="Straight Connector 37"/>
-          <p:cNvCxnSpPr/>
-          <p:nvPr/>
-        </p:nvCxnSpPr>
-        <p:spPr>
-          <a:xfrm flipH="1">
-            <a:off x="5148462" y="5778500"/>
-            <a:ext cx="3995538" cy="0"/>
-          </a:xfrm>
-          <a:prstGeom prst="line">
-            <a:avLst/>
-          </a:prstGeom>
-          <a:ln>
-            <a:solidFill>
-              <a:schemeClr val="bg1">
-                <a:lumMod val="75000"/>
-              </a:schemeClr>
-            </a:solidFill>
-          </a:ln>
-        </p:spPr>
-        <p:style>
-          <a:lnRef idx="2">
-            <a:schemeClr val="accent1"/>
-          </a:lnRef>
-          <a:fillRef idx="0">
-            <a:schemeClr val="accent1"/>
-          </a:fillRef>
-          <a:effectRef idx="1">
-            <a:schemeClr val="accent1"/>
-          </a:effectRef>
-          <a:fontRef idx="minor">
-            <a:schemeClr val="tx1"/>
-          </a:fontRef>
-        </p:style>
-      </p:cxnSp>
-      <p:sp>
-        <p:nvSpPr>
-          <p:cNvPr id="42" name="TextBox 41"/>
+            <a:r>
+              <a:rPr lang="en-US" sz="1600" dirty="0" smtClean="0">
+                <a:latin typeface="Brandon Grotesque Regular"/>
+                <a:cs typeface="Brandon Grotesque Regular"/>
+              </a:rPr>
+              <a:t>Canola oil (1.5 cup)</a:t>
+            </a:r>
+            <a:endParaRPr lang="en-US" sz="1600" dirty="0">
+              <a:latin typeface="Brandon Grotesque Regular"/>
+              <a:cs typeface="Brandon Grotesque Regular"/>
+            </a:endParaRPr>
+          </a:p>
+        </p:txBody>
+      </p:sp>
+      <p:sp>
+        <p:nvSpPr>
+          <p:cNvPr id="30" name="TextBox 29"/>
           <p:cNvSpPr txBox="1"/>
           <p:nvPr/>
         </p:nvSpPr>
         <p:spPr>
           <a:xfrm>
-            <a:off x="5314916" y="5900797"/>
-            <a:ext cx="2349500" cy="369332"/>
+            <a:off x="4953000" y="1847334"/>
+            <a:ext cx="228600" cy="369332"/>
           </a:xfrm>
           <a:prstGeom prst="rect">
             <a:avLst/>
@@ -7629,23 +8911,220 @@
           <a:lstStyle/>
           <a:p>
             <a:r>
-              <a:rPr lang="en-US" dirty="0" smtClean="0"/>
-              <a:t>Add Ingredient:</a:t>
-            </a:r>
-            <a:endParaRPr lang="en-US" dirty="0"/>
-          </a:p>
-        </p:txBody>
-      </p:sp>
-      <p:sp>
-        <p:nvSpPr>
-          <p:cNvPr id="46" name="Rectangle 45"/>
+              <a:rPr lang="en-US" dirty="0" smtClean="0">
+                <a:solidFill>
+                  <a:srgbClr val="FF9111"/>
+                </a:solidFill>
+              </a:rPr>
+              <a:t>x</a:t>
+            </a:r>
+            <a:endParaRPr lang="en-US" dirty="0">
+              <a:solidFill>
+                <a:srgbClr val="FF9111"/>
+              </a:solidFill>
+            </a:endParaRPr>
+          </a:p>
+        </p:txBody>
+      </p:sp>
+      <p:sp>
+        <p:nvSpPr>
+          <p:cNvPr id="31" name="TextBox 30"/>
+          <p:cNvSpPr txBox="1"/>
+          <p:nvPr/>
+        </p:nvSpPr>
+        <p:spPr>
+          <a:xfrm>
+            <a:off x="4953000" y="2369066"/>
+            <a:ext cx="228600" cy="369332"/>
+          </a:xfrm>
+          <a:prstGeom prst="rect">
+            <a:avLst/>
+          </a:prstGeom>
+          <a:noFill/>
+        </p:spPr>
+        <p:txBody>
+          <a:bodyPr wrap="square" rtlCol="0">
+            <a:spAutoFit/>
+          </a:bodyPr>
+          <a:lstStyle/>
+          <a:p>
+            <a:r>
+              <a:rPr lang="en-US" dirty="0" smtClean="0">
+                <a:solidFill>
+                  <a:srgbClr val="FF9111"/>
+                </a:solidFill>
+              </a:rPr>
+              <a:t>x</a:t>
+            </a:r>
+            <a:endParaRPr lang="en-US" dirty="0">
+              <a:solidFill>
+                <a:srgbClr val="FF9111"/>
+              </a:solidFill>
+            </a:endParaRPr>
+          </a:p>
+        </p:txBody>
+      </p:sp>
+      <p:sp>
+        <p:nvSpPr>
+          <p:cNvPr id="32" name="TextBox 31"/>
+          <p:cNvSpPr txBox="1"/>
+          <p:nvPr/>
+        </p:nvSpPr>
+        <p:spPr>
+          <a:xfrm>
+            <a:off x="4953000" y="2933700"/>
+            <a:ext cx="228600" cy="369332"/>
+          </a:xfrm>
+          <a:prstGeom prst="rect">
+            <a:avLst/>
+          </a:prstGeom>
+          <a:noFill/>
+        </p:spPr>
+        <p:txBody>
+          <a:bodyPr wrap="square" rtlCol="0">
+            <a:spAutoFit/>
+          </a:bodyPr>
+          <a:lstStyle/>
+          <a:p>
+            <a:r>
+              <a:rPr lang="en-US" dirty="0" smtClean="0">
+                <a:solidFill>
+                  <a:srgbClr val="FF9111"/>
+                </a:solidFill>
+              </a:rPr>
+              <a:t>x</a:t>
+            </a:r>
+            <a:endParaRPr lang="en-US" dirty="0">
+              <a:solidFill>
+                <a:srgbClr val="FF9111"/>
+              </a:solidFill>
+            </a:endParaRPr>
+          </a:p>
+        </p:txBody>
+      </p:sp>
+      <p:sp>
+        <p:nvSpPr>
+          <p:cNvPr id="33" name="TextBox 32"/>
+          <p:cNvSpPr txBox="1"/>
+          <p:nvPr/>
+        </p:nvSpPr>
+        <p:spPr>
+          <a:xfrm>
+            <a:off x="4940300" y="3472934"/>
+            <a:ext cx="228600" cy="369332"/>
+          </a:xfrm>
+          <a:prstGeom prst="rect">
+            <a:avLst/>
+          </a:prstGeom>
+          <a:noFill/>
+        </p:spPr>
+        <p:txBody>
+          <a:bodyPr wrap="square" rtlCol="0">
+            <a:spAutoFit/>
+          </a:bodyPr>
+          <a:lstStyle/>
+          <a:p>
+            <a:r>
+              <a:rPr lang="en-US" dirty="0" smtClean="0">
+                <a:solidFill>
+                  <a:srgbClr val="FF9111"/>
+                </a:solidFill>
+              </a:rPr>
+              <a:t>x</a:t>
+            </a:r>
+            <a:endParaRPr lang="en-US" dirty="0">
+              <a:solidFill>
+                <a:srgbClr val="FF9111"/>
+              </a:solidFill>
+            </a:endParaRPr>
+          </a:p>
+        </p:txBody>
+      </p:sp>
+      <p:sp>
+        <p:nvSpPr>
+          <p:cNvPr id="34" name="TextBox 33"/>
+          <p:cNvSpPr txBox="1"/>
+          <p:nvPr/>
+        </p:nvSpPr>
+        <p:spPr>
+          <a:xfrm>
+            <a:off x="5207000" y="5277910"/>
+            <a:ext cx="3468277" cy="923330"/>
+          </a:xfrm>
+          <a:prstGeom prst="rect">
+            <a:avLst/>
+          </a:prstGeom>
+          <a:solidFill>
+            <a:srgbClr val="000000">
+              <a:alpha val="71000"/>
+            </a:srgbClr>
+          </a:solidFill>
+        </p:spPr>
+        <p:txBody>
+          <a:bodyPr wrap="square" rtlCol="0">
+            <a:spAutoFit/>
+          </a:bodyPr>
+          <a:lstStyle/>
+          <a:p>
+            <a:r>
+              <a:rPr lang="en-US" dirty="0" smtClean="0">
+                <a:solidFill>
+                  <a:srgbClr val="FFFFFF"/>
+                </a:solidFill>
+              </a:rPr>
+              <a:t>We will implement auto complete for ingredients in order to avoid misspellings. </a:t>
+            </a:r>
+            <a:endParaRPr lang="en-US" dirty="0">
+              <a:solidFill>
+                <a:srgbClr val="FFFFFF"/>
+              </a:solidFill>
+            </a:endParaRPr>
+          </a:p>
+        </p:txBody>
+      </p:sp>
+      <p:sp>
+        <p:nvSpPr>
+          <p:cNvPr id="35" name="TextBox 34"/>
+          <p:cNvSpPr txBox="1"/>
+          <p:nvPr/>
+        </p:nvSpPr>
+        <p:spPr>
+          <a:xfrm>
+            <a:off x="4978400" y="4854252"/>
+            <a:ext cx="228600" cy="369332"/>
+          </a:xfrm>
+          <a:prstGeom prst="rect">
+            <a:avLst/>
+          </a:prstGeom>
+          <a:noFill/>
+        </p:spPr>
+        <p:txBody>
+          <a:bodyPr wrap="square" rtlCol="0">
+            <a:spAutoFit/>
+          </a:bodyPr>
+          <a:lstStyle/>
+          <a:p>
+            <a:r>
+              <a:rPr lang="en-US" dirty="0">
+                <a:solidFill>
+                  <a:srgbClr val="FF9111"/>
+                </a:solidFill>
+              </a:rPr>
+              <a:t>+</a:t>
+            </a:r>
+          </a:p>
+        </p:txBody>
+      </p:sp>
+      <p:sp>
+        <p:nvSpPr>
+          <p:cNvPr id="36" name="Rectangle 35"/>
           <p:cNvSpPr/>
           <p:nvPr/>
         </p:nvSpPr>
         <p:spPr>
           <a:xfrm>
-            <a:off x="5316047" y="1474636"/>
-            <a:ext cx="342199" cy="356260"/>
+            <a:off x="5464772" y="4847902"/>
+            <a:ext cx="2866428" cy="368300"/>
           </a:xfrm>
           <a:prstGeom prst="rect">
             <a:avLst/>
@@ -7653,9 +9132,7 @@
           <a:noFill/>
           <a:ln>
             <a:solidFill>
-              <a:schemeClr val="bg1">
-                <a:lumMod val="65000"/>
-              </a:schemeClr>
+              <a:schemeClr val="bg1"/>
             </a:solidFill>
           </a:ln>
         </p:spPr>
@@ -7679,465 +9156,23 @@
           <a:p>
             <a:pPr algn="ctr"/>
             <a:r>
-              <a:rPr lang="en-US" dirty="0" smtClean="0">
-                <a:solidFill>
-                  <a:schemeClr val="tx1"/>
-                </a:solidFill>
+              <a:rPr lang="en-US" sz="1600" i="1" dirty="0" smtClean="0">
+                <a:latin typeface="Brandon Grotesque Regular"/>
+                <a:cs typeface="Brandon Grotesque Regular"/>
               </a:rPr>
-              <a:t>1</a:t>
-            </a:r>
-            <a:endParaRPr lang="en-US" dirty="0">
-              <a:solidFill>
-                <a:schemeClr val="tx1"/>
-              </a:solidFill>
+              <a:t>Add an ingredient</a:t>
+            </a:r>
+            <a:endParaRPr lang="en-US" sz="1600" i="1" dirty="0">
+              <a:latin typeface="Brandon Grotesque Regular"/>
+              <a:cs typeface="Brandon Grotesque Regular"/>
             </a:endParaRPr>
-          </a:p>
-        </p:txBody>
-      </p:sp>
-      <p:sp>
-        <p:nvSpPr>
-          <p:cNvPr id="47" name="Rectangle 46"/>
-          <p:cNvSpPr/>
-          <p:nvPr/>
-        </p:nvSpPr>
-        <p:spPr>
-          <a:xfrm>
-            <a:off x="5706095" y="1471967"/>
-            <a:ext cx="634977" cy="356260"/>
-          </a:xfrm>
-          <a:prstGeom prst="rect">
-            <a:avLst/>
-          </a:prstGeom>
-          <a:noFill/>
-          <a:ln>
-            <a:solidFill>
-              <a:schemeClr val="bg1">
-                <a:lumMod val="65000"/>
-              </a:schemeClr>
-            </a:solidFill>
-          </a:ln>
-        </p:spPr>
-        <p:style>
-          <a:lnRef idx="1">
-            <a:schemeClr val="accent1"/>
-          </a:lnRef>
-          <a:fillRef idx="3">
-            <a:schemeClr val="accent1"/>
-          </a:fillRef>
-          <a:effectRef idx="2">
-            <a:schemeClr val="accent1"/>
-          </a:effectRef>
-          <a:fontRef idx="minor">
-            <a:schemeClr val="lt1"/>
-          </a:fontRef>
-        </p:style>
-        <p:txBody>
-          <a:bodyPr rtlCol="0" anchor="ctr"/>
-          <a:lstStyle/>
-          <a:p>
-            <a:pPr algn="ctr"/>
-            <a:r>
-              <a:rPr lang="en-US" dirty="0" smtClean="0">
-                <a:solidFill>
-                  <a:srgbClr val="000000"/>
-                </a:solidFill>
-              </a:rPr>
-              <a:t>cup</a:t>
-            </a:r>
-            <a:endParaRPr lang="en-US" dirty="0">
-              <a:solidFill>
-                <a:srgbClr val="000000"/>
-              </a:solidFill>
-            </a:endParaRPr>
-          </a:p>
-        </p:txBody>
-      </p:sp>
-      <p:sp>
-        <p:nvSpPr>
-          <p:cNvPr id="48" name="Isosceles Triangle 47"/>
-          <p:cNvSpPr/>
-          <p:nvPr/>
-        </p:nvSpPr>
-        <p:spPr>
-          <a:xfrm rot="10800000">
-            <a:off x="6243252" y="1652078"/>
-            <a:ext cx="74310" cy="55035"/>
-          </a:xfrm>
-          <a:prstGeom prst="triangle">
-            <a:avLst/>
-          </a:prstGeom>
-          <a:solidFill>
-            <a:schemeClr val="bg1">
-              <a:lumMod val="65000"/>
-            </a:schemeClr>
-          </a:solidFill>
-          <a:ln>
-            <a:solidFill>
-              <a:schemeClr val="bg1">
-                <a:lumMod val="65000"/>
-              </a:schemeClr>
-            </a:solidFill>
-          </a:ln>
-        </p:spPr>
-        <p:style>
-          <a:lnRef idx="1">
-            <a:schemeClr val="accent1"/>
-          </a:lnRef>
-          <a:fillRef idx="3">
-            <a:schemeClr val="accent1"/>
-          </a:fillRef>
-          <a:effectRef idx="2">
-            <a:schemeClr val="accent1"/>
-          </a:effectRef>
-          <a:fontRef idx="minor">
-            <a:schemeClr val="lt1"/>
-          </a:fontRef>
-        </p:style>
-        <p:txBody>
-          <a:bodyPr rtlCol="0" anchor="ctr"/>
-          <a:lstStyle/>
-          <a:p>
-            <a:pPr algn="ctr"/>
-            <a:endParaRPr lang="en-US"/>
-          </a:p>
-        </p:txBody>
-      </p:sp>
-      <p:sp>
-        <p:nvSpPr>
-          <p:cNvPr id="49" name="Rectangle 48"/>
-          <p:cNvSpPr/>
-          <p:nvPr/>
-        </p:nvSpPr>
-        <p:spPr>
-          <a:xfrm>
-            <a:off x="5304138" y="2107648"/>
-            <a:ext cx="342199" cy="356260"/>
-          </a:xfrm>
-          <a:prstGeom prst="rect">
-            <a:avLst/>
-          </a:prstGeom>
-          <a:noFill/>
-          <a:ln>
-            <a:solidFill>
-              <a:schemeClr val="bg1">
-                <a:lumMod val="65000"/>
-              </a:schemeClr>
-            </a:solidFill>
-          </a:ln>
-        </p:spPr>
-        <p:style>
-          <a:lnRef idx="1">
-            <a:schemeClr val="accent1"/>
-          </a:lnRef>
-          <a:fillRef idx="3">
-            <a:schemeClr val="accent1"/>
-          </a:fillRef>
-          <a:effectRef idx="2">
-            <a:schemeClr val="accent1"/>
-          </a:effectRef>
-          <a:fontRef idx="minor">
-            <a:schemeClr val="lt1"/>
-          </a:fontRef>
-        </p:style>
-        <p:txBody>
-          <a:bodyPr rtlCol="0" anchor="ctr"/>
-          <a:lstStyle/>
-          <a:p>
-            <a:pPr algn="ctr"/>
-            <a:r>
-              <a:rPr lang="en-US" dirty="0" smtClean="0">
-                <a:solidFill>
-                  <a:schemeClr val="tx1"/>
-                </a:solidFill>
-              </a:rPr>
-              <a:t>1</a:t>
-            </a:r>
-            <a:endParaRPr lang="en-US" dirty="0">
-              <a:solidFill>
-                <a:schemeClr val="tx1"/>
-              </a:solidFill>
-            </a:endParaRPr>
-          </a:p>
-        </p:txBody>
-      </p:sp>
-      <p:sp>
-        <p:nvSpPr>
-          <p:cNvPr id="50" name="Rectangle 49"/>
-          <p:cNvSpPr/>
-          <p:nvPr/>
-        </p:nvSpPr>
-        <p:spPr>
-          <a:xfrm>
-            <a:off x="5694186" y="2104979"/>
-            <a:ext cx="634977" cy="356260"/>
-          </a:xfrm>
-          <a:prstGeom prst="rect">
-            <a:avLst/>
-          </a:prstGeom>
-          <a:noFill/>
-          <a:ln>
-            <a:solidFill>
-              <a:schemeClr val="bg1">
-                <a:lumMod val="65000"/>
-              </a:schemeClr>
-            </a:solidFill>
-          </a:ln>
-        </p:spPr>
-        <p:style>
-          <a:lnRef idx="1">
-            <a:schemeClr val="accent1"/>
-          </a:lnRef>
-          <a:fillRef idx="3">
-            <a:schemeClr val="accent1"/>
-          </a:fillRef>
-          <a:effectRef idx="2">
-            <a:schemeClr val="accent1"/>
-          </a:effectRef>
-          <a:fontRef idx="minor">
-            <a:schemeClr val="lt1"/>
-          </a:fontRef>
-        </p:style>
-        <p:txBody>
-          <a:bodyPr rtlCol="0" anchor="ctr"/>
-          <a:lstStyle/>
-          <a:p>
-            <a:pPr algn="ctr"/>
-            <a:r>
-              <a:rPr lang="en-US" dirty="0" smtClean="0">
-                <a:solidFill>
-                  <a:srgbClr val="000000"/>
-                </a:solidFill>
-              </a:rPr>
-              <a:t>cup</a:t>
-            </a:r>
-            <a:endParaRPr lang="en-US" dirty="0">
-              <a:solidFill>
-                <a:srgbClr val="000000"/>
-              </a:solidFill>
-            </a:endParaRPr>
-          </a:p>
-        </p:txBody>
-      </p:sp>
-      <p:sp>
-        <p:nvSpPr>
-          <p:cNvPr id="51" name="Isosceles Triangle 50"/>
-          <p:cNvSpPr/>
-          <p:nvPr/>
-        </p:nvSpPr>
-        <p:spPr>
-          <a:xfrm rot="10800000">
-            <a:off x="6231343" y="2285090"/>
-            <a:ext cx="74310" cy="55035"/>
-          </a:xfrm>
-          <a:prstGeom prst="triangle">
-            <a:avLst/>
-          </a:prstGeom>
-          <a:solidFill>
-            <a:schemeClr val="bg1">
-              <a:lumMod val="65000"/>
-            </a:schemeClr>
-          </a:solidFill>
-          <a:ln>
-            <a:solidFill>
-              <a:schemeClr val="bg1">
-                <a:lumMod val="65000"/>
-              </a:schemeClr>
-            </a:solidFill>
-          </a:ln>
-        </p:spPr>
-        <p:style>
-          <a:lnRef idx="1">
-            <a:schemeClr val="accent1"/>
-          </a:lnRef>
-          <a:fillRef idx="3">
-            <a:schemeClr val="accent1"/>
-          </a:fillRef>
-          <a:effectRef idx="2">
-            <a:schemeClr val="accent1"/>
-          </a:effectRef>
-          <a:fontRef idx="minor">
-            <a:schemeClr val="lt1"/>
-          </a:fontRef>
-        </p:style>
-        <p:txBody>
-          <a:bodyPr rtlCol="0" anchor="ctr"/>
-          <a:lstStyle/>
-          <a:p>
-            <a:pPr algn="ctr"/>
-            <a:endParaRPr lang="en-US"/>
-          </a:p>
-        </p:txBody>
-      </p:sp>
-      <p:sp>
-        <p:nvSpPr>
-          <p:cNvPr id="52" name="Rectangle 51"/>
-          <p:cNvSpPr/>
-          <p:nvPr/>
-        </p:nvSpPr>
-        <p:spPr>
-          <a:xfrm>
-            <a:off x="5292537" y="2710923"/>
-            <a:ext cx="342199" cy="356260"/>
-          </a:xfrm>
-          <a:prstGeom prst="rect">
-            <a:avLst/>
-          </a:prstGeom>
-          <a:noFill/>
-          <a:ln>
-            <a:solidFill>
-              <a:schemeClr val="bg1">
-                <a:lumMod val="65000"/>
-              </a:schemeClr>
-            </a:solidFill>
-          </a:ln>
-        </p:spPr>
-        <p:style>
-          <a:lnRef idx="1">
-            <a:schemeClr val="accent1"/>
-          </a:lnRef>
-          <a:fillRef idx="3">
-            <a:schemeClr val="accent1"/>
-          </a:fillRef>
-          <a:effectRef idx="2">
-            <a:schemeClr val="accent1"/>
-          </a:effectRef>
-          <a:fontRef idx="minor">
-            <a:schemeClr val="lt1"/>
-          </a:fontRef>
-        </p:style>
-        <p:txBody>
-          <a:bodyPr rtlCol="0" anchor="ctr"/>
-          <a:lstStyle/>
-          <a:p>
-            <a:pPr algn="ctr"/>
-            <a:r>
-              <a:rPr lang="en-US" dirty="0" smtClean="0">
-                <a:solidFill>
-                  <a:schemeClr val="tx1"/>
-                </a:solidFill>
-              </a:rPr>
-              <a:t>1</a:t>
-            </a:r>
-            <a:endParaRPr lang="en-US" dirty="0">
-              <a:solidFill>
-                <a:schemeClr val="tx1"/>
-              </a:solidFill>
-            </a:endParaRPr>
-          </a:p>
-        </p:txBody>
-      </p:sp>
-      <p:sp>
-        <p:nvSpPr>
-          <p:cNvPr id="53" name="Rectangle 52"/>
-          <p:cNvSpPr/>
-          <p:nvPr/>
-        </p:nvSpPr>
-        <p:spPr>
-          <a:xfrm>
-            <a:off x="5682585" y="2708254"/>
-            <a:ext cx="634977" cy="356260"/>
-          </a:xfrm>
-          <a:prstGeom prst="rect">
-            <a:avLst/>
-          </a:prstGeom>
-          <a:noFill/>
-          <a:ln>
-            <a:solidFill>
-              <a:schemeClr val="bg1">
-                <a:lumMod val="65000"/>
-              </a:schemeClr>
-            </a:solidFill>
-          </a:ln>
-        </p:spPr>
-        <p:style>
-          <a:lnRef idx="1">
-            <a:schemeClr val="accent1"/>
-          </a:lnRef>
-          <a:fillRef idx="3">
-            <a:schemeClr val="accent1"/>
-          </a:fillRef>
-          <a:effectRef idx="2">
-            <a:schemeClr val="accent1"/>
-          </a:effectRef>
-          <a:fontRef idx="minor">
-            <a:schemeClr val="lt1"/>
-          </a:fontRef>
-        </p:style>
-        <p:txBody>
-          <a:bodyPr rtlCol="0" anchor="ctr"/>
-          <a:lstStyle/>
-          <a:p>
-            <a:pPr algn="ctr"/>
-            <a:r>
-              <a:rPr lang="en-US" dirty="0" smtClean="0">
-                <a:solidFill>
-                  <a:srgbClr val="000000"/>
-                </a:solidFill>
-              </a:rPr>
-              <a:t>cup</a:t>
-            </a:r>
-            <a:endParaRPr lang="en-US" dirty="0">
-              <a:solidFill>
-                <a:srgbClr val="000000"/>
-              </a:solidFill>
-            </a:endParaRPr>
-          </a:p>
-        </p:txBody>
-      </p:sp>
-      <p:sp>
-        <p:nvSpPr>
-          <p:cNvPr id="54" name="Isosceles Triangle 53"/>
-          <p:cNvSpPr/>
-          <p:nvPr/>
-        </p:nvSpPr>
-        <p:spPr>
-          <a:xfrm rot="10800000">
-            <a:off x="6219742" y="2888365"/>
-            <a:ext cx="74310" cy="55035"/>
-          </a:xfrm>
-          <a:prstGeom prst="triangle">
-            <a:avLst/>
-          </a:prstGeom>
-          <a:solidFill>
-            <a:schemeClr val="bg1">
-              <a:lumMod val="65000"/>
-            </a:schemeClr>
-          </a:solidFill>
-          <a:ln>
-            <a:solidFill>
-              <a:schemeClr val="bg1">
-                <a:lumMod val="65000"/>
-              </a:schemeClr>
-            </a:solidFill>
-          </a:ln>
-        </p:spPr>
-        <p:style>
-          <a:lnRef idx="1">
-            <a:schemeClr val="accent1"/>
-          </a:lnRef>
-          <a:fillRef idx="3">
-            <a:schemeClr val="accent1"/>
-          </a:fillRef>
-          <a:effectRef idx="2">
-            <a:schemeClr val="accent1"/>
-          </a:effectRef>
-          <a:fontRef idx="minor">
-            <a:schemeClr val="lt1"/>
-          </a:fontRef>
-        </p:style>
-        <p:txBody>
-          <a:bodyPr rtlCol="0" anchor="ctr"/>
-          <a:lstStyle/>
-          <a:p>
-            <a:pPr algn="ctr"/>
-            <a:endParaRPr lang="en-US"/>
           </a:p>
         </p:txBody>
       </p:sp>
     </p:spTree>
     <p:extLst>
       <p:ext uri="{BB962C8B-B14F-4D97-AF65-F5344CB8AC3E}">
-        <p14:creationId xmlns:p14="http://schemas.microsoft.com/office/powerpoint/2010/main" val="3201963224"/>
+        <p14:creationId xmlns:p14="http://schemas.microsoft.com/office/powerpoint/2010/main" val="1021870996"/>
       </p:ext>
     </p:extLst>
   </p:cSld>
@@ -8180,10 +9215,18 @@
           <a:lstStyle/>
           <a:p>
             <a:r>
-              <a:rPr lang="en-US" dirty="0" smtClean="0"/>
+              <a:rPr lang="en-US" dirty="0" smtClean="0">
+                <a:solidFill>
+                  <a:srgbClr val="FFFFFF"/>
+                </a:solidFill>
+              </a:rPr>
               <a:t>Homepage with search and sidebar</a:t>
             </a:r>
-            <a:endParaRPr lang="en-US" dirty="0"/>
+            <a:endParaRPr lang="en-US" dirty="0">
+              <a:solidFill>
+                <a:srgbClr val="FFFFFF"/>
+              </a:solidFill>
+            </a:endParaRPr>
           </a:p>
         </p:txBody>
       </p:sp>
@@ -8238,25 +9281,25 @@
       </p:grpSpPr>
       <p:sp>
         <p:nvSpPr>
-          <p:cNvPr id="4" name="Rectangle 3"/>
+          <p:cNvPr id="2" name="Rectangle 1"/>
           <p:cNvSpPr/>
           <p:nvPr/>
         </p:nvSpPr>
         <p:spPr>
           <a:xfrm>
-            <a:off x="0" y="0"/>
-            <a:ext cx="9144000" cy="635072"/>
+            <a:off x="12701" y="1069198"/>
+            <a:ext cx="4559300" cy="1191402"/>
           </a:xfrm>
           <a:prstGeom prst="rect">
             <a:avLst/>
           </a:prstGeom>
           <a:solidFill>
-            <a:srgbClr val="FFA91D"/>
+            <a:schemeClr val="tx1">
+              <a:alpha val="70000"/>
+            </a:schemeClr>
           </a:solidFill>
           <a:ln>
-            <a:solidFill>
-              <a:srgbClr val="FFAF48"/>
-            </a:solidFill>
+            <a:noFill/>
           </a:ln>
         </p:spPr>
         <p:style>
@@ -8284,193 +9327,25 @@
       </p:sp>
       <p:sp>
         <p:nvSpPr>
-          <p:cNvPr id="5" name="TextBox 4"/>
-          <p:cNvSpPr txBox="1"/>
-          <p:nvPr/>
-        </p:nvSpPr>
-        <p:spPr>
-          <a:xfrm>
-            <a:off x="139396" y="46469"/>
-            <a:ext cx="1719219" cy="461665"/>
-          </a:xfrm>
-          <a:prstGeom prst="rect">
-            <a:avLst/>
-          </a:prstGeom>
-          <a:noFill/>
-        </p:spPr>
-        <p:txBody>
-          <a:bodyPr wrap="square" rtlCol="0">
-            <a:spAutoFit/>
-          </a:bodyPr>
-          <a:lstStyle/>
-          <a:p>
-            <a:r>
-              <a:rPr lang="en-US" sz="2400" b="1" dirty="0" err="1" smtClean="0">
-                <a:solidFill>
-                  <a:schemeClr val="bg1"/>
-                </a:solidFill>
-                <a:latin typeface="Avenir Black"/>
-                <a:cs typeface="Avenir Black"/>
-              </a:rPr>
-              <a:t>ImHungry</a:t>
-            </a:r>
-            <a:endParaRPr lang="en-US" sz="2400" b="1" dirty="0">
-              <a:solidFill>
-                <a:schemeClr val="bg1"/>
-              </a:solidFill>
-              <a:latin typeface="Avenir Black"/>
-              <a:cs typeface="Avenir Black"/>
-            </a:endParaRPr>
-          </a:p>
-        </p:txBody>
-      </p:sp>
-      <p:sp>
-        <p:nvSpPr>
-          <p:cNvPr id="6" name="TextBox 5"/>
-          <p:cNvSpPr txBox="1"/>
-          <p:nvPr/>
-        </p:nvSpPr>
-        <p:spPr>
-          <a:xfrm>
-            <a:off x="7945580" y="138802"/>
-            <a:ext cx="1198419" cy="369332"/>
-          </a:xfrm>
-          <a:prstGeom prst="rect">
-            <a:avLst/>
-          </a:prstGeom>
-          <a:noFill/>
-        </p:spPr>
-        <p:txBody>
-          <a:bodyPr wrap="square" rtlCol="0">
-            <a:spAutoFit/>
-          </a:bodyPr>
-          <a:lstStyle/>
-          <a:p>
-            <a:r>
-              <a:rPr lang="en-US" dirty="0" smtClean="0">
-                <a:solidFill>
-                  <a:srgbClr val="FFFFFF"/>
-                </a:solidFill>
-                <a:latin typeface="Avenir Black"/>
-                <a:cs typeface="Avenir Black"/>
-              </a:rPr>
-              <a:t>Pantry</a:t>
-            </a:r>
-            <a:endParaRPr lang="en-US" dirty="0">
-              <a:solidFill>
-                <a:srgbClr val="FFFFFF"/>
-              </a:solidFill>
-              <a:latin typeface="Avenir Black"/>
-              <a:cs typeface="Avenir Black"/>
-            </a:endParaRPr>
-          </a:p>
-        </p:txBody>
-      </p:sp>
-      <p:sp>
-        <p:nvSpPr>
-          <p:cNvPr id="7" name="TextBox 6"/>
-          <p:cNvSpPr txBox="1"/>
-          <p:nvPr/>
-        </p:nvSpPr>
-        <p:spPr>
-          <a:xfrm>
-            <a:off x="6489666" y="136307"/>
-            <a:ext cx="1412355" cy="369332"/>
-          </a:xfrm>
-          <a:prstGeom prst="rect">
-            <a:avLst/>
-          </a:prstGeom>
-          <a:noFill/>
-        </p:spPr>
-        <p:txBody>
-          <a:bodyPr wrap="square" rtlCol="0">
-            <a:spAutoFit/>
-          </a:bodyPr>
-          <a:lstStyle/>
-          <a:p>
-            <a:r>
-              <a:rPr lang="en-US" dirty="0" smtClean="0">
-                <a:solidFill>
-                  <a:srgbClr val="FFFFFF"/>
-                </a:solidFill>
-                <a:latin typeface="Avenir Book"/>
-                <a:cs typeface="Avenir Book"/>
-              </a:rPr>
-              <a:t>Cookbook</a:t>
-            </a:r>
-            <a:endParaRPr lang="en-US" dirty="0">
-              <a:solidFill>
-                <a:srgbClr val="FFFFFF"/>
-              </a:solidFill>
-              <a:latin typeface="Avenir Book"/>
-              <a:cs typeface="Avenir Book"/>
-            </a:endParaRPr>
-          </a:p>
-        </p:txBody>
-      </p:sp>
-      <p:sp>
-        <p:nvSpPr>
-          <p:cNvPr id="8" name="TextBox 7"/>
-          <p:cNvSpPr txBox="1"/>
-          <p:nvPr/>
-        </p:nvSpPr>
-        <p:spPr>
-          <a:xfrm>
-            <a:off x="4928717" y="136307"/>
-            <a:ext cx="1412355" cy="369332"/>
-          </a:xfrm>
-          <a:prstGeom prst="rect">
-            <a:avLst/>
-          </a:prstGeom>
-          <a:noFill/>
-        </p:spPr>
-        <p:txBody>
-          <a:bodyPr wrap="square" rtlCol="0">
-            <a:spAutoFit/>
-          </a:bodyPr>
-          <a:lstStyle/>
-          <a:p>
-            <a:r>
-              <a:rPr lang="en-US" dirty="0" smtClean="0">
-                <a:solidFill>
-                  <a:srgbClr val="FFFFFF"/>
-                </a:solidFill>
-                <a:latin typeface="Avenir Book"/>
-                <a:cs typeface="Avenir Book"/>
-              </a:rPr>
-              <a:t>Sous Chefs</a:t>
-            </a:r>
-            <a:endParaRPr lang="en-US" dirty="0">
-              <a:solidFill>
-                <a:srgbClr val="FFFFFF"/>
-              </a:solidFill>
-              <a:latin typeface="Avenir Book"/>
-              <a:cs typeface="Avenir Book"/>
-            </a:endParaRPr>
-          </a:p>
-        </p:txBody>
-      </p:sp>
-      <p:sp>
-        <p:nvSpPr>
-          <p:cNvPr id="10" name="Rectangle 9"/>
+          <p:cNvPr id="51" name="Rectangle 50"/>
           <p:cNvSpPr/>
           <p:nvPr/>
         </p:nvSpPr>
         <p:spPr>
           <a:xfrm>
-            <a:off x="6489666" y="758988"/>
-            <a:ext cx="2152896" cy="526645"/>
+            <a:off x="4789017" y="1066800"/>
+            <a:ext cx="4356100" cy="4343400"/>
           </a:xfrm>
           <a:prstGeom prst="rect">
             <a:avLst/>
           </a:prstGeom>
           <a:solidFill>
-            <a:srgbClr val="FFA91D"/>
+            <a:schemeClr val="tx1">
+              <a:alpha val="65000"/>
+            </a:schemeClr>
           </a:solidFill>
           <a:ln>
-            <a:solidFill>
-              <a:srgbClr val="FFAF48"/>
-            </a:solidFill>
+            <a:noFill/>
           </a:ln>
         </p:spPr>
         <p:style>
@@ -8492,35 +9367,239 @@
           <a:lstStyle/>
           <a:p>
             <a:pPr algn="ctr"/>
-            <a:r>
-              <a:rPr lang="en-US" dirty="0" smtClean="0"/>
-              <a:t>All-purpose flour</a:t>
-            </a:r>
-            <a:endParaRPr lang="en-US" dirty="0"/>
-          </a:p>
-        </p:txBody>
-      </p:sp>
-      <p:sp>
-        <p:nvSpPr>
-          <p:cNvPr id="11" name="Rectangle 10"/>
+            <a:endParaRPr lang="en-US"/>
+          </a:p>
+        </p:txBody>
+      </p:sp>
+      <p:sp>
+        <p:nvSpPr>
+          <p:cNvPr id="52" name="TextBox 51"/>
+          <p:cNvSpPr txBox="1"/>
+          <p:nvPr/>
+        </p:nvSpPr>
+        <p:spPr>
+          <a:xfrm>
+            <a:off x="4914900" y="1227434"/>
+            <a:ext cx="2222500" cy="461665"/>
+          </a:xfrm>
+          <a:prstGeom prst="rect">
+            <a:avLst/>
+          </a:prstGeom>
+          <a:noFill/>
+        </p:spPr>
+        <p:txBody>
+          <a:bodyPr wrap="square" rtlCol="0">
+            <a:spAutoFit/>
+          </a:bodyPr>
+          <a:lstStyle/>
+          <a:p>
+            <a:r>
+              <a:rPr lang="en-US" sz="2400" dirty="0" smtClean="0">
+                <a:solidFill>
+                  <a:srgbClr val="FFFFFF"/>
+                </a:solidFill>
+                <a:latin typeface="Brandon Grotesque Regular"/>
+                <a:cs typeface="Brandon Grotesque Regular"/>
+              </a:rPr>
+              <a:t>Your pantry.</a:t>
+            </a:r>
+            <a:endParaRPr lang="en-US" sz="2400" dirty="0">
+              <a:solidFill>
+                <a:srgbClr val="FFFFFF"/>
+              </a:solidFill>
+              <a:latin typeface="Brandon Grotesque Regular"/>
+              <a:cs typeface="Brandon Grotesque Regular"/>
+            </a:endParaRPr>
+          </a:p>
+        </p:txBody>
+      </p:sp>
+      <p:sp>
+        <p:nvSpPr>
+          <p:cNvPr id="53" name="TextBox 52"/>
+          <p:cNvSpPr txBox="1"/>
+          <p:nvPr/>
+        </p:nvSpPr>
+        <p:spPr>
+          <a:xfrm>
+            <a:off x="76200" y="1227434"/>
+            <a:ext cx="1625600" cy="369332"/>
+          </a:xfrm>
+          <a:prstGeom prst="rect">
+            <a:avLst/>
+          </a:prstGeom>
+          <a:noFill/>
+        </p:spPr>
+        <p:txBody>
+          <a:bodyPr wrap="square" rtlCol="0">
+            <a:spAutoFit/>
+          </a:bodyPr>
+          <a:lstStyle/>
+          <a:p>
+            <a:r>
+              <a:rPr lang="en-US" dirty="0" smtClean="0">
+                <a:solidFill>
+                  <a:schemeClr val="bg1"/>
+                </a:solidFill>
+                <a:latin typeface="Brandon Grotesque Regular"/>
+                <a:cs typeface="Brandon Grotesque Regular"/>
+              </a:rPr>
+              <a:t>Serving Size:</a:t>
+            </a:r>
+            <a:endParaRPr lang="en-US" dirty="0">
+              <a:solidFill>
+                <a:schemeClr val="bg1"/>
+              </a:solidFill>
+              <a:latin typeface="Brandon Grotesque Regular"/>
+              <a:cs typeface="Brandon Grotesque Regular"/>
+            </a:endParaRPr>
+          </a:p>
+        </p:txBody>
+      </p:sp>
+      <p:sp>
+        <p:nvSpPr>
+          <p:cNvPr id="54" name="TextBox 53"/>
+          <p:cNvSpPr txBox="1"/>
+          <p:nvPr/>
+        </p:nvSpPr>
+        <p:spPr>
+          <a:xfrm>
+            <a:off x="1854200" y="1227434"/>
+            <a:ext cx="2565400" cy="369332"/>
+          </a:xfrm>
+          <a:prstGeom prst="rect">
+            <a:avLst/>
+          </a:prstGeom>
+          <a:noFill/>
+        </p:spPr>
+        <p:txBody>
+          <a:bodyPr wrap="square" rtlCol="0">
+            <a:spAutoFit/>
+          </a:bodyPr>
+          <a:lstStyle/>
+          <a:p>
+            <a:r>
+              <a:rPr lang="en-US" dirty="0" smtClean="0">
+                <a:solidFill>
+                  <a:schemeClr val="bg1"/>
+                </a:solidFill>
+                <a:latin typeface="Brandon Grotesque Regular"/>
+                <a:cs typeface="Brandon Grotesque Regular"/>
+              </a:rPr>
+              <a:t>Additional Ingredients:</a:t>
+            </a:r>
+            <a:endParaRPr lang="en-US" dirty="0">
+              <a:solidFill>
+                <a:schemeClr val="bg1"/>
+              </a:solidFill>
+              <a:latin typeface="Brandon Grotesque Regular"/>
+              <a:cs typeface="Brandon Grotesque Regular"/>
+            </a:endParaRPr>
+          </a:p>
+        </p:txBody>
+      </p:sp>
+      <p:sp>
+        <p:nvSpPr>
+          <p:cNvPr id="55" name="TextBox 54"/>
+          <p:cNvSpPr txBox="1"/>
+          <p:nvPr/>
+        </p:nvSpPr>
+        <p:spPr>
+          <a:xfrm>
+            <a:off x="1358900" y="1227434"/>
+            <a:ext cx="863600" cy="369332"/>
+          </a:xfrm>
+          <a:prstGeom prst="rect">
+            <a:avLst/>
+          </a:prstGeom>
+          <a:noFill/>
+        </p:spPr>
+        <p:txBody>
+          <a:bodyPr wrap="square" rtlCol="0">
+            <a:spAutoFit/>
+          </a:bodyPr>
+          <a:lstStyle/>
+          <a:p>
+            <a:r>
+              <a:rPr lang="en-US" dirty="0" smtClean="0">
+                <a:solidFill>
+                  <a:schemeClr val="bg1"/>
+                </a:solidFill>
+                <a:latin typeface="Brandon Grotesque Regular"/>
+                <a:cs typeface="Brandon Grotesque Regular"/>
+              </a:rPr>
+              <a:t>&lt; 1 &gt;</a:t>
+            </a:r>
+            <a:endParaRPr lang="en-US" dirty="0">
+              <a:solidFill>
+                <a:schemeClr val="bg1"/>
+              </a:solidFill>
+              <a:latin typeface="Brandon Grotesque Regular"/>
+              <a:cs typeface="Brandon Grotesque Regular"/>
+            </a:endParaRPr>
+          </a:p>
+        </p:txBody>
+      </p:sp>
+      <p:sp>
+        <p:nvSpPr>
+          <p:cNvPr id="56" name="TextBox 55"/>
+          <p:cNvSpPr txBox="1"/>
+          <p:nvPr/>
+        </p:nvSpPr>
+        <p:spPr>
+          <a:xfrm>
+            <a:off x="3987800" y="1227434"/>
+            <a:ext cx="863600" cy="369332"/>
+          </a:xfrm>
+          <a:prstGeom prst="rect">
+            <a:avLst/>
+          </a:prstGeom>
+          <a:noFill/>
+        </p:spPr>
+        <p:txBody>
+          <a:bodyPr wrap="square" rtlCol="0">
+            <a:spAutoFit/>
+          </a:bodyPr>
+          <a:lstStyle/>
+          <a:p>
+            <a:r>
+              <a:rPr lang="en-US" dirty="0" smtClean="0">
+                <a:solidFill>
+                  <a:schemeClr val="bg1"/>
+                </a:solidFill>
+                <a:latin typeface="Brandon Grotesque Regular"/>
+                <a:cs typeface="Brandon Grotesque Regular"/>
+              </a:rPr>
+              <a:t>&lt; 1 &gt;</a:t>
+            </a:r>
+            <a:endParaRPr lang="en-US" dirty="0">
+              <a:solidFill>
+                <a:schemeClr val="bg1"/>
+              </a:solidFill>
+              <a:latin typeface="Brandon Grotesque Regular"/>
+              <a:cs typeface="Brandon Grotesque Regular"/>
+            </a:endParaRPr>
+          </a:p>
+        </p:txBody>
+      </p:sp>
+      <p:sp>
+        <p:nvSpPr>
+          <p:cNvPr id="57" name="Rectangle 56"/>
           <p:cNvSpPr/>
           <p:nvPr/>
         </p:nvSpPr>
         <p:spPr>
           <a:xfrm>
-            <a:off x="6489666" y="1376930"/>
-            <a:ext cx="2152896" cy="526645"/>
+            <a:off x="2895600" y="1708150"/>
+            <a:ext cx="1473200" cy="368300"/>
           </a:xfrm>
           <a:prstGeom prst="rect">
             <a:avLst/>
           </a:prstGeom>
           <a:solidFill>
-            <a:srgbClr val="FFA91D"/>
+            <a:srgbClr val="FF9111"/>
           </a:solidFill>
           <a:ln>
-            <a:solidFill>
-              <a:srgbClr val="FFAF48"/>
-            </a:solidFill>
+            <a:noFill/>
           </a:ln>
         </p:spPr>
         <p:style>
@@ -8544,7 +9623,7 @@
             <a:pPr algn="ctr"/>
             <a:r>
               <a:rPr lang="en-US" dirty="0" smtClean="0"/>
-              <a:t>White sugar</a:t>
+              <a:t>SCAVENGE</a:t>
             </a:r>
             <a:endParaRPr lang="en-US" dirty="0"/>
           </a:p>
@@ -8552,25 +9631,23 @@
       </p:sp>
       <p:sp>
         <p:nvSpPr>
-          <p:cNvPr id="12" name="Rectangle 11"/>
+          <p:cNvPr id="58" name="Rectangle 57"/>
           <p:cNvSpPr/>
           <p:nvPr/>
         </p:nvSpPr>
         <p:spPr>
           <a:xfrm>
-            <a:off x="6489666" y="2009792"/>
-            <a:ext cx="2152896" cy="526645"/>
+            <a:off x="5464772" y="1892300"/>
+            <a:ext cx="2866428" cy="368300"/>
           </a:xfrm>
           <a:prstGeom prst="rect">
             <a:avLst/>
           </a:prstGeom>
           <a:solidFill>
-            <a:srgbClr val="FFA91D"/>
+            <a:srgbClr val="FF9111"/>
           </a:solidFill>
           <a:ln>
-            <a:solidFill>
-              <a:srgbClr val="FFAF48"/>
-            </a:solidFill>
+            <a:noFill/>
           </a:ln>
         </p:spPr>
         <p:style>
@@ -8593,38 +9670,38 @@
           <a:p>
             <a:pPr algn="ctr"/>
             <a:r>
-              <a:rPr lang="en-US" dirty="0" smtClean="0"/>
-              <a:t>Duck eggs</a:t>
-            </a:r>
-            <a:endParaRPr lang="en-US" dirty="0"/>
-          </a:p>
-        </p:txBody>
-      </p:sp>
-      <p:sp>
-        <p:nvSpPr>
-          <p:cNvPr id="13" name="Rectangle 12"/>
+              <a:rPr lang="en-US" sz="1600" dirty="0" smtClean="0">
+                <a:latin typeface="Brandon Grotesque Regular"/>
+                <a:cs typeface="Brandon Grotesque Regular"/>
+              </a:rPr>
+              <a:t>all-purpose flour (1 cup)</a:t>
+            </a:r>
+            <a:endParaRPr lang="en-US" sz="1600" dirty="0">
+              <a:latin typeface="Brandon Grotesque Regular"/>
+              <a:cs typeface="Brandon Grotesque Regular"/>
+            </a:endParaRPr>
+          </a:p>
+        </p:txBody>
+      </p:sp>
+      <p:sp>
+        <p:nvSpPr>
+          <p:cNvPr id="59" name="Rectangle 58"/>
           <p:cNvSpPr/>
           <p:nvPr/>
         </p:nvSpPr>
         <p:spPr>
           <a:xfrm>
-            <a:off x="6489666" y="2652227"/>
-            <a:ext cx="2152896" cy="526645"/>
+            <a:off x="5464772" y="2416096"/>
+            <a:ext cx="2866428" cy="368300"/>
           </a:xfrm>
           <a:prstGeom prst="rect">
             <a:avLst/>
           </a:prstGeom>
           <a:solidFill>
-            <a:schemeClr val="bg1">
-              <a:lumMod val="75000"/>
-            </a:schemeClr>
+            <a:srgbClr val="FF9111"/>
           </a:solidFill>
           <a:ln>
-            <a:solidFill>
-              <a:schemeClr val="bg1">
-                <a:lumMod val="75000"/>
-              </a:schemeClr>
-            </a:solidFill>
+            <a:noFill/>
           </a:ln>
         </p:spPr>
         <p:style>
@@ -8647,34 +9724,38 @@
           <a:p>
             <a:pPr algn="ctr"/>
             <a:r>
-              <a:rPr lang="en-US" dirty="0" smtClean="0"/>
-              <a:t>Canola oil</a:t>
-            </a:r>
-            <a:endParaRPr lang="en-US" dirty="0"/>
-          </a:p>
-        </p:txBody>
-      </p:sp>
-      <p:sp>
-        <p:nvSpPr>
-          <p:cNvPr id="14" name="Rectangle 13"/>
+              <a:rPr lang="en-US" sz="1600" dirty="0" smtClean="0">
+                <a:latin typeface="Brandon Grotesque Regular"/>
+                <a:cs typeface="Brandon Grotesque Regular"/>
+              </a:rPr>
+              <a:t>White sugar (1 cup)</a:t>
+            </a:r>
+            <a:endParaRPr lang="en-US" sz="1600" dirty="0">
+              <a:latin typeface="Brandon Grotesque Regular"/>
+              <a:cs typeface="Brandon Grotesque Regular"/>
+            </a:endParaRPr>
+          </a:p>
+        </p:txBody>
+      </p:sp>
+      <p:sp>
+        <p:nvSpPr>
+          <p:cNvPr id="60" name="Rectangle 59"/>
           <p:cNvSpPr/>
           <p:nvPr/>
         </p:nvSpPr>
         <p:spPr>
           <a:xfrm>
-            <a:off x="4140199" y="701283"/>
-            <a:ext cx="902817" cy="274906"/>
+            <a:off x="5464772" y="2933700"/>
+            <a:ext cx="2866428" cy="368300"/>
           </a:xfrm>
           <a:prstGeom prst="rect">
             <a:avLst/>
           </a:prstGeom>
           <a:solidFill>
-            <a:srgbClr val="FFA91D"/>
+            <a:srgbClr val="FF9111"/>
           </a:solidFill>
           <a:ln>
-            <a:solidFill>
-              <a:srgbClr val="FFAF48"/>
-            </a:solidFill>
+            <a:noFill/>
           </a:ln>
         </p:spPr>
         <p:style>
@@ -8697,380 +9778,31 @@
           <a:p>
             <a:pPr algn="ctr"/>
             <a:r>
-              <a:rPr lang="en-US" sz="1400" dirty="0" smtClean="0"/>
-              <a:t>Scavenge</a:t>
-            </a:r>
-            <a:endParaRPr lang="en-US" sz="1600" dirty="0"/>
-          </a:p>
-        </p:txBody>
-      </p:sp>
-      <p:sp>
-        <p:nvSpPr>
-          <p:cNvPr id="15" name="Rectangle 14"/>
+              <a:rPr lang="en-US" sz="1600" dirty="0" smtClean="0">
+                <a:latin typeface="Brandon Grotesque Regular"/>
+                <a:cs typeface="Brandon Grotesque Regular"/>
+              </a:rPr>
+              <a:t>Eggs (3)</a:t>
+            </a:r>
+            <a:endParaRPr lang="en-US" sz="1600" dirty="0">
+              <a:latin typeface="Brandon Grotesque Regular"/>
+              <a:cs typeface="Brandon Grotesque Regular"/>
+            </a:endParaRPr>
+          </a:p>
+        </p:txBody>
+      </p:sp>
+      <p:sp>
+        <p:nvSpPr>
+          <p:cNvPr id="61" name="Rectangle 60"/>
           <p:cNvSpPr/>
           <p:nvPr/>
         </p:nvSpPr>
         <p:spPr>
           <a:xfrm>
-            <a:off x="5300366" y="6295529"/>
-            <a:ext cx="3342196" cy="422771"/>
-          </a:xfrm>
-          <a:prstGeom prst="rect">
-            <a:avLst/>
-          </a:prstGeom>
-          <a:noFill/>
-          <a:ln>
-            <a:solidFill>
-              <a:schemeClr val="bg1">
-                <a:lumMod val="65000"/>
-              </a:schemeClr>
-            </a:solidFill>
-          </a:ln>
-        </p:spPr>
-        <p:style>
-          <a:lnRef idx="1">
-            <a:schemeClr val="accent1"/>
-          </a:lnRef>
-          <a:fillRef idx="3">
-            <a:schemeClr val="accent1"/>
-          </a:fillRef>
-          <a:effectRef idx="2">
-            <a:schemeClr val="accent1"/>
-          </a:effectRef>
-          <a:fontRef idx="minor">
-            <a:schemeClr val="lt1"/>
-          </a:fontRef>
-        </p:style>
-        <p:txBody>
-          <a:bodyPr rtlCol="0" anchor="ctr"/>
-          <a:lstStyle/>
-          <a:p>
-            <a:pPr algn="ctr"/>
-            <a:endParaRPr lang="en-US"/>
-          </a:p>
-        </p:txBody>
-      </p:sp>
-      <p:sp>
-        <p:nvSpPr>
-          <p:cNvPr id="16" name="TextBox 15"/>
-          <p:cNvSpPr txBox="1"/>
-          <p:nvPr/>
-        </p:nvSpPr>
-        <p:spPr>
-          <a:xfrm>
-            <a:off x="0" y="706190"/>
-            <a:ext cx="1285542" cy="307777"/>
-          </a:xfrm>
-          <a:prstGeom prst="rect">
-            <a:avLst/>
-          </a:prstGeom>
-          <a:noFill/>
-        </p:spPr>
-        <p:txBody>
-          <a:bodyPr wrap="square" rtlCol="0">
-            <a:spAutoFit/>
-          </a:bodyPr>
-          <a:lstStyle/>
-          <a:p>
-            <a:r>
-              <a:rPr lang="en-US" sz="1400" dirty="0" smtClean="0"/>
-              <a:t>Serving Size</a:t>
-            </a:r>
-            <a:endParaRPr lang="en-US" sz="1400" dirty="0"/>
-          </a:p>
-        </p:txBody>
-      </p:sp>
-      <p:sp>
-        <p:nvSpPr>
-          <p:cNvPr id="17" name="Rectangle 16"/>
-          <p:cNvSpPr/>
-          <p:nvPr/>
-        </p:nvSpPr>
-        <p:spPr>
-          <a:xfrm>
-            <a:off x="1668793" y="681828"/>
-            <a:ext cx="1982253" cy="307777"/>
-          </a:xfrm>
-          <a:prstGeom prst="rect">
-            <a:avLst/>
-          </a:prstGeom>
-        </p:spPr>
-        <p:txBody>
-          <a:bodyPr wrap="square">
-            <a:spAutoFit/>
-          </a:bodyPr>
-          <a:lstStyle/>
-          <a:p>
-            <a:r>
-              <a:rPr lang="en-US" sz="1400" dirty="0" smtClean="0"/>
-              <a:t>Additional Ingredients</a:t>
-            </a:r>
-            <a:endParaRPr lang="en-US" sz="1400" dirty="0"/>
-          </a:p>
-        </p:txBody>
-      </p:sp>
-      <p:sp>
-        <p:nvSpPr>
-          <p:cNvPr id="19" name="Rectangle 18"/>
-          <p:cNvSpPr/>
-          <p:nvPr/>
-        </p:nvSpPr>
-        <p:spPr>
-          <a:xfrm>
-            <a:off x="5316047" y="869398"/>
-            <a:ext cx="342199" cy="356260"/>
-          </a:xfrm>
-          <a:prstGeom prst="rect">
-            <a:avLst/>
-          </a:prstGeom>
-          <a:noFill/>
-          <a:ln>
-            <a:solidFill>
-              <a:schemeClr val="bg1">
-                <a:lumMod val="65000"/>
-              </a:schemeClr>
-            </a:solidFill>
-          </a:ln>
-        </p:spPr>
-        <p:style>
-          <a:lnRef idx="1">
-            <a:schemeClr val="accent1"/>
-          </a:lnRef>
-          <a:fillRef idx="3">
-            <a:schemeClr val="accent1"/>
-          </a:fillRef>
-          <a:effectRef idx="2">
-            <a:schemeClr val="accent1"/>
-          </a:effectRef>
-          <a:fontRef idx="minor">
-            <a:schemeClr val="lt1"/>
-          </a:fontRef>
-        </p:style>
-        <p:txBody>
-          <a:bodyPr rtlCol="0" anchor="ctr"/>
-          <a:lstStyle/>
-          <a:p>
-            <a:pPr algn="ctr"/>
-            <a:r>
-              <a:rPr lang="en-US" dirty="0" smtClean="0">
-                <a:solidFill>
-                  <a:schemeClr val="tx1"/>
-                </a:solidFill>
-              </a:rPr>
-              <a:t>1</a:t>
-            </a:r>
-            <a:endParaRPr lang="en-US" dirty="0">
-              <a:solidFill>
-                <a:schemeClr val="tx1"/>
-              </a:solidFill>
-            </a:endParaRPr>
-          </a:p>
-        </p:txBody>
-      </p:sp>
-      <p:sp>
-        <p:nvSpPr>
-          <p:cNvPr id="20" name="Rectangle 19"/>
-          <p:cNvSpPr/>
-          <p:nvPr/>
-        </p:nvSpPr>
-        <p:spPr>
-          <a:xfrm>
-            <a:off x="5706095" y="866729"/>
-            <a:ext cx="634977" cy="356260"/>
-          </a:xfrm>
-          <a:prstGeom prst="rect">
-            <a:avLst/>
-          </a:prstGeom>
-          <a:noFill/>
-          <a:ln>
-            <a:solidFill>
-              <a:schemeClr val="bg1">
-                <a:lumMod val="65000"/>
-              </a:schemeClr>
-            </a:solidFill>
-          </a:ln>
-        </p:spPr>
-        <p:style>
-          <a:lnRef idx="1">
-            <a:schemeClr val="accent1"/>
-          </a:lnRef>
-          <a:fillRef idx="3">
-            <a:schemeClr val="accent1"/>
-          </a:fillRef>
-          <a:effectRef idx="2">
-            <a:schemeClr val="accent1"/>
-          </a:effectRef>
-          <a:fontRef idx="minor">
-            <a:schemeClr val="lt1"/>
-          </a:fontRef>
-        </p:style>
-        <p:txBody>
-          <a:bodyPr rtlCol="0" anchor="ctr"/>
-          <a:lstStyle/>
-          <a:p>
-            <a:pPr algn="ctr"/>
-            <a:r>
-              <a:rPr lang="en-US" dirty="0" smtClean="0">
-                <a:solidFill>
-                  <a:srgbClr val="000000"/>
-                </a:solidFill>
-              </a:rPr>
-              <a:t>cup</a:t>
-            </a:r>
-            <a:endParaRPr lang="en-US" dirty="0">
-              <a:solidFill>
-                <a:srgbClr val="000000"/>
-              </a:solidFill>
-            </a:endParaRPr>
-          </a:p>
-        </p:txBody>
-      </p:sp>
-      <p:sp>
-        <p:nvSpPr>
-          <p:cNvPr id="21" name="TextBox 20"/>
-          <p:cNvSpPr txBox="1"/>
-          <p:nvPr/>
-        </p:nvSpPr>
-        <p:spPr>
-          <a:xfrm>
-            <a:off x="8750980" y="758988"/>
-            <a:ext cx="185862" cy="369332"/>
-          </a:xfrm>
-          <a:prstGeom prst="rect">
-            <a:avLst/>
-          </a:prstGeom>
-          <a:noFill/>
-        </p:spPr>
-        <p:txBody>
-          <a:bodyPr wrap="square" rtlCol="0">
-            <a:spAutoFit/>
-          </a:bodyPr>
-          <a:lstStyle/>
-          <a:p>
-            <a:r>
-              <a:rPr lang="en-US" dirty="0" smtClean="0"/>
-              <a:t>x</a:t>
-            </a:r>
-            <a:endParaRPr lang="en-US" dirty="0"/>
-          </a:p>
-        </p:txBody>
-      </p:sp>
-      <p:sp>
-        <p:nvSpPr>
-          <p:cNvPr id="22" name="Rectangle 21"/>
-          <p:cNvSpPr/>
-          <p:nvPr/>
-        </p:nvSpPr>
-        <p:spPr>
-          <a:xfrm>
-            <a:off x="1016590" y="769793"/>
-            <a:ext cx="537903" cy="193871"/>
-          </a:xfrm>
-          <a:prstGeom prst="rect">
-            <a:avLst/>
-          </a:prstGeom>
-          <a:noFill/>
-          <a:ln>
-            <a:solidFill>
-              <a:schemeClr val="bg1">
-                <a:lumMod val="65000"/>
-              </a:schemeClr>
-            </a:solidFill>
-          </a:ln>
-        </p:spPr>
-        <p:style>
-          <a:lnRef idx="1">
-            <a:schemeClr val="accent1"/>
-          </a:lnRef>
-          <a:fillRef idx="3">
-            <a:schemeClr val="accent1"/>
-          </a:fillRef>
-          <a:effectRef idx="2">
-            <a:schemeClr val="accent1"/>
-          </a:effectRef>
-          <a:fontRef idx="minor">
-            <a:schemeClr val="lt1"/>
-          </a:fontRef>
-        </p:style>
-        <p:txBody>
-          <a:bodyPr rtlCol="0" anchor="ctr"/>
-          <a:lstStyle/>
-          <a:p>
-            <a:pPr algn="ctr"/>
-            <a:endParaRPr lang="en-US"/>
-          </a:p>
-        </p:txBody>
-      </p:sp>
-      <p:sp>
-        <p:nvSpPr>
-          <p:cNvPr id="23" name="Oval 22"/>
-          <p:cNvSpPr/>
-          <p:nvPr/>
-        </p:nvSpPr>
-        <p:spPr>
-          <a:xfrm>
-            <a:off x="8750980" y="6295529"/>
-            <a:ext cx="294280" cy="259120"/>
-          </a:xfrm>
-          <a:prstGeom prst="ellipse">
-            <a:avLst/>
-          </a:prstGeom>
-          <a:solidFill>
-            <a:srgbClr val="FFAF48"/>
-          </a:solidFill>
-          <a:ln>
-            <a:solidFill>
-              <a:srgbClr val="FFAF48"/>
-            </a:solidFill>
-          </a:ln>
-        </p:spPr>
-        <p:style>
-          <a:lnRef idx="1">
-            <a:schemeClr val="accent1"/>
-          </a:lnRef>
-          <a:fillRef idx="3">
-            <a:schemeClr val="accent1"/>
-          </a:fillRef>
-          <a:effectRef idx="2">
-            <a:schemeClr val="accent1"/>
-          </a:effectRef>
-          <a:fontRef idx="minor">
-            <a:schemeClr val="lt1"/>
-          </a:fontRef>
-        </p:style>
-        <p:txBody>
-          <a:bodyPr rtlCol="0" anchor="ctr"/>
-          <a:lstStyle/>
-          <a:p>
-            <a:pPr algn="ctr"/>
-            <a:r>
-              <a:rPr lang="en-US" dirty="0" smtClean="0">
-                <a:solidFill>
-                  <a:srgbClr val="FFFFFF"/>
-                </a:solidFill>
-              </a:rPr>
-              <a:t>+</a:t>
-            </a:r>
-            <a:endParaRPr lang="en-US" dirty="0">
-              <a:solidFill>
-                <a:srgbClr val="FFFFFF"/>
-              </a:solidFill>
-            </a:endParaRPr>
-          </a:p>
-        </p:txBody>
-      </p:sp>
-      <p:sp>
-        <p:nvSpPr>
-          <p:cNvPr id="24" name="Isosceles Triangle 23"/>
-          <p:cNvSpPr/>
-          <p:nvPr/>
-        </p:nvSpPr>
-        <p:spPr>
-          <a:xfrm rot="10800000">
-            <a:off x="6243252" y="1046840"/>
-            <a:ext cx="74310" cy="55035"/>
-          </a:xfrm>
-          <a:prstGeom prst="triangle">
+            <a:off x="5464772" y="3473450"/>
+            <a:ext cx="2866428" cy="368300"/>
+          </a:xfrm>
+          <a:prstGeom prst="rect">
             <a:avLst/>
           </a:prstGeom>
           <a:solidFill>
@@ -9079,11 +9811,7 @@
             </a:schemeClr>
           </a:solidFill>
           <a:ln>
-            <a:solidFill>
-              <a:schemeClr val="bg1">
-                <a:lumMod val="65000"/>
-              </a:schemeClr>
-            </a:solidFill>
+            <a:noFill/>
           </a:ln>
         </p:spPr>
         <p:style>
@@ -9105,57 +9833,30 @@
           <a:lstStyle/>
           <a:p>
             <a:pPr algn="ctr"/>
-            <a:endParaRPr lang="en-US"/>
-          </a:p>
-        </p:txBody>
-      </p:sp>
-      <p:cxnSp>
-        <p:nvCxnSpPr>
-          <p:cNvPr id="25" name="Straight Connector 24"/>
-          <p:cNvCxnSpPr/>
-          <p:nvPr/>
-        </p:nvCxnSpPr>
-        <p:spPr>
-          <a:xfrm flipH="1">
-            <a:off x="5148462" y="5778500"/>
-            <a:ext cx="3995538" cy="0"/>
-          </a:xfrm>
-          <a:prstGeom prst="line">
-            <a:avLst/>
-          </a:prstGeom>
-          <a:ln>
-            <a:solidFill>
-              <a:schemeClr val="bg1">
-                <a:lumMod val="75000"/>
-              </a:schemeClr>
-            </a:solidFill>
-          </a:ln>
-        </p:spPr>
-        <p:style>
-          <a:lnRef idx="2">
-            <a:schemeClr val="accent1"/>
-          </a:lnRef>
-          <a:fillRef idx="0">
-            <a:schemeClr val="accent1"/>
-          </a:fillRef>
-          <a:effectRef idx="1">
-            <a:schemeClr val="accent1"/>
-          </a:effectRef>
-          <a:fontRef idx="minor">
-            <a:schemeClr val="tx1"/>
-          </a:fontRef>
-        </p:style>
-      </p:cxnSp>
-      <p:sp>
-        <p:nvSpPr>
-          <p:cNvPr id="26" name="TextBox 25"/>
+            <a:r>
+              <a:rPr lang="en-US" sz="1600" dirty="0" smtClean="0">
+                <a:latin typeface="Brandon Grotesque Regular"/>
+                <a:cs typeface="Brandon Grotesque Regular"/>
+              </a:rPr>
+              <a:t>Canola oil (1.5 cup)</a:t>
+            </a:r>
+            <a:endParaRPr lang="en-US" sz="1600" dirty="0">
+              <a:latin typeface="Brandon Grotesque Regular"/>
+              <a:cs typeface="Brandon Grotesque Regular"/>
+            </a:endParaRPr>
+          </a:p>
+        </p:txBody>
+      </p:sp>
+      <p:sp>
+        <p:nvSpPr>
+          <p:cNvPr id="62" name="TextBox 61"/>
           <p:cNvSpPr txBox="1"/>
           <p:nvPr/>
         </p:nvSpPr>
         <p:spPr>
           <a:xfrm>
-            <a:off x="5314916" y="5900797"/>
-            <a:ext cx="2349500" cy="369332"/>
+            <a:off x="4953000" y="1847334"/>
+            <a:ext cx="228600" cy="369332"/>
           </a:xfrm>
           <a:prstGeom prst="rect">
             <a:avLst/>
@@ -9169,66 +9870,16 @@
           <a:lstStyle/>
           <a:p>
             <a:r>
-              <a:rPr lang="en-US" dirty="0" smtClean="0"/>
-              <a:t>Add Ingredient:</a:t>
-            </a:r>
-            <a:endParaRPr lang="en-US" dirty="0"/>
-          </a:p>
-        </p:txBody>
-      </p:sp>
-      <p:sp>
-        <p:nvSpPr>
-          <p:cNvPr id="27" name="Rectangle 26"/>
-          <p:cNvSpPr/>
-          <p:nvPr/>
-        </p:nvSpPr>
-        <p:spPr>
-          <a:xfrm>
-            <a:off x="5316047" y="1474636"/>
-            <a:ext cx="342199" cy="356260"/>
-          </a:xfrm>
-          <a:prstGeom prst="rect">
-            <a:avLst/>
-          </a:prstGeom>
-          <a:noFill/>
-          <a:ln>
-            <a:solidFill>
-              <a:schemeClr val="bg1">
-                <a:lumMod val="65000"/>
-              </a:schemeClr>
-            </a:solidFill>
-          </a:ln>
-        </p:spPr>
-        <p:style>
-          <a:lnRef idx="1">
-            <a:schemeClr val="accent1"/>
-          </a:lnRef>
-          <a:fillRef idx="3">
-            <a:schemeClr val="accent1"/>
-          </a:fillRef>
-          <a:effectRef idx="2">
-            <a:schemeClr val="accent1"/>
-          </a:effectRef>
-          <a:fontRef idx="minor">
-            <a:schemeClr val="lt1"/>
-          </a:fontRef>
-        </p:style>
-        <p:txBody>
-          <a:bodyPr rtlCol="0" anchor="ctr"/>
-          <a:lstStyle/>
-          <a:p>
-            <a:pPr algn="ctr"/>
-            <a:r>
               <a:rPr lang="en-US" dirty="0" smtClean="0">
                 <a:solidFill>
-                  <a:schemeClr val="tx1"/>
+                  <a:srgbClr val="FF9111"/>
                 </a:solidFill>
               </a:rPr>
-              <a:t>1</a:t>
+              <a:t>x</a:t>
             </a:r>
             <a:endParaRPr lang="en-US" dirty="0">
               <a:solidFill>
-                <a:schemeClr val="tx1"/>
+                <a:srgbClr val="FF9111"/>
               </a:solidFill>
             </a:endParaRPr>
           </a:p>
@@ -9236,57 +9887,37 @@
       </p:sp>
       <p:sp>
         <p:nvSpPr>
-          <p:cNvPr id="28" name="Rectangle 27"/>
-          <p:cNvSpPr/>
-          <p:nvPr/>
-        </p:nvSpPr>
-        <p:spPr>
-          <a:xfrm>
-            <a:off x="5706095" y="1471967"/>
-            <a:ext cx="634977" cy="356260"/>
+          <p:cNvPr id="63" name="TextBox 62"/>
+          <p:cNvSpPr txBox="1"/>
+          <p:nvPr/>
+        </p:nvSpPr>
+        <p:spPr>
+          <a:xfrm>
+            <a:off x="4953000" y="2369066"/>
+            <a:ext cx="228600" cy="369332"/>
           </a:xfrm>
           <a:prstGeom prst="rect">
             <a:avLst/>
           </a:prstGeom>
           <a:noFill/>
-          <a:ln>
-            <a:solidFill>
-              <a:schemeClr val="bg1">
-                <a:lumMod val="65000"/>
-              </a:schemeClr>
-            </a:solidFill>
-          </a:ln>
-        </p:spPr>
-        <p:style>
-          <a:lnRef idx="1">
-            <a:schemeClr val="accent1"/>
-          </a:lnRef>
-          <a:fillRef idx="3">
-            <a:schemeClr val="accent1"/>
-          </a:fillRef>
-          <a:effectRef idx="2">
-            <a:schemeClr val="accent1"/>
-          </a:effectRef>
-          <a:fontRef idx="minor">
-            <a:schemeClr val="lt1"/>
-          </a:fontRef>
-        </p:style>
-        <p:txBody>
-          <a:bodyPr rtlCol="0" anchor="ctr"/>
-          <a:lstStyle/>
-          <a:p>
-            <a:pPr algn="ctr"/>
+        </p:spPr>
+        <p:txBody>
+          <a:bodyPr wrap="square" rtlCol="0">
+            <a:spAutoFit/>
+          </a:bodyPr>
+          <a:lstStyle/>
+          <a:p>
             <a:r>
               <a:rPr lang="en-US" dirty="0" smtClean="0">
                 <a:solidFill>
-                  <a:srgbClr val="000000"/>
+                  <a:srgbClr val="FF9111"/>
                 </a:solidFill>
               </a:rPr>
-              <a:t>cup</a:t>
+              <a:t>x</a:t>
             </a:r>
             <a:endParaRPr lang="en-US" dirty="0">
               <a:solidFill>
-                <a:srgbClr val="000000"/>
+                <a:srgbClr val="FF9111"/>
               </a:solidFill>
             </a:endParaRPr>
           </a:p>
@@ -9294,107 +9925,37 @@
       </p:sp>
       <p:sp>
         <p:nvSpPr>
-          <p:cNvPr id="29" name="Isosceles Triangle 28"/>
-          <p:cNvSpPr/>
-          <p:nvPr/>
-        </p:nvSpPr>
-        <p:spPr>
-          <a:xfrm rot="10800000">
-            <a:off x="6243252" y="1652078"/>
-            <a:ext cx="74310" cy="55035"/>
-          </a:xfrm>
-          <a:prstGeom prst="triangle">
-            <a:avLst/>
-          </a:prstGeom>
-          <a:solidFill>
-            <a:schemeClr val="bg1">
-              <a:lumMod val="65000"/>
-            </a:schemeClr>
-          </a:solidFill>
-          <a:ln>
-            <a:solidFill>
-              <a:schemeClr val="bg1">
-                <a:lumMod val="65000"/>
-              </a:schemeClr>
-            </a:solidFill>
-          </a:ln>
-        </p:spPr>
-        <p:style>
-          <a:lnRef idx="1">
-            <a:schemeClr val="accent1"/>
-          </a:lnRef>
-          <a:fillRef idx="3">
-            <a:schemeClr val="accent1"/>
-          </a:fillRef>
-          <a:effectRef idx="2">
-            <a:schemeClr val="accent1"/>
-          </a:effectRef>
-          <a:fontRef idx="minor">
-            <a:schemeClr val="lt1"/>
-          </a:fontRef>
-        </p:style>
-        <p:txBody>
-          <a:bodyPr rtlCol="0" anchor="ctr"/>
-          <a:lstStyle/>
-          <a:p>
-            <a:pPr algn="ctr"/>
-            <a:endParaRPr lang="en-US"/>
-          </a:p>
-        </p:txBody>
-      </p:sp>
-      <p:sp>
-        <p:nvSpPr>
-          <p:cNvPr id="30" name="Rectangle 29"/>
-          <p:cNvSpPr/>
-          <p:nvPr/>
-        </p:nvSpPr>
-        <p:spPr>
-          <a:xfrm>
-            <a:off x="5304138" y="2107648"/>
-            <a:ext cx="342199" cy="356260"/>
+          <p:cNvPr id="64" name="TextBox 63"/>
+          <p:cNvSpPr txBox="1"/>
+          <p:nvPr/>
+        </p:nvSpPr>
+        <p:spPr>
+          <a:xfrm>
+            <a:off x="4953000" y="2933700"/>
+            <a:ext cx="228600" cy="369332"/>
           </a:xfrm>
           <a:prstGeom prst="rect">
             <a:avLst/>
           </a:prstGeom>
           <a:noFill/>
-          <a:ln>
-            <a:solidFill>
-              <a:schemeClr val="bg1">
-                <a:lumMod val="65000"/>
-              </a:schemeClr>
-            </a:solidFill>
-          </a:ln>
-        </p:spPr>
-        <p:style>
-          <a:lnRef idx="1">
-            <a:schemeClr val="accent1"/>
-          </a:lnRef>
-          <a:fillRef idx="3">
-            <a:schemeClr val="accent1"/>
-          </a:fillRef>
-          <a:effectRef idx="2">
-            <a:schemeClr val="accent1"/>
-          </a:effectRef>
-          <a:fontRef idx="minor">
-            <a:schemeClr val="lt1"/>
-          </a:fontRef>
-        </p:style>
-        <p:txBody>
-          <a:bodyPr rtlCol="0" anchor="ctr"/>
-          <a:lstStyle/>
-          <a:p>
-            <a:pPr algn="ctr"/>
+        </p:spPr>
+        <p:txBody>
+          <a:bodyPr wrap="square" rtlCol="0">
+            <a:spAutoFit/>
+          </a:bodyPr>
+          <a:lstStyle/>
+          <a:p>
             <a:r>
               <a:rPr lang="en-US" dirty="0" smtClean="0">
                 <a:solidFill>
-                  <a:schemeClr val="tx1"/>
+                  <a:srgbClr val="FF9111"/>
                 </a:solidFill>
               </a:rPr>
-              <a:t>1</a:t>
+              <a:t>x</a:t>
             </a:r>
             <a:endParaRPr lang="en-US" dirty="0">
               <a:solidFill>
-                <a:schemeClr val="tx1"/>
+                <a:srgbClr val="FF9111"/>
               </a:solidFill>
             </a:endParaRPr>
           </a:p>
@@ -9402,57 +9963,37 @@
       </p:sp>
       <p:sp>
         <p:nvSpPr>
-          <p:cNvPr id="31" name="Rectangle 30"/>
-          <p:cNvSpPr/>
-          <p:nvPr/>
-        </p:nvSpPr>
-        <p:spPr>
-          <a:xfrm>
-            <a:off x="5694186" y="2104979"/>
-            <a:ext cx="634977" cy="356260"/>
+          <p:cNvPr id="65" name="TextBox 64"/>
+          <p:cNvSpPr txBox="1"/>
+          <p:nvPr/>
+        </p:nvSpPr>
+        <p:spPr>
+          <a:xfrm>
+            <a:off x="4940300" y="3472934"/>
+            <a:ext cx="228600" cy="369332"/>
           </a:xfrm>
           <a:prstGeom prst="rect">
             <a:avLst/>
           </a:prstGeom>
           <a:noFill/>
-          <a:ln>
-            <a:solidFill>
-              <a:schemeClr val="bg1">
-                <a:lumMod val="65000"/>
-              </a:schemeClr>
-            </a:solidFill>
-          </a:ln>
-        </p:spPr>
-        <p:style>
-          <a:lnRef idx="1">
-            <a:schemeClr val="accent1"/>
-          </a:lnRef>
-          <a:fillRef idx="3">
-            <a:schemeClr val="accent1"/>
-          </a:fillRef>
-          <a:effectRef idx="2">
-            <a:schemeClr val="accent1"/>
-          </a:effectRef>
-          <a:fontRef idx="minor">
-            <a:schemeClr val="lt1"/>
-          </a:fontRef>
-        </p:style>
-        <p:txBody>
-          <a:bodyPr rtlCol="0" anchor="ctr"/>
-          <a:lstStyle/>
-          <a:p>
-            <a:pPr algn="ctr"/>
+        </p:spPr>
+        <p:txBody>
+          <a:bodyPr wrap="square" rtlCol="0">
+            <a:spAutoFit/>
+          </a:bodyPr>
+          <a:lstStyle/>
+          <a:p>
             <a:r>
               <a:rPr lang="en-US" dirty="0" smtClean="0">
                 <a:solidFill>
-                  <a:srgbClr val="000000"/>
+                  <a:srgbClr val="FF9111"/>
                 </a:solidFill>
               </a:rPr>
-              <a:t>cup</a:t>
+              <a:t>x</a:t>
             </a:r>
             <a:endParaRPr lang="en-US" dirty="0">
               <a:solidFill>
-                <a:srgbClr val="000000"/>
+                <a:srgbClr val="FF9111"/>
               </a:solidFill>
             </a:endParaRPr>
           </a:p>
@@ -9460,312 +10001,13 @@
       </p:sp>
       <p:sp>
         <p:nvSpPr>
-          <p:cNvPr id="32" name="Isosceles Triangle 31"/>
+          <p:cNvPr id="66" name="Rectangle 65"/>
           <p:cNvSpPr/>
           <p:nvPr/>
         </p:nvSpPr>
         <p:spPr>
-          <a:xfrm rot="10800000">
-            <a:off x="6231343" y="2285090"/>
-            <a:ext cx="74310" cy="55035"/>
-          </a:xfrm>
-          <a:prstGeom prst="triangle">
-            <a:avLst/>
-          </a:prstGeom>
-          <a:solidFill>
-            <a:schemeClr val="bg1">
-              <a:lumMod val="65000"/>
-            </a:schemeClr>
-          </a:solidFill>
-          <a:ln>
-            <a:solidFill>
-              <a:schemeClr val="bg1">
-                <a:lumMod val="65000"/>
-              </a:schemeClr>
-            </a:solidFill>
-          </a:ln>
-        </p:spPr>
-        <p:style>
-          <a:lnRef idx="1">
-            <a:schemeClr val="accent1"/>
-          </a:lnRef>
-          <a:fillRef idx="3">
-            <a:schemeClr val="accent1"/>
-          </a:fillRef>
-          <a:effectRef idx="2">
-            <a:schemeClr val="accent1"/>
-          </a:effectRef>
-          <a:fontRef idx="minor">
-            <a:schemeClr val="lt1"/>
-          </a:fontRef>
-        </p:style>
-        <p:txBody>
-          <a:bodyPr rtlCol="0" anchor="ctr"/>
-          <a:lstStyle/>
-          <a:p>
-            <a:pPr algn="ctr"/>
-            <a:endParaRPr lang="en-US"/>
-          </a:p>
-        </p:txBody>
-      </p:sp>
-      <p:sp>
-        <p:nvSpPr>
-          <p:cNvPr id="33" name="Rectangle 32"/>
-          <p:cNvSpPr/>
-          <p:nvPr/>
-        </p:nvSpPr>
-        <p:spPr>
-          <a:xfrm>
-            <a:off x="5292537" y="2710923"/>
-            <a:ext cx="342199" cy="356260"/>
-          </a:xfrm>
-          <a:prstGeom prst="rect">
-            <a:avLst/>
-          </a:prstGeom>
-          <a:noFill/>
-          <a:ln>
-            <a:solidFill>
-              <a:schemeClr val="bg1">
-                <a:lumMod val="65000"/>
-              </a:schemeClr>
-            </a:solidFill>
-          </a:ln>
-        </p:spPr>
-        <p:style>
-          <a:lnRef idx="1">
-            <a:schemeClr val="accent1"/>
-          </a:lnRef>
-          <a:fillRef idx="3">
-            <a:schemeClr val="accent1"/>
-          </a:fillRef>
-          <a:effectRef idx="2">
-            <a:schemeClr val="accent1"/>
-          </a:effectRef>
-          <a:fontRef idx="minor">
-            <a:schemeClr val="lt1"/>
-          </a:fontRef>
-        </p:style>
-        <p:txBody>
-          <a:bodyPr rtlCol="0" anchor="ctr"/>
-          <a:lstStyle/>
-          <a:p>
-            <a:pPr algn="ctr"/>
-            <a:r>
-              <a:rPr lang="en-US" dirty="0" smtClean="0">
-                <a:solidFill>
-                  <a:schemeClr val="tx1"/>
-                </a:solidFill>
-              </a:rPr>
-              <a:t>1</a:t>
-            </a:r>
-            <a:endParaRPr lang="en-US" dirty="0">
-              <a:solidFill>
-                <a:schemeClr val="tx1"/>
-              </a:solidFill>
-            </a:endParaRPr>
-          </a:p>
-        </p:txBody>
-      </p:sp>
-      <p:sp>
-        <p:nvSpPr>
-          <p:cNvPr id="34" name="Rectangle 33"/>
-          <p:cNvSpPr/>
-          <p:nvPr/>
-        </p:nvSpPr>
-        <p:spPr>
-          <a:xfrm>
-            <a:off x="5682585" y="2708254"/>
-            <a:ext cx="634977" cy="356260"/>
-          </a:xfrm>
-          <a:prstGeom prst="rect">
-            <a:avLst/>
-          </a:prstGeom>
-          <a:noFill/>
-          <a:ln>
-            <a:solidFill>
-              <a:schemeClr val="bg1">
-                <a:lumMod val="65000"/>
-              </a:schemeClr>
-            </a:solidFill>
-          </a:ln>
-        </p:spPr>
-        <p:style>
-          <a:lnRef idx="1">
-            <a:schemeClr val="accent1"/>
-          </a:lnRef>
-          <a:fillRef idx="3">
-            <a:schemeClr val="accent1"/>
-          </a:fillRef>
-          <a:effectRef idx="2">
-            <a:schemeClr val="accent1"/>
-          </a:effectRef>
-          <a:fontRef idx="minor">
-            <a:schemeClr val="lt1"/>
-          </a:fontRef>
-        </p:style>
-        <p:txBody>
-          <a:bodyPr rtlCol="0" anchor="ctr"/>
-          <a:lstStyle/>
-          <a:p>
-            <a:pPr algn="ctr"/>
-            <a:r>
-              <a:rPr lang="en-US" dirty="0" smtClean="0">
-                <a:solidFill>
-                  <a:srgbClr val="000000"/>
-                </a:solidFill>
-              </a:rPr>
-              <a:t>cup</a:t>
-            </a:r>
-            <a:endParaRPr lang="en-US" dirty="0">
-              <a:solidFill>
-                <a:srgbClr val="000000"/>
-              </a:solidFill>
-            </a:endParaRPr>
-          </a:p>
-        </p:txBody>
-      </p:sp>
-      <p:sp>
-        <p:nvSpPr>
-          <p:cNvPr id="35" name="Isosceles Triangle 34"/>
-          <p:cNvSpPr/>
-          <p:nvPr/>
-        </p:nvSpPr>
-        <p:spPr>
-          <a:xfrm rot="10800000">
-            <a:off x="6219742" y="2888365"/>
-            <a:ext cx="74310" cy="55035"/>
-          </a:xfrm>
-          <a:prstGeom prst="triangle">
-            <a:avLst/>
-          </a:prstGeom>
-          <a:solidFill>
-            <a:schemeClr val="bg1">
-              <a:lumMod val="65000"/>
-            </a:schemeClr>
-          </a:solidFill>
-          <a:ln>
-            <a:solidFill>
-              <a:schemeClr val="bg1">
-                <a:lumMod val="65000"/>
-              </a:schemeClr>
-            </a:solidFill>
-          </a:ln>
-        </p:spPr>
-        <p:style>
-          <a:lnRef idx="1">
-            <a:schemeClr val="accent1"/>
-          </a:lnRef>
-          <a:fillRef idx="3">
-            <a:schemeClr val="accent1"/>
-          </a:fillRef>
-          <a:effectRef idx="2">
-            <a:schemeClr val="accent1"/>
-          </a:effectRef>
-          <a:fontRef idx="minor">
-            <a:schemeClr val="lt1"/>
-          </a:fontRef>
-        </p:style>
-        <p:txBody>
-          <a:bodyPr rtlCol="0" anchor="ctr"/>
-          <a:lstStyle/>
-          <a:p>
-            <a:pPr algn="ctr"/>
-            <a:endParaRPr lang="en-US"/>
-          </a:p>
-        </p:txBody>
-      </p:sp>
-      <p:cxnSp>
-        <p:nvCxnSpPr>
-          <p:cNvPr id="36" name="Straight Connector 35"/>
-          <p:cNvCxnSpPr/>
-          <p:nvPr/>
-        </p:nvCxnSpPr>
-        <p:spPr>
-          <a:xfrm>
-            <a:off x="5148462" y="635072"/>
-            <a:ext cx="0" cy="6222928"/>
-          </a:xfrm>
-          <a:prstGeom prst="line">
-            <a:avLst/>
-          </a:prstGeom>
-          <a:ln>
-            <a:solidFill>
-              <a:schemeClr val="bg1">
-                <a:lumMod val="75000"/>
-              </a:schemeClr>
-            </a:solidFill>
-          </a:ln>
-        </p:spPr>
-        <p:style>
-          <a:lnRef idx="2">
-            <a:schemeClr val="accent1"/>
-          </a:lnRef>
-          <a:fillRef idx="0">
-            <a:schemeClr val="accent1"/>
-          </a:fillRef>
-          <a:effectRef idx="1">
-            <a:schemeClr val="accent1"/>
-          </a:effectRef>
-          <a:fontRef idx="minor">
-            <a:schemeClr val="tx1"/>
-          </a:fontRef>
-        </p:style>
-      </p:cxnSp>
-      <p:sp>
-        <p:nvSpPr>
-          <p:cNvPr id="37" name="Rectangle 36"/>
-          <p:cNvSpPr/>
-          <p:nvPr/>
-        </p:nvSpPr>
-        <p:spPr>
-          <a:xfrm>
-            <a:off x="3479391" y="737316"/>
-            <a:ext cx="537903" cy="193871"/>
-          </a:xfrm>
-          <a:prstGeom prst="rect">
-            <a:avLst/>
-          </a:prstGeom>
-          <a:noFill/>
-          <a:ln>
-            <a:solidFill>
-              <a:schemeClr val="bg1">
-                <a:lumMod val="65000"/>
-              </a:schemeClr>
-            </a:solidFill>
-          </a:ln>
-        </p:spPr>
-        <p:style>
-          <a:lnRef idx="1">
-            <a:schemeClr val="accent1"/>
-          </a:lnRef>
-          <a:fillRef idx="3">
-            <a:schemeClr val="accent1"/>
-          </a:fillRef>
-          <a:effectRef idx="2">
-            <a:schemeClr val="accent1"/>
-          </a:effectRef>
-          <a:fontRef idx="minor">
-            <a:schemeClr val="lt1"/>
-          </a:fontRef>
-        </p:style>
-        <p:txBody>
-          <a:bodyPr rtlCol="0" anchor="ctr"/>
-          <a:lstStyle/>
-          <a:p>
-            <a:pPr algn="ctr"/>
-            <a:endParaRPr lang="en-US"/>
-          </a:p>
-        </p:txBody>
-      </p:sp>
-      <p:sp>
-        <p:nvSpPr>
-          <p:cNvPr id="39" name="Rectangle 38"/>
-          <p:cNvSpPr/>
-          <p:nvPr/>
-        </p:nvSpPr>
-        <p:spPr>
-          <a:xfrm>
-            <a:off x="444500" y="1376930"/>
+          <a:xfrm>
+            <a:off x="444500" y="2744885"/>
             <a:ext cx="1689100" cy="1511435"/>
           </a:xfrm>
           <a:prstGeom prst="rect">
@@ -9799,19 +10041,23 @@
           <a:lstStyle/>
           <a:p>
             <a:pPr algn="ctr"/>
-            <a:endParaRPr lang="en-US"/>
-          </a:p>
-        </p:txBody>
-      </p:sp>
-      <p:sp>
-        <p:nvSpPr>
-          <p:cNvPr id="40" name="Rectangle 39"/>
+            <a:r>
+              <a:rPr lang="en-US" dirty="0" smtClean="0"/>
+              <a:t>food</a:t>
+            </a:r>
+            <a:endParaRPr lang="en-US" dirty="0"/>
+          </a:p>
+        </p:txBody>
+      </p:sp>
+      <p:sp>
+        <p:nvSpPr>
+          <p:cNvPr id="67" name="Rectangle 66"/>
           <p:cNvSpPr/>
           <p:nvPr/>
         </p:nvSpPr>
         <p:spPr>
           <a:xfrm>
-            <a:off x="2634841" y="1349261"/>
+            <a:off x="2634841" y="2717216"/>
             <a:ext cx="1689100" cy="1511435"/>
           </a:xfrm>
           <a:prstGeom prst="rect">
@@ -9845,19 +10091,23 @@
           <a:lstStyle/>
           <a:p>
             <a:pPr algn="ctr"/>
-            <a:endParaRPr lang="en-US"/>
-          </a:p>
-        </p:txBody>
-      </p:sp>
-      <p:sp>
-        <p:nvSpPr>
-          <p:cNvPr id="41" name="Rectangle 40"/>
+            <a:r>
+              <a:rPr lang="en-US" dirty="0" smtClean="0"/>
+              <a:t>food</a:t>
+            </a:r>
+            <a:endParaRPr lang="en-US" dirty="0"/>
+          </a:p>
+        </p:txBody>
+      </p:sp>
+      <p:sp>
+        <p:nvSpPr>
+          <p:cNvPr id="68" name="Rectangle 67"/>
           <p:cNvSpPr/>
           <p:nvPr/>
         </p:nvSpPr>
         <p:spPr>
           <a:xfrm>
-            <a:off x="440992" y="3281930"/>
+            <a:off x="440992" y="4649885"/>
             <a:ext cx="1689100" cy="1511435"/>
           </a:xfrm>
           <a:prstGeom prst="rect">
@@ -9891,19 +10141,23 @@
           <a:lstStyle/>
           <a:p>
             <a:pPr algn="ctr"/>
-            <a:endParaRPr lang="en-US"/>
-          </a:p>
-        </p:txBody>
-      </p:sp>
-      <p:sp>
-        <p:nvSpPr>
-          <p:cNvPr id="42" name="Rectangle 41"/>
+            <a:r>
+              <a:rPr lang="en-US" dirty="0" smtClean="0"/>
+              <a:t>food</a:t>
+            </a:r>
+            <a:endParaRPr lang="en-US" dirty="0"/>
+          </a:p>
+        </p:txBody>
+      </p:sp>
+      <p:sp>
+        <p:nvSpPr>
+          <p:cNvPr id="69" name="Rectangle 68"/>
           <p:cNvSpPr/>
           <p:nvPr/>
         </p:nvSpPr>
         <p:spPr>
           <a:xfrm>
-            <a:off x="2634841" y="3281930"/>
+            <a:off x="2634841" y="4649885"/>
             <a:ext cx="1689100" cy="1511435"/>
           </a:xfrm>
           <a:prstGeom prst="rect">
@@ -9937,30 +10191,182 @@
           <a:lstStyle/>
           <a:p>
             <a:pPr algn="ctr"/>
-            <a:endParaRPr lang="en-US"/>
-          </a:p>
-        </p:txBody>
-      </p:sp>
-      <p:sp>
-        <p:nvSpPr>
-          <p:cNvPr id="43" name="Rectangle 42"/>
+            <a:r>
+              <a:rPr lang="en-US" dirty="0" smtClean="0"/>
+              <a:t>food</a:t>
+            </a:r>
+            <a:endParaRPr lang="en-US" dirty="0"/>
+          </a:p>
+        </p:txBody>
+      </p:sp>
+      <p:sp>
+        <p:nvSpPr>
+          <p:cNvPr id="70" name="TextBox 69"/>
+          <p:cNvSpPr txBox="1"/>
+          <p:nvPr/>
+        </p:nvSpPr>
+        <p:spPr>
+          <a:xfrm>
+            <a:off x="444500" y="2425868"/>
+            <a:ext cx="3468277" cy="1754327"/>
+          </a:xfrm>
+          <a:prstGeom prst="rect">
+            <a:avLst/>
+          </a:prstGeom>
+          <a:solidFill>
+            <a:srgbClr val="000000">
+              <a:alpha val="71000"/>
+            </a:srgbClr>
+          </a:solidFill>
+        </p:spPr>
+        <p:txBody>
+          <a:bodyPr wrap="square" rtlCol="0">
+            <a:spAutoFit/>
+          </a:bodyPr>
+          <a:lstStyle/>
+          <a:p>
+            <a:r>
+              <a:rPr lang="en-US" dirty="0" smtClean="0">
+                <a:solidFill>
+                  <a:srgbClr val="FFFFFF"/>
+                </a:solidFill>
+              </a:rPr>
+              <a:t>If no recipes are found, this </a:t>
+            </a:r>
+            <a:r>
+              <a:rPr lang="en-US" dirty="0" err="1" smtClean="0">
+                <a:solidFill>
+                  <a:srgbClr val="FFFFFF"/>
+                </a:solidFill>
+              </a:rPr>
+              <a:t>sectionwill</a:t>
+            </a:r>
+            <a:r>
+              <a:rPr lang="en-US" dirty="0" smtClean="0">
+                <a:solidFill>
+                  <a:srgbClr val="FFFFFF"/>
+                </a:solidFill>
+              </a:rPr>
+              <a:t> instead show text:</a:t>
+            </a:r>
+          </a:p>
+          <a:p>
+            <a:endParaRPr lang="en-US" dirty="0">
+              <a:solidFill>
+                <a:srgbClr val="FFFFFF"/>
+              </a:solidFill>
+            </a:endParaRPr>
+          </a:p>
+          <a:p>
+            <a:r>
+              <a:rPr lang="en-US" dirty="0" smtClean="0">
+                <a:solidFill>
+                  <a:srgbClr val="FFFFFF"/>
+                </a:solidFill>
+              </a:rPr>
+              <a:t>No recipes found. We suggest that you allow additional ingredients in your search.</a:t>
+            </a:r>
+            <a:endParaRPr lang="en-US" dirty="0">
+              <a:solidFill>
+                <a:srgbClr val="FFFFFF"/>
+              </a:solidFill>
+            </a:endParaRPr>
+          </a:p>
+        </p:txBody>
+      </p:sp>
+      <p:sp>
+        <p:nvSpPr>
+          <p:cNvPr id="71" name="TextBox 70"/>
+          <p:cNvSpPr txBox="1"/>
+          <p:nvPr/>
+        </p:nvSpPr>
+        <p:spPr>
+          <a:xfrm>
+            <a:off x="5207000" y="5277910"/>
+            <a:ext cx="3468277" cy="923330"/>
+          </a:xfrm>
+          <a:prstGeom prst="rect">
+            <a:avLst/>
+          </a:prstGeom>
+          <a:solidFill>
+            <a:srgbClr val="000000">
+              <a:alpha val="71000"/>
+            </a:srgbClr>
+          </a:solidFill>
+        </p:spPr>
+        <p:txBody>
+          <a:bodyPr wrap="square" rtlCol="0">
+            <a:spAutoFit/>
+          </a:bodyPr>
+          <a:lstStyle/>
+          <a:p>
+            <a:r>
+              <a:rPr lang="en-US" dirty="0" smtClean="0">
+                <a:solidFill>
+                  <a:srgbClr val="FFFFFF"/>
+                </a:solidFill>
+              </a:rPr>
+              <a:t>We will implement auto complete for ingredients in order to avoid misspellings. </a:t>
+            </a:r>
+            <a:endParaRPr lang="en-US" dirty="0">
+              <a:solidFill>
+                <a:srgbClr val="FFFFFF"/>
+              </a:solidFill>
+            </a:endParaRPr>
+          </a:p>
+        </p:txBody>
+      </p:sp>
+      <p:sp>
+        <p:nvSpPr>
+          <p:cNvPr id="72" name="TextBox 71"/>
+          <p:cNvSpPr txBox="1"/>
+          <p:nvPr/>
+        </p:nvSpPr>
+        <p:spPr>
+          <a:xfrm>
+            <a:off x="4978400" y="4854252"/>
+            <a:ext cx="228600" cy="369332"/>
+          </a:xfrm>
+          <a:prstGeom prst="rect">
+            <a:avLst/>
+          </a:prstGeom>
+          <a:noFill/>
+        </p:spPr>
+        <p:txBody>
+          <a:bodyPr wrap="square" rtlCol="0">
+            <a:spAutoFit/>
+          </a:bodyPr>
+          <a:lstStyle/>
+          <a:p>
+            <a:r>
+              <a:rPr lang="en-US" dirty="0">
+                <a:solidFill>
+                  <a:srgbClr val="FF9111"/>
+                </a:solidFill>
+              </a:rPr>
+              <a:t>+</a:t>
+            </a:r>
+          </a:p>
+        </p:txBody>
+      </p:sp>
+      <p:sp>
+        <p:nvSpPr>
+          <p:cNvPr id="73" name="Rectangle 72"/>
           <p:cNvSpPr/>
           <p:nvPr/>
         </p:nvSpPr>
         <p:spPr>
           <a:xfrm>
-            <a:off x="444500" y="5145079"/>
-            <a:ext cx="1689100" cy="1511435"/>
-          </a:xfrm>
-          <a:prstGeom prst="rect">
-            <a:avLst/>
-          </a:prstGeom>
-          <a:solidFill>
-            <a:srgbClr val="FFA91D"/>
-          </a:solidFill>
+            <a:off x="5464772" y="4847902"/>
+            <a:ext cx="2866428" cy="368300"/>
+          </a:xfrm>
+          <a:prstGeom prst="rect">
+            <a:avLst/>
+          </a:prstGeom>
+          <a:noFill/>
           <a:ln>
             <a:solidFill>
-              <a:srgbClr val="FFA91D"/>
+              <a:schemeClr val="bg1"/>
             </a:solidFill>
           </a:ln>
         </p:spPr>
@@ -9983,56 +10389,134 @@
           <a:lstStyle/>
           <a:p>
             <a:pPr algn="ctr"/>
-            <a:endParaRPr lang="en-US"/>
-          </a:p>
-        </p:txBody>
-      </p:sp>
-      <p:sp>
-        <p:nvSpPr>
-          <p:cNvPr id="44" name="Rectangle 43"/>
-          <p:cNvSpPr/>
-          <p:nvPr/>
-        </p:nvSpPr>
-        <p:spPr>
-          <a:xfrm>
-            <a:off x="2634841" y="5145079"/>
-            <a:ext cx="1689100" cy="1511435"/>
-          </a:xfrm>
-          <a:prstGeom prst="rect">
-            <a:avLst/>
-          </a:prstGeom>
-          <a:solidFill>
-            <a:srgbClr val="FFA91D"/>
-          </a:solidFill>
-          <a:ln>
-            <a:solidFill>
-              <a:srgbClr val="FFA91D"/>
-            </a:solidFill>
-          </a:ln>
-        </p:spPr>
-        <p:style>
-          <a:lnRef idx="1">
-            <a:schemeClr val="accent1"/>
-          </a:lnRef>
-          <a:fillRef idx="3">
-            <a:schemeClr val="accent1"/>
-          </a:fillRef>
-          <a:effectRef idx="2">
-            <a:schemeClr val="accent1"/>
-          </a:effectRef>
-          <a:fontRef idx="minor">
-            <a:schemeClr val="lt1"/>
-          </a:fontRef>
-        </p:style>
-        <p:txBody>
-          <a:bodyPr rtlCol="0" anchor="ctr"/>
-          <a:lstStyle/>
-          <a:p>
-            <a:pPr algn="ctr"/>
-            <a:endParaRPr lang="en-US"/>
-          </a:p>
-        </p:txBody>
-      </p:sp>
+            <a:r>
+              <a:rPr lang="en-US" sz="1600" i="1" dirty="0" smtClean="0">
+                <a:latin typeface="Brandon Grotesque Regular"/>
+                <a:cs typeface="Brandon Grotesque Regular"/>
+              </a:rPr>
+              <a:t>Add an ingredient</a:t>
+            </a:r>
+            <a:endParaRPr lang="en-US" sz="1600" i="1" dirty="0">
+              <a:latin typeface="Brandon Grotesque Regular"/>
+              <a:cs typeface="Brandon Grotesque Regular"/>
+            </a:endParaRPr>
+          </a:p>
+        </p:txBody>
+      </p:sp>
+      <p:sp>
+        <p:nvSpPr>
+          <p:cNvPr id="30" name="TextBox 29"/>
+          <p:cNvSpPr txBox="1"/>
+          <p:nvPr/>
+        </p:nvSpPr>
+        <p:spPr>
+          <a:xfrm>
+            <a:off x="6972300" y="127898"/>
+            <a:ext cx="1844121" cy="369332"/>
+          </a:xfrm>
+          <a:prstGeom prst="rect">
+            <a:avLst/>
+          </a:prstGeom>
+          <a:noFill/>
+        </p:spPr>
+        <p:txBody>
+          <a:bodyPr wrap="square" rtlCol="0">
+            <a:spAutoFit/>
+          </a:bodyPr>
+          <a:lstStyle/>
+          <a:p>
+            <a:r>
+              <a:rPr lang="en-US" dirty="0" smtClean="0">
+                <a:solidFill>
+                  <a:srgbClr val="FFFFFF"/>
+                </a:solidFill>
+                <a:latin typeface="Brandon Grotesque Regular"/>
+                <a:cs typeface="Brandon Grotesque Regular"/>
+              </a:rPr>
+              <a:t>COOKBOOK</a:t>
+            </a:r>
+            <a:endParaRPr lang="en-US" dirty="0">
+              <a:solidFill>
+                <a:srgbClr val="FFFFFF"/>
+              </a:solidFill>
+              <a:latin typeface="Brandon Grotesque Regular"/>
+              <a:cs typeface="Brandon Grotesque Regular"/>
+            </a:endParaRPr>
+          </a:p>
+        </p:txBody>
+      </p:sp>
+      <p:sp>
+        <p:nvSpPr>
+          <p:cNvPr id="31" name="TextBox 30"/>
+          <p:cNvSpPr txBox="1"/>
+          <p:nvPr/>
+        </p:nvSpPr>
+        <p:spPr>
+          <a:xfrm>
+            <a:off x="5464772" y="136307"/>
+            <a:ext cx="1412355" cy="369332"/>
+          </a:xfrm>
+          <a:prstGeom prst="rect">
+            <a:avLst/>
+          </a:prstGeom>
+          <a:noFill/>
+        </p:spPr>
+        <p:txBody>
+          <a:bodyPr wrap="square" rtlCol="0">
+            <a:spAutoFit/>
+          </a:bodyPr>
+          <a:lstStyle/>
+          <a:p>
+            <a:r>
+              <a:rPr lang="en-US" dirty="0" smtClean="0">
+                <a:solidFill>
+                  <a:srgbClr val="FFFFFF"/>
+                </a:solidFill>
+                <a:latin typeface="Brandon Grotesque Regular"/>
+                <a:cs typeface="Brandon Grotesque Regular"/>
+              </a:rPr>
+              <a:t>PANTRY</a:t>
+            </a:r>
+            <a:endParaRPr lang="en-US" dirty="0">
+              <a:solidFill>
+                <a:srgbClr val="FFFFFF"/>
+              </a:solidFill>
+              <a:latin typeface="Brandon Grotesque Regular"/>
+              <a:cs typeface="Brandon Grotesque Regular"/>
+            </a:endParaRPr>
+          </a:p>
+        </p:txBody>
+      </p:sp>
+      <p:pic>
+        <p:nvPicPr>
+          <p:cNvPr id="32" name="Picture 31" descr="imhungry_logo_white.png"/>
+          <p:cNvPicPr>
+            <a:picLocks noChangeAspect="1"/>
+          </p:cNvPicPr>
+          <p:nvPr/>
+        </p:nvPicPr>
+        <p:blipFill>
+          <a:blip r:embed="rId2">
+            <a:extLst>
+              <a:ext uri="{28A0092B-C50C-407E-A947-70E740481C1C}">
+                <a14:useLocalDpi xmlns:a14="http://schemas.microsoft.com/office/drawing/2010/main" val="0"/>
+              </a:ext>
+            </a:extLst>
+          </a:blip>
+          <a:stretch>
+            <a:fillRect/>
+          </a:stretch>
+        </p:blipFill>
+        <p:spPr>
+          <a:xfrm>
+            <a:off x="266701" y="127898"/>
+            <a:ext cx="1409699" cy="377741"/>
+          </a:xfrm>
+          <a:prstGeom prst="rect">
+            <a:avLst/>
+          </a:prstGeom>
+        </p:spPr>
+      </p:pic>
     </p:spTree>
     <p:extLst>
       <p:ext uri="{BB962C8B-B14F-4D97-AF65-F5344CB8AC3E}">
@@ -10081,10 +10565,18 @@
           <a:lstStyle/>
           <a:p>
             <a:r>
-              <a:rPr lang="en-US" dirty="0" smtClean="0"/>
+              <a:rPr lang="en-US" dirty="0" smtClean="0">
+                <a:solidFill>
+                  <a:srgbClr val="FFFFFF"/>
+                </a:solidFill>
+              </a:rPr>
               <a:t>Homepage with search without sidebar</a:t>
             </a:r>
-            <a:endParaRPr lang="en-US" dirty="0"/>
+            <a:endParaRPr lang="en-US" dirty="0">
+              <a:solidFill>
+                <a:srgbClr val="FFFFFF"/>
+              </a:solidFill>
+            </a:endParaRPr>
           </a:p>
         </p:txBody>
       </p:sp>
@@ -10139,344 +10631,13 @@
       </p:grpSpPr>
       <p:sp>
         <p:nvSpPr>
-          <p:cNvPr id="4" name="Rectangle 3"/>
-          <p:cNvSpPr/>
-          <p:nvPr/>
-        </p:nvSpPr>
-        <p:spPr>
-          <a:xfrm>
-            <a:off x="0" y="0"/>
-            <a:ext cx="9144000" cy="635072"/>
-          </a:xfrm>
-          <a:prstGeom prst="rect">
-            <a:avLst/>
-          </a:prstGeom>
-          <a:solidFill>
-            <a:srgbClr val="FFA91D"/>
-          </a:solidFill>
-          <a:ln>
-            <a:solidFill>
-              <a:srgbClr val="FFAF48"/>
-            </a:solidFill>
-          </a:ln>
-        </p:spPr>
-        <p:style>
-          <a:lnRef idx="1">
-            <a:schemeClr val="accent1"/>
-          </a:lnRef>
-          <a:fillRef idx="3">
-            <a:schemeClr val="accent1"/>
-          </a:fillRef>
-          <a:effectRef idx="2">
-            <a:schemeClr val="accent1"/>
-          </a:effectRef>
-          <a:fontRef idx="minor">
-            <a:schemeClr val="lt1"/>
-          </a:fontRef>
-        </p:style>
-        <p:txBody>
-          <a:bodyPr rtlCol="0" anchor="ctr"/>
-          <a:lstStyle/>
-          <a:p>
-            <a:pPr algn="ctr"/>
-            <a:endParaRPr lang="en-US"/>
-          </a:p>
-        </p:txBody>
-      </p:sp>
-      <p:sp>
-        <p:nvSpPr>
-          <p:cNvPr id="5" name="TextBox 4"/>
-          <p:cNvSpPr txBox="1"/>
-          <p:nvPr/>
-        </p:nvSpPr>
-        <p:spPr>
-          <a:xfrm>
-            <a:off x="139396" y="46469"/>
-            <a:ext cx="1719219" cy="461665"/>
-          </a:xfrm>
-          <a:prstGeom prst="rect">
-            <a:avLst/>
-          </a:prstGeom>
-          <a:noFill/>
-        </p:spPr>
-        <p:txBody>
-          <a:bodyPr wrap="square" rtlCol="0">
-            <a:spAutoFit/>
-          </a:bodyPr>
-          <a:lstStyle/>
-          <a:p>
-            <a:r>
-              <a:rPr lang="en-US" sz="2400" b="1" dirty="0" err="1" smtClean="0">
-                <a:solidFill>
-                  <a:schemeClr val="bg1"/>
-                </a:solidFill>
-                <a:latin typeface="Avenir Black"/>
-                <a:cs typeface="Avenir Black"/>
-              </a:rPr>
-              <a:t>ImHungry</a:t>
-            </a:r>
-            <a:endParaRPr lang="en-US" sz="2400" b="1" dirty="0">
-              <a:solidFill>
-                <a:schemeClr val="bg1"/>
-              </a:solidFill>
-              <a:latin typeface="Avenir Black"/>
-              <a:cs typeface="Avenir Black"/>
-            </a:endParaRPr>
-          </a:p>
-        </p:txBody>
-      </p:sp>
-      <p:sp>
-        <p:nvSpPr>
-          <p:cNvPr id="6" name="TextBox 5"/>
-          <p:cNvSpPr txBox="1"/>
-          <p:nvPr/>
-        </p:nvSpPr>
-        <p:spPr>
-          <a:xfrm>
-            <a:off x="7945580" y="138802"/>
-            <a:ext cx="1198419" cy="369332"/>
-          </a:xfrm>
-          <a:prstGeom prst="rect">
-            <a:avLst/>
-          </a:prstGeom>
-          <a:noFill/>
-        </p:spPr>
-        <p:txBody>
-          <a:bodyPr wrap="square" rtlCol="0">
-            <a:spAutoFit/>
-          </a:bodyPr>
-          <a:lstStyle/>
-          <a:p>
-            <a:r>
-              <a:rPr lang="en-US" dirty="0" smtClean="0">
-                <a:solidFill>
-                  <a:srgbClr val="FFFFFF"/>
-                </a:solidFill>
-                <a:latin typeface="Avenir Book"/>
-                <a:cs typeface="Avenir Book"/>
-              </a:rPr>
-              <a:t>Pantry</a:t>
-            </a:r>
-            <a:endParaRPr lang="en-US" dirty="0">
-              <a:solidFill>
-                <a:srgbClr val="FFFFFF"/>
-              </a:solidFill>
-              <a:latin typeface="Avenir Book"/>
-              <a:cs typeface="Avenir Book"/>
-            </a:endParaRPr>
-          </a:p>
-        </p:txBody>
-      </p:sp>
-      <p:sp>
-        <p:nvSpPr>
-          <p:cNvPr id="7" name="TextBox 6"/>
-          <p:cNvSpPr txBox="1"/>
-          <p:nvPr/>
-        </p:nvSpPr>
-        <p:spPr>
-          <a:xfrm>
-            <a:off x="6489666" y="136307"/>
-            <a:ext cx="1412355" cy="369332"/>
-          </a:xfrm>
-          <a:prstGeom prst="rect">
-            <a:avLst/>
-          </a:prstGeom>
-          <a:noFill/>
-        </p:spPr>
-        <p:txBody>
-          <a:bodyPr wrap="square" rtlCol="0">
-            <a:spAutoFit/>
-          </a:bodyPr>
-          <a:lstStyle/>
-          <a:p>
-            <a:r>
-              <a:rPr lang="en-US" dirty="0" smtClean="0">
-                <a:solidFill>
-                  <a:srgbClr val="FFFFFF"/>
-                </a:solidFill>
-                <a:latin typeface="Avenir Book"/>
-                <a:cs typeface="Avenir Book"/>
-              </a:rPr>
-              <a:t>Cookbook</a:t>
-            </a:r>
-            <a:endParaRPr lang="en-US" dirty="0">
-              <a:solidFill>
-                <a:srgbClr val="FFFFFF"/>
-              </a:solidFill>
-              <a:latin typeface="Avenir Book"/>
-              <a:cs typeface="Avenir Book"/>
-            </a:endParaRPr>
-          </a:p>
-        </p:txBody>
-      </p:sp>
-      <p:sp>
-        <p:nvSpPr>
-          <p:cNvPr id="8" name="TextBox 7"/>
-          <p:cNvSpPr txBox="1"/>
-          <p:nvPr/>
-        </p:nvSpPr>
-        <p:spPr>
-          <a:xfrm>
-            <a:off x="4928717" y="136307"/>
-            <a:ext cx="1412355" cy="369332"/>
-          </a:xfrm>
-          <a:prstGeom prst="rect">
-            <a:avLst/>
-          </a:prstGeom>
-          <a:noFill/>
-        </p:spPr>
-        <p:txBody>
-          <a:bodyPr wrap="square" rtlCol="0">
-            <a:spAutoFit/>
-          </a:bodyPr>
-          <a:lstStyle/>
-          <a:p>
-            <a:r>
-              <a:rPr lang="en-US" dirty="0" smtClean="0">
-                <a:solidFill>
-                  <a:srgbClr val="FFFFFF"/>
-                </a:solidFill>
-                <a:latin typeface="Avenir Book"/>
-                <a:cs typeface="Avenir Book"/>
-              </a:rPr>
-              <a:t>Sous Chefs</a:t>
-            </a:r>
-            <a:endParaRPr lang="en-US" dirty="0">
-              <a:solidFill>
-                <a:srgbClr val="FFFFFF"/>
-              </a:solidFill>
-              <a:latin typeface="Avenir Book"/>
-              <a:cs typeface="Avenir Book"/>
-            </a:endParaRPr>
-          </a:p>
-        </p:txBody>
-      </p:sp>
-      <p:sp>
-        <p:nvSpPr>
-          <p:cNvPr id="10" name="TextBox 9"/>
-          <p:cNvSpPr txBox="1"/>
-          <p:nvPr/>
-        </p:nvSpPr>
-        <p:spPr>
-          <a:xfrm>
-            <a:off x="330199" y="820096"/>
-            <a:ext cx="1285542" cy="307777"/>
-          </a:xfrm>
-          <a:prstGeom prst="rect">
-            <a:avLst/>
-          </a:prstGeom>
-          <a:noFill/>
-        </p:spPr>
-        <p:txBody>
-          <a:bodyPr wrap="square" rtlCol="0">
-            <a:spAutoFit/>
-          </a:bodyPr>
-          <a:lstStyle/>
-          <a:p>
-            <a:r>
-              <a:rPr lang="en-US" sz="1400" dirty="0" smtClean="0">
-                <a:latin typeface="Avenir Book"/>
-                <a:cs typeface="Avenir Book"/>
-              </a:rPr>
-              <a:t>Serving Size</a:t>
-            </a:r>
-            <a:endParaRPr lang="en-US" sz="1400" dirty="0">
-              <a:latin typeface="Avenir Book"/>
-              <a:cs typeface="Avenir Book"/>
-            </a:endParaRPr>
-          </a:p>
-        </p:txBody>
-      </p:sp>
-      <p:sp>
-        <p:nvSpPr>
-          <p:cNvPr id="12" name="Rectangle 11"/>
-          <p:cNvSpPr/>
-          <p:nvPr/>
-        </p:nvSpPr>
-        <p:spPr>
-          <a:xfrm>
-            <a:off x="4632114" y="820096"/>
-            <a:ext cx="1222586" cy="315225"/>
-          </a:xfrm>
-          <a:prstGeom prst="rect">
-            <a:avLst/>
-          </a:prstGeom>
-          <a:noFill/>
-          <a:ln>
-            <a:solidFill>
-              <a:schemeClr val="bg1">
-                <a:lumMod val="65000"/>
-              </a:schemeClr>
-            </a:solidFill>
-          </a:ln>
-        </p:spPr>
-        <p:style>
-          <a:lnRef idx="1">
-            <a:schemeClr val="accent1"/>
-          </a:lnRef>
-          <a:fillRef idx="3">
-            <a:schemeClr val="accent1"/>
-          </a:fillRef>
-          <a:effectRef idx="2">
-            <a:schemeClr val="accent1"/>
-          </a:effectRef>
-          <a:fontRef idx="minor">
-            <a:schemeClr val="lt1"/>
-          </a:fontRef>
-        </p:style>
-        <p:txBody>
-          <a:bodyPr rtlCol="0" anchor="ctr"/>
-          <a:lstStyle/>
-          <a:p>
-            <a:pPr algn="ctr"/>
-            <a:endParaRPr lang="en-US"/>
-          </a:p>
-        </p:txBody>
-      </p:sp>
-      <p:sp>
-        <p:nvSpPr>
-          <p:cNvPr id="13" name="Rectangle 12"/>
-          <p:cNvSpPr/>
-          <p:nvPr/>
-        </p:nvSpPr>
-        <p:spPr>
-          <a:xfrm>
-            <a:off x="2634841" y="827544"/>
-            <a:ext cx="2260722" cy="307777"/>
-          </a:xfrm>
-          <a:prstGeom prst="rect">
-            <a:avLst/>
-          </a:prstGeom>
-        </p:spPr>
-        <p:txBody>
-          <a:bodyPr wrap="square">
-            <a:spAutoFit/>
-          </a:bodyPr>
-          <a:lstStyle/>
-          <a:p>
-            <a:r>
-              <a:rPr lang="en-US" sz="1400" dirty="0" smtClean="0">
-                <a:latin typeface="Avenir Book"/>
-                <a:cs typeface="Avenir Book"/>
-              </a:rPr>
-              <a:t>Additional Ingredients</a:t>
-            </a:r>
-            <a:endParaRPr lang="en-US" sz="1400" dirty="0">
-              <a:latin typeface="Avenir Book"/>
-              <a:cs typeface="Avenir Book"/>
-            </a:endParaRPr>
-          </a:p>
-        </p:txBody>
-      </p:sp>
-      <p:sp>
-        <p:nvSpPr>
           <p:cNvPr id="14" name="Rectangle 13"/>
           <p:cNvSpPr/>
           <p:nvPr/>
         </p:nvSpPr>
         <p:spPr>
           <a:xfrm>
-            <a:off x="444500" y="1376930"/>
+            <a:off x="396031" y="1551534"/>
             <a:ext cx="1689100" cy="1511435"/>
           </a:xfrm>
           <a:prstGeom prst="rect">
@@ -10522,7 +10683,7 @@
         </p:nvSpPr>
         <p:spPr>
           <a:xfrm>
-            <a:off x="2634841" y="1349261"/>
+            <a:off x="2586372" y="1523865"/>
             <a:ext cx="1689100" cy="1511435"/>
           </a:xfrm>
           <a:prstGeom prst="rect">
@@ -10568,7 +10729,7 @@
         </p:nvSpPr>
         <p:spPr>
           <a:xfrm>
-            <a:off x="440992" y="3281930"/>
+            <a:off x="392523" y="3456534"/>
             <a:ext cx="1689100" cy="1511435"/>
           </a:xfrm>
           <a:prstGeom prst="rect">
@@ -10614,7 +10775,7 @@
         </p:nvSpPr>
         <p:spPr>
           <a:xfrm>
-            <a:off x="2634841" y="3281930"/>
+            <a:off x="2586372" y="3456534"/>
             <a:ext cx="1689100" cy="1511435"/>
           </a:xfrm>
           <a:prstGeom prst="rect">
@@ -10660,7 +10821,7 @@
         </p:nvSpPr>
         <p:spPr>
           <a:xfrm>
-            <a:off x="4910689" y="1394960"/>
+            <a:off x="4862220" y="1569564"/>
             <a:ext cx="1689100" cy="1511435"/>
           </a:xfrm>
           <a:prstGeom prst="rect">
@@ -10706,7 +10867,7 @@
         </p:nvSpPr>
         <p:spPr>
           <a:xfrm>
-            <a:off x="7101030" y="1367291"/>
+            <a:off x="7052561" y="1541895"/>
             <a:ext cx="1689100" cy="1511435"/>
           </a:xfrm>
           <a:prstGeom prst="rect">
@@ -10752,7 +10913,7 @@
         </p:nvSpPr>
         <p:spPr>
           <a:xfrm>
-            <a:off x="4907181" y="3299960"/>
+            <a:off x="4858712" y="3474564"/>
             <a:ext cx="1689100" cy="1511435"/>
           </a:xfrm>
           <a:prstGeom prst="rect">
@@ -10798,7 +10959,7 @@
         </p:nvSpPr>
         <p:spPr>
           <a:xfrm>
-            <a:off x="7101030" y="3299960"/>
+            <a:off x="7052561" y="3474564"/>
             <a:ext cx="1689100" cy="1511435"/>
           </a:xfrm>
           <a:prstGeom prst="rect">
@@ -10844,7 +11005,7 @@
         </p:nvSpPr>
         <p:spPr>
           <a:xfrm>
-            <a:off x="462528" y="5199630"/>
+            <a:off x="414059" y="5374234"/>
             <a:ext cx="1689100" cy="1511435"/>
           </a:xfrm>
           <a:prstGeom prst="rect">
@@ -10890,7 +11051,7 @@
         </p:nvSpPr>
         <p:spPr>
           <a:xfrm>
-            <a:off x="2656377" y="5199630"/>
+            <a:off x="2607908" y="5374234"/>
             <a:ext cx="1689100" cy="1511435"/>
           </a:xfrm>
           <a:prstGeom prst="rect">
@@ -10936,7 +11097,7 @@
         </p:nvSpPr>
         <p:spPr>
           <a:xfrm>
-            <a:off x="4928717" y="5217660"/>
+            <a:off x="4880248" y="5392264"/>
             <a:ext cx="1689100" cy="1511435"/>
           </a:xfrm>
           <a:prstGeom prst="rect">
@@ -10982,7 +11143,7 @@
         </p:nvSpPr>
         <p:spPr>
           <a:xfrm>
-            <a:off x="7122566" y="5217660"/>
+            <a:off x="7074097" y="5392264"/>
             <a:ext cx="1689100" cy="1511435"/>
           </a:xfrm>
           <a:prstGeom prst="rect">
@@ -11022,25 +11183,25 @@
       </p:sp>
       <p:sp>
         <p:nvSpPr>
-          <p:cNvPr id="30" name="Rectangle 29"/>
+          <p:cNvPr id="34" name="Rectangle 33"/>
           <p:cNvSpPr/>
           <p:nvPr/>
         </p:nvSpPr>
         <p:spPr>
           <a:xfrm>
-            <a:off x="6083300" y="762115"/>
-            <a:ext cx="2706830" cy="373206"/>
+            <a:off x="266701" y="628958"/>
+            <a:ext cx="8674099" cy="720303"/>
           </a:xfrm>
           <a:prstGeom prst="rect">
             <a:avLst/>
           </a:prstGeom>
           <a:solidFill>
-            <a:srgbClr val="FFA91D"/>
+            <a:schemeClr val="tx1">
+              <a:alpha val="70000"/>
+            </a:schemeClr>
           </a:solidFill>
           <a:ln>
-            <a:solidFill>
-              <a:srgbClr val="FFAF48"/>
-            </a:solidFill>
+            <a:noFill/>
           </a:ln>
         </p:spPr>
         <p:style>
@@ -11062,35 +11223,155 @@
           <a:lstStyle/>
           <a:p>
             <a:pPr algn="ctr"/>
-            <a:r>
-              <a:rPr lang="en-US" sz="1600" dirty="0" smtClean="0"/>
-              <a:t>Scavenge</a:t>
-            </a:r>
-            <a:endParaRPr lang="en-US" dirty="0"/>
-          </a:p>
-        </p:txBody>
-      </p:sp>
-      <p:sp>
-        <p:nvSpPr>
-          <p:cNvPr id="31" name="Rectangle 30"/>
+            <a:endParaRPr lang="en-US"/>
+          </a:p>
+        </p:txBody>
+      </p:sp>
+      <p:sp>
+        <p:nvSpPr>
+          <p:cNvPr id="35" name="TextBox 34"/>
+          <p:cNvSpPr txBox="1"/>
+          <p:nvPr/>
+        </p:nvSpPr>
+        <p:spPr>
+          <a:xfrm>
+            <a:off x="330200" y="787194"/>
+            <a:ext cx="3129557" cy="369332"/>
+          </a:xfrm>
+          <a:prstGeom prst="rect">
+            <a:avLst/>
+          </a:prstGeom>
+          <a:noFill/>
+        </p:spPr>
+        <p:txBody>
+          <a:bodyPr wrap="square" rtlCol="0">
+            <a:spAutoFit/>
+          </a:bodyPr>
+          <a:lstStyle/>
+          <a:p>
+            <a:r>
+              <a:rPr lang="en-US" dirty="0" smtClean="0">
+                <a:solidFill>
+                  <a:schemeClr val="bg1"/>
+                </a:solidFill>
+                <a:latin typeface="Brandon Grotesque Regular"/>
+                <a:cs typeface="Brandon Grotesque Regular"/>
+              </a:rPr>
+              <a:t>Serving Size:</a:t>
+            </a:r>
+            <a:endParaRPr lang="en-US" dirty="0">
+              <a:solidFill>
+                <a:schemeClr val="bg1"/>
+              </a:solidFill>
+              <a:latin typeface="Brandon Grotesque Regular"/>
+              <a:cs typeface="Brandon Grotesque Regular"/>
+            </a:endParaRPr>
+          </a:p>
+        </p:txBody>
+      </p:sp>
+      <p:sp>
+        <p:nvSpPr>
+          <p:cNvPr id="36" name="TextBox 35"/>
+          <p:cNvSpPr txBox="1"/>
+          <p:nvPr/>
+        </p:nvSpPr>
+        <p:spPr>
+          <a:xfrm>
+            <a:off x="2265957" y="787194"/>
+            <a:ext cx="2387599" cy="369332"/>
+          </a:xfrm>
+          <a:prstGeom prst="rect">
+            <a:avLst/>
+          </a:prstGeom>
+          <a:noFill/>
+        </p:spPr>
+        <p:txBody>
+          <a:bodyPr wrap="square" rtlCol="0">
+            <a:spAutoFit/>
+          </a:bodyPr>
+          <a:lstStyle/>
+          <a:p>
+            <a:r>
+              <a:rPr lang="en-US" dirty="0" smtClean="0">
+                <a:solidFill>
+                  <a:schemeClr val="bg1"/>
+                </a:solidFill>
+                <a:latin typeface="Brandon Grotesque Regular"/>
+                <a:cs typeface="Brandon Grotesque Regular"/>
+              </a:rPr>
+              <a:t>Additional Ingredients:</a:t>
+            </a:r>
+            <a:endParaRPr lang="en-US" dirty="0">
+              <a:solidFill>
+                <a:schemeClr val="bg1"/>
+              </a:solidFill>
+              <a:latin typeface="Brandon Grotesque Regular"/>
+              <a:cs typeface="Brandon Grotesque Regular"/>
+            </a:endParaRPr>
+          </a:p>
+        </p:txBody>
+      </p:sp>
+      <p:sp>
+        <p:nvSpPr>
+          <p:cNvPr id="37" name="TextBox 36"/>
+          <p:cNvSpPr txBox="1"/>
+          <p:nvPr/>
+        </p:nvSpPr>
+        <p:spPr>
+          <a:xfrm>
+            <a:off x="1612900" y="787194"/>
+            <a:ext cx="1662577" cy="369332"/>
+          </a:xfrm>
+          <a:prstGeom prst="rect">
+            <a:avLst/>
+          </a:prstGeom>
+          <a:noFill/>
+        </p:spPr>
+        <p:txBody>
+          <a:bodyPr wrap="square" rtlCol="0">
+            <a:spAutoFit/>
+          </a:bodyPr>
+          <a:lstStyle/>
+          <a:p>
+            <a:r>
+              <a:rPr lang="en-US" dirty="0" smtClean="0">
+                <a:solidFill>
+                  <a:schemeClr val="bg1"/>
+                </a:solidFill>
+                <a:latin typeface="Brandon Grotesque Regular"/>
+                <a:cs typeface="Brandon Grotesque Regular"/>
+              </a:rPr>
+              <a:t>&lt; 1 &gt;</a:t>
+            </a:r>
+            <a:endParaRPr lang="en-US" dirty="0">
+              <a:solidFill>
+                <a:schemeClr val="bg1"/>
+              </a:solidFill>
+              <a:latin typeface="Brandon Grotesque Regular"/>
+              <a:cs typeface="Brandon Grotesque Regular"/>
+            </a:endParaRPr>
+          </a:p>
+        </p:txBody>
+      </p:sp>
+      <p:sp>
+        <p:nvSpPr>
+          <p:cNvPr id="38" name="Rectangle 37"/>
           <p:cNvSpPr/>
           <p:nvPr/>
         </p:nvSpPr>
         <p:spPr>
           <a:xfrm>
-            <a:off x="1501441" y="814884"/>
-            <a:ext cx="873459" cy="312990"/>
-          </a:xfrm>
-          <a:prstGeom prst="rect">
-            <a:avLst/>
-          </a:prstGeom>
-          <a:noFill/>
+            <a:off x="6008054" y="787194"/>
+            <a:ext cx="2733607" cy="368300"/>
+          </a:xfrm>
+          <a:prstGeom prst="rect">
+            <a:avLst/>
+          </a:prstGeom>
+          <a:solidFill>
+            <a:srgbClr val="FF9111"/>
+          </a:solidFill>
           <a:ln>
-            <a:solidFill>
-              <a:schemeClr val="bg1">
-                <a:lumMod val="65000"/>
-              </a:schemeClr>
-            </a:solidFill>
+            <a:noFill/>
           </a:ln>
         </p:spPr>
         <p:style>
@@ -11112,10 +11393,229 @@
           <a:lstStyle/>
           <a:p>
             <a:pPr algn="ctr"/>
-            <a:endParaRPr lang="en-US"/>
-          </a:p>
-        </p:txBody>
-      </p:sp>
+            <a:r>
+              <a:rPr lang="en-US" dirty="0" smtClean="0"/>
+              <a:t>SCAVENGE</a:t>
+            </a:r>
+            <a:endParaRPr lang="en-US" dirty="0"/>
+          </a:p>
+        </p:txBody>
+      </p:sp>
+      <p:sp>
+        <p:nvSpPr>
+          <p:cNvPr id="39" name="TextBox 38"/>
+          <p:cNvSpPr txBox="1"/>
+          <p:nvPr/>
+        </p:nvSpPr>
+        <p:spPr>
+          <a:xfrm>
+            <a:off x="4495800" y="787194"/>
+            <a:ext cx="1662577" cy="369332"/>
+          </a:xfrm>
+          <a:prstGeom prst="rect">
+            <a:avLst/>
+          </a:prstGeom>
+          <a:noFill/>
+        </p:spPr>
+        <p:txBody>
+          <a:bodyPr wrap="square" rtlCol="0">
+            <a:spAutoFit/>
+          </a:bodyPr>
+          <a:lstStyle/>
+          <a:p>
+            <a:r>
+              <a:rPr lang="en-US" dirty="0" smtClean="0">
+                <a:solidFill>
+                  <a:schemeClr val="bg1"/>
+                </a:solidFill>
+                <a:latin typeface="Brandon Grotesque Regular"/>
+                <a:cs typeface="Brandon Grotesque Regular"/>
+              </a:rPr>
+              <a:t>&lt; 1 &gt;</a:t>
+            </a:r>
+            <a:endParaRPr lang="en-US" dirty="0">
+              <a:solidFill>
+                <a:schemeClr val="bg1"/>
+              </a:solidFill>
+              <a:latin typeface="Brandon Grotesque Regular"/>
+              <a:cs typeface="Brandon Grotesque Regular"/>
+            </a:endParaRPr>
+          </a:p>
+        </p:txBody>
+      </p:sp>
+      <p:sp>
+        <p:nvSpPr>
+          <p:cNvPr id="2" name="TextBox 1"/>
+          <p:cNvSpPr txBox="1"/>
+          <p:nvPr/>
+        </p:nvSpPr>
+        <p:spPr>
+          <a:xfrm>
+            <a:off x="392523" y="1523865"/>
+            <a:ext cx="3468277" cy="1754327"/>
+          </a:xfrm>
+          <a:prstGeom prst="rect">
+            <a:avLst/>
+          </a:prstGeom>
+          <a:solidFill>
+            <a:srgbClr val="000000">
+              <a:alpha val="71000"/>
+            </a:srgbClr>
+          </a:solidFill>
+        </p:spPr>
+        <p:txBody>
+          <a:bodyPr wrap="square" rtlCol="0">
+            <a:spAutoFit/>
+          </a:bodyPr>
+          <a:lstStyle/>
+          <a:p>
+            <a:r>
+              <a:rPr lang="en-US" dirty="0" smtClean="0">
+                <a:solidFill>
+                  <a:srgbClr val="FFFFFF"/>
+                </a:solidFill>
+              </a:rPr>
+              <a:t>If no recipes are found, this page will instead show text:</a:t>
+            </a:r>
+          </a:p>
+          <a:p>
+            <a:endParaRPr lang="en-US" dirty="0">
+              <a:solidFill>
+                <a:srgbClr val="FFFFFF"/>
+              </a:solidFill>
+            </a:endParaRPr>
+          </a:p>
+          <a:p>
+            <a:r>
+              <a:rPr lang="en-US" dirty="0" smtClean="0">
+                <a:solidFill>
+                  <a:srgbClr val="FFFFFF"/>
+                </a:solidFill>
+              </a:rPr>
+              <a:t>No recipes found. We suggest that you allow additional ingredients in your search.</a:t>
+            </a:r>
+            <a:endParaRPr lang="en-US" dirty="0">
+              <a:solidFill>
+                <a:srgbClr val="FFFFFF"/>
+              </a:solidFill>
+            </a:endParaRPr>
+          </a:p>
+        </p:txBody>
+      </p:sp>
+      <p:sp>
+        <p:nvSpPr>
+          <p:cNvPr id="30" name="TextBox 29"/>
+          <p:cNvSpPr txBox="1"/>
+          <p:nvPr/>
+        </p:nvSpPr>
+        <p:spPr>
+          <a:xfrm>
+            <a:off x="6972300" y="127898"/>
+            <a:ext cx="1844121" cy="369332"/>
+          </a:xfrm>
+          <a:prstGeom prst="rect">
+            <a:avLst/>
+          </a:prstGeom>
+          <a:noFill/>
+        </p:spPr>
+        <p:txBody>
+          <a:bodyPr wrap="square" rtlCol="0">
+            <a:spAutoFit/>
+          </a:bodyPr>
+          <a:lstStyle/>
+          <a:p>
+            <a:r>
+              <a:rPr lang="en-US" dirty="0" smtClean="0">
+                <a:solidFill>
+                  <a:srgbClr val="FFFFFF"/>
+                </a:solidFill>
+                <a:latin typeface="Brandon Grotesque Regular"/>
+                <a:cs typeface="Brandon Grotesque Regular"/>
+              </a:rPr>
+              <a:t>COOKBOOK</a:t>
+            </a:r>
+            <a:endParaRPr lang="en-US" dirty="0">
+              <a:solidFill>
+                <a:srgbClr val="FFFFFF"/>
+              </a:solidFill>
+              <a:latin typeface="Brandon Grotesque Regular"/>
+              <a:cs typeface="Brandon Grotesque Regular"/>
+            </a:endParaRPr>
+          </a:p>
+        </p:txBody>
+      </p:sp>
+      <p:sp>
+        <p:nvSpPr>
+          <p:cNvPr id="31" name="TextBox 30"/>
+          <p:cNvSpPr txBox="1"/>
+          <p:nvPr/>
+        </p:nvSpPr>
+        <p:spPr>
+          <a:xfrm>
+            <a:off x="5464772" y="136307"/>
+            <a:ext cx="1412355" cy="369332"/>
+          </a:xfrm>
+          <a:prstGeom prst="rect">
+            <a:avLst/>
+          </a:prstGeom>
+          <a:noFill/>
+        </p:spPr>
+        <p:txBody>
+          <a:bodyPr wrap="square" rtlCol="0">
+            <a:spAutoFit/>
+          </a:bodyPr>
+          <a:lstStyle/>
+          <a:p>
+            <a:r>
+              <a:rPr lang="en-US" dirty="0" smtClean="0">
+                <a:solidFill>
+                  <a:srgbClr val="FFFFFF"/>
+                </a:solidFill>
+                <a:latin typeface="Brandon Grotesque Regular"/>
+                <a:cs typeface="Brandon Grotesque Regular"/>
+              </a:rPr>
+              <a:t>PANTRY</a:t>
+            </a:r>
+            <a:endParaRPr lang="en-US" dirty="0">
+              <a:solidFill>
+                <a:srgbClr val="FFFFFF"/>
+              </a:solidFill>
+              <a:latin typeface="Brandon Grotesque Regular"/>
+              <a:cs typeface="Brandon Grotesque Regular"/>
+            </a:endParaRPr>
+          </a:p>
+        </p:txBody>
+      </p:sp>
+      <p:pic>
+        <p:nvPicPr>
+          <p:cNvPr id="40" name="Picture 39" descr="imhungry_logo_white.png"/>
+          <p:cNvPicPr>
+            <a:picLocks noChangeAspect="1"/>
+          </p:cNvPicPr>
+          <p:nvPr/>
+        </p:nvPicPr>
+        <p:blipFill>
+          <a:blip r:embed="rId2">
+            <a:extLst>
+              <a:ext uri="{28A0092B-C50C-407E-A947-70E740481C1C}">
+                <a14:useLocalDpi xmlns:a14="http://schemas.microsoft.com/office/drawing/2010/main" val="0"/>
+              </a:ext>
+            </a:extLst>
+          </a:blip>
+          <a:stretch>
+            <a:fillRect/>
+          </a:stretch>
+        </p:blipFill>
+        <p:spPr>
+          <a:xfrm>
+            <a:off x="266701" y="127898"/>
+            <a:ext cx="1409699" cy="377741"/>
+          </a:xfrm>
+          <a:prstGeom prst="rect">
+            <a:avLst/>
+          </a:prstGeom>
+        </p:spPr>
+      </p:pic>
     </p:spTree>
     <p:extLst>
       <p:ext uri="{BB962C8B-B14F-4D97-AF65-F5344CB8AC3E}">
@@ -11162,10 +11662,18 @@
           <a:lstStyle/>
           <a:p>
             <a:r>
-              <a:rPr lang="en-US" dirty="0" smtClean="0"/>
+              <a:rPr lang="en-US" dirty="0" smtClean="0">
+                <a:solidFill>
+                  <a:srgbClr val="FFFFFF"/>
+                </a:solidFill>
+              </a:rPr>
               <a:t>Friends page</a:t>
             </a:r>
-            <a:endParaRPr lang="en-US" dirty="0"/>
+            <a:endParaRPr lang="en-US" dirty="0">
+              <a:solidFill>
+                <a:srgbClr val="FFFFFF"/>
+              </a:solidFill>
+            </a:endParaRPr>
           </a:p>
         </p:txBody>
       </p:sp>
